--- a/English/3.Modeling/4.Dealing with Many to many relations.pptx
+++ b/English/3.Modeling/4.Dealing with Many to many relations.pptx
@@ -204,7 +204,7 @@
           <a:p>
             <a:fld id="{056BA3B8-9F76-4D81-B71D-76CB85363062}" type="datetimeFigureOut">
               <a:rPr lang="en-US" smtClean="0"/>
-              <a:t>1/7/2025</a:t>
+              <a:t>3/5/2025</a:t>
             </a:fld>
             <a:endParaRPr lang="en-US"/>
           </a:p>
@@ -687,7 +687,7 @@
           <a:p>
             <a:fld id="{6F01DA4D-20EA-48D2-973C-0311EC3005D6}" type="datetimeFigureOut">
               <a:rPr lang="en-US" smtClean="0"/>
-              <a:t>1/7/2025</a:t>
+              <a:t>3/5/2025</a:t>
             </a:fld>
             <a:endParaRPr lang="en-US"/>
           </a:p>
@@ -857,7 +857,7 @@
           <a:p>
             <a:fld id="{6F01DA4D-20EA-48D2-973C-0311EC3005D6}" type="datetimeFigureOut">
               <a:rPr lang="en-US" smtClean="0"/>
-              <a:t>1/7/2025</a:t>
+              <a:t>3/5/2025</a:t>
             </a:fld>
             <a:endParaRPr lang="en-US"/>
           </a:p>
@@ -1037,7 +1037,7 @@
           <a:p>
             <a:fld id="{6F01DA4D-20EA-48D2-973C-0311EC3005D6}" type="datetimeFigureOut">
               <a:rPr lang="en-US" smtClean="0"/>
-              <a:t>1/7/2025</a:t>
+              <a:t>3/5/2025</a:t>
             </a:fld>
             <a:endParaRPr lang="en-US"/>
           </a:p>
@@ -1207,7 +1207,7 @@
           <a:p>
             <a:fld id="{6F01DA4D-20EA-48D2-973C-0311EC3005D6}" type="datetimeFigureOut">
               <a:rPr lang="en-US" smtClean="0"/>
-              <a:t>1/7/2025</a:t>
+              <a:t>3/5/2025</a:t>
             </a:fld>
             <a:endParaRPr lang="en-US"/>
           </a:p>
@@ -1453,7 +1453,7 @@
           <a:p>
             <a:fld id="{6F01DA4D-20EA-48D2-973C-0311EC3005D6}" type="datetimeFigureOut">
               <a:rPr lang="en-US" smtClean="0"/>
-              <a:t>1/7/2025</a:t>
+              <a:t>3/5/2025</a:t>
             </a:fld>
             <a:endParaRPr lang="en-US"/>
           </a:p>
@@ -1685,7 +1685,7 @@
           <a:p>
             <a:fld id="{6F01DA4D-20EA-48D2-973C-0311EC3005D6}" type="datetimeFigureOut">
               <a:rPr lang="en-US" smtClean="0"/>
-              <a:t>1/7/2025</a:t>
+              <a:t>3/5/2025</a:t>
             </a:fld>
             <a:endParaRPr lang="en-US"/>
           </a:p>
@@ -2052,7 +2052,7 @@
           <a:p>
             <a:fld id="{6F01DA4D-20EA-48D2-973C-0311EC3005D6}" type="datetimeFigureOut">
               <a:rPr lang="en-US" smtClean="0"/>
-              <a:t>1/7/2025</a:t>
+              <a:t>3/5/2025</a:t>
             </a:fld>
             <a:endParaRPr lang="en-US"/>
           </a:p>
@@ -2170,7 +2170,7 @@
           <a:p>
             <a:fld id="{6F01DA4D-20EA-48D2-973C-0311EC3005D6}" type="datetimeFigureOut">
               <a:rPr lang="en-US" smtClean="0"/>
-              <a:t>1/7/2025</a:t>
+              <a:t>3/5/2025</a:t>
             </a:fld>
             <a:endParaRPr lang="en-US"/>
           </a:p>
@@ -2265,7 +2265,7 @@
           <a:p>
             <a:fld id="{6F01DA4D-20EA-48D2-973C-0311EC3005D6}" type="datetimeFigureOut">
               <a:rPr lang="en-US" smtClean="0"/>
-              <a:t>1/7/2025</a:t>
+              <a:t>3/5/2025</a:t>
             </a:fld>
             <a:endParaRPr lang="en-US"/>
           </a:p>
@@ -2542,7 +2542,7 @@
           <a:p>
             <a:fld id="{6F01DA4D-20EA-48D2-973C-0311EC3005D6}" type="datetimeFigureOut">
               <a:rPr lang="en-US" smtClean="0"/>
-              <a:t>1/7/2025</a:t>
+              <a:t>3/5/2025</a:t>
             </a:fld>
             <a:endParaRPr lang="en-US"/>
           </a:p>
@@ -2795,7 +2795,7 @@
           <a:p>
             <a:fld id="{6F01DA4D-20EA-48D2-973C-0311EC3005D6}" type="datetimeFigureOut">
               <a:rPr lang="en-US" smtClean="0"/>
-              <a:t>1/7/2025</a:t>
+              <a:t>3/5/2025</a:t>
             </a:fld>
             <a:endParaRPr lang="en-US"/>
           </a:p>
@@ -3008,7 +3008,7 @@
           <a:p>
             <a:fld id="{6F01DA4D-20EA-48D2-973C-0311EC3005D6}" type="datetimeFigureOut">
               <a:rPr lang="en-US" smtClean="0"/>
-              <a:t>1/7/2025</a:t>
+              <a:t>3/5/2025</a:t>
             </a:fld>
             <a:endParaRPr lang="en-US"/>
           </a:p>
@@ -3722,14 +3722,7 @@
                 <a:latin typeface="Segoe UI" panose="020B0502040204020203" pitchFamily="34" charset="0"/>
                 <a:cs typeface="Segoe UI" panose="020B0502040204020203" pitchFamily="34" charset="0"/>
               </a:rPr>
-              <a:t>Dealing with </a:t>
-            </a:r>
-            <a:r>
-              <a:rPr lang="en-US" sz="2000" dirty="0" smtClean="0">
-                <a:latin typeface="Segoe UI" panose="020B0502040204020203" pitchFamily="34" charset="0"/>
-                <a:cs typeface="Segoe UI" panose="020B0502040204020203" pitchFamily="34" charset="0"/>
-              </a:rPr>
-              <a:t>many to many relations</a:t>
+              <a:t>Dealing with many to many relations</a:t>
             </a:r>
             <a:endParaRPr lang="en-US" sz="2000" dirty="0">
               <a:latin typeface="Segoe UI" panose="020B0502040204020203" pitchFamily="34" charset="0"/>
@@ -3800,15 +3793,7 @@
                 <a:ea typeface="Times New Roman" panose="02020603050405020304" pitchFamily="18" charset="0"/>
                 <a:cs typeface="Times New Roman" panose="02020603050405020304" pitchFamily="18" charset="0"/>
               </a:rPr>
-              <a:t> </a:t>
-            </a:r>
-            <a:r>
-              <a:rPr lang="en-US" kern="0" dirty="0" smtClean="0">
-                <a:latin typeface="Segoe UI" panose="020B0502040204020203" pitchFamily="34" charset="0"/>
-                <a:ea typeface="Times New Roman" panose="02020603050405020304" pitchFamily="18" charset="0"/>
-                <a:cs typeface="Times New Roman" panose="02020603050405020304" pitchFamily="18" charset="0"/>
-              </a:rPr>
-              <a:t>in </a:t>
+              <a:t> in </a:t>
             </a:r>
             <a:r>
               <a:rPr lang="en-US" b="1" kern="0" dirty="0" smtClean="0">
@@ -4238,14 +4223,7 @@
                 <a:latin typeface="Segoe UI" panose="020B0502040204020203" pitchFamily="34" charset="0"/>
                 <a:cs typeface="Segoe UI" panose="020B0502040204020203" pitchFamily="34" charset="0"/>
               </a:rPr>
-              <a:t>Dealing with </a:t>
-            </a:r>
-            <a:r>
-              <a:rPr lang="en-US" sz="2000" dirty="0" smtClean="0">
-                <a:latin typeface="Segoe UI" panose="020B0502040204020203" pitchFamily="34" charset="0"/>
-                <a:cs typeface="Segoe UI" panose="020B0502040204020203" pitchFamily="34" charset="0"/>
-              </a:rPr>
-              <a:t>many to many relations</a:t>
+              <a:t>Dealing with many to many relations</a:t>
             </a:r>
             <a:endParaRPr lang="en-US" sz="2000" dirty="0">
               <a:latin typeface="Segoe UI" panose="020B0502040204020203" pitchFamily="34" charset="0"/>
@@ -4769,14 +4747,7 @@
                 <a:latin typeface="Segoe UI" panose="020B0502040204020203" pitchFamily="34" charset="0"/>
                 <a:cs typeface="Segoe UI" panose="020B0502040204020203" pitchFamily="34" charset="0"/>
               </a:rPr>
-              <a:t>Dealing with </a:t>
-            </a:r>
-            <a:r>
-              <a:rPr lang="en-US" sz="2000" dirty="0" smtClean="0">
-                <a:latin typeface="Segoe UI" panose="020B0502040204020203" pitchFamily="34" charset="0"/>
-                <a:cs typeface="Segoe UI" panose="020B0502040204020203" pitchFamily="34" charset="0"/>
-              </a:rPr>
-              <a:t>many to many relations</a:t>
+              <a:t>Dealing with many to many relations</a:t>
             </a:r>
             <a:endParaRPr lang="en-US" sz="2000" dirty="0">
               <a:latin typeface="Segoe UI" panose="020B0502040204020203" pitchFamily="34" charset="0"/>
@@ -4958,14 +4929,7 @@
                 <a:latin typeface="Segoe UI" panose="020B0502040204020203" pitchFamily="34" charset="0"/>
                 <a:cs typeface="Segoe UI" panose="020B0502040204020203" pitchFamily="34" charset="0"/>
               </a:rPr>
-              <a:t>Dealing with </a:t>
-            </a:r>
-            <a:r>
-              <a:rPr lang="en-US" sz="2000" dirty="0" smtClean="0">
-                <a:latin typeface="Segoe UI" panose="020B0502040204020203" pitchFamily="34" charset="0"/>
-                <a:cs typeface="Segoe UI" panose="020B0502040204020203" pitchFamily="34" charset="0"/>
-              </a:rPr>
-              <a:t>many to many relations</a:t>
+              <a:t>Dealing with many to many relations</a:t>
             </a:r>
             <a:endParaRPr lang="en-US" sz="2000" dirty="0">
               <a:latin typeface="Segoe UI" panose="020B0502040204020203" pitchFamily="34" charset="0"/>
@@ -5345,14 +5309,7 @@
                 <a:latin typeface="Segoe UI" panose="020B0502040204020203" pitchFamily="34" charset="0"/>
                 <a:cs typeface="Segoe UI" panose="020B0502040204020203" pitchFamily="34" charset="0"/>
               </a:rPr>
-              <a:t>Dealing with </a:t>
-            </a:r>
-            <a:r>
-              <a:rPr lang="en-US" sz="2000" dirty="0" smtClean="0">
-                <a:latin typeface="Segoe UI" panose="020B0502040204020203" pitchFamily="34" charset="0"/>
-                <a:cs typeface="Segoe UI" panose="020B0502040204020203" pitchFamily="34" charset="0"/>
-              </a:rPr>
-              <a:t>many to many relations</a:t>
+              <a:t>Dealing with many to many relations</a:t>
             </a:r>
             <a:endParaRPr lang="en-US" sz="2000" dirty="0">
               <a:latin typeface="Segoe UI" panose="020B0502040204020203" pitchFamily="34" charset="0"/>
@@ -5777,14 +5734,7 @@
                 <a:latin typeface="Segoe UI" panose="020B0502040204020203" pitchFamily="34" charset="0"/>
                 <a:cs typeface="Segoe UI" panose="020B0502040204020203" pitchFamily="34" charset="0"/>
               </a:rPr>
-              <a:t>Dealing with </a:t>
-            </a:r>
-            <a:r>
-              <a:rPr lang="en-US" sz="2000" dirty="0" smtClean="0">
-                <a:latin typeface="Segoe UI" panose="020B0502040204020203" pitchFamily="34" charset="0"/>
-                <a:cs typeface="Segoe UI" panose="020B0502040204020203" pitchFamily="34" charset="0"/>
-              </a:rPr>
-              <a:t>many to many relations</a:t>
+              <a:t>Dealing with many to many relations</a:t>
             </a:r>
             <a:endParaRPr lang="en-US" sz="2000" dirty="0">
               <a:latin typeface="Segoe UI" panose="020B0502040204020203" pitchFamily="34" charset="0"/>

--- a/English/3.Modeling/4.Dealing with Many to many relations.pptx
+++ b/English/3.Modeling/4.Dealing with Many to many relations.pptx
@@ -5,7 +5,7 @@
     <p:sldMasterId id="2147483648" r:id="rId1"/>
   </p:sldMasterIdLst>
   <p:notesMasterIdLst>
-    <p:notesMasterId r:id="rId10"/>
+    <p:notesMasterId r:id="rId12"/>
   </p:notesMasterIdLst>
   <p:sldIdLst>
     <p:sldId id="256" r:id="rId2"/>
@@ -13,15 +13,17 @@
     <p:sldId id="260" r:id="rId4"/>
     <p:sldId id="261" r:id="rId5"/>
     <p:sldId id="262" r:id="rId6"/>
-    <p:sldId id="263" r:id="rId7"/>
-    <p:sldId id="264" r:id="rId8"/>
-    <p:sldId id="258" r:id="rId9"/>
+    <p:sldId id="265" r:id="rId7"/>
+    <p:sldId id="266" r:id="rId8"/>
+    <p:sldId id="263" r:id="rId9"/>
+    <p:sldId id="264" r:id="rId10"/>
+    <p:sldId id="258" r:id="rId11"/>
   </p:sldIdLst>
   <p:sldSz cx="12192000" cy="6858000"/>
   <p:notesSz cx="6858000" cy="9144000"/>
   <p:defaultTextStyle>
     <a:defPPr>
-      <a:defRPr lang="en-US"/>
+      <a:defRPr lang="en"/>
     </a:defPPr>
     <a:lvl1pPr marL="0" algn="l" defTabSz="914400" rtl="0" eaLnBrk="1" latinLnBrk="0" hangingPunct="1">
       <a:defRPr sz="1800" kern="1200">
@@ -3429,8 +3431,8 @@
         </p:nvSpPr>
         <p:spPr>
           <a:xfrm>
-            <a:off x="1267338" y="2092177"/>
-            <a:ext cx="9199606" cy="2308324"/>
+            <a:off x="1342965" y="2408435"/>
+            <a:ext cx="9199606" cy="1200329"/>
           </a:xfrm>
           <a:prstGeom prst="rect">
             <a:avLst/>
@@ -3443,9 +3445,9 @@
           </a:bodyPr>
           <a:lstStyle/>
           <a:p>
-            <a:pPr algn="ctr"/>
-            <a:r>
-              <a:rPr lang="fr-FR" sz="7200" b="1" dirty="0" err="1" smtClean="0">
+            <a:pPr xmlns:a="http://schemas.openxmlformats.org/drawingml/2006/main" algn="ctr"/>
+            <a:r xmlns:a="http://schemas.openxmlformats.org/drawingml/2006/main">
+              <a:rPr lang="en" sz="7200" b="1" dirty="0" err="1" smtClean="0">
                 <a:solidFill>
                   <a:srgbClr val="7030A0"/>
                 </a:solidFill>
@@ -3453,10 +3455,10 @@
                 <a:ea typeface="Verdana" panose="020B0604030504040204" pitchFamily="34" charset="0"/>
                 <a:cs typeface="Segoe UI" panose="020B0502040204020203" pitchFamily="34" charset="0"/>
               </a:rPr>
-              <a:t>Dealing</a:t>
-            </a:r>
-            <a:r>
-              <a:rPr lang="fr-FR" sz="7200" b="1" dirty="0" smtClean="0">
+              <a:t>Many </a:t>
+            </a:r>
+            <a:r xmlns:a="http://schemas.openxmlformats.org/drawingml/2006/main">
+              <a:rPr lang="en" sz="7200" b="1" dirty="0" smtClean="0">
                 <a:solidFill>
                   <a:srgbClr val="7030A0"/>
                 </a:solidFill>
@@ -3464,10 +3466,10 @@
                 <a:ea typeface="Verdana" panose="020B0604030504040204" pitchFamily="34" charset="0"/>
                 <a:cs typeface="Segoe UI" panose="020B0502040204020203" pitchFamily="34" charset="0"/>
               </a:rPr>
-              <a:t> </a:t>
-            </a:r>
-            <a:r>
-              <a:rPr lang="fr-FR" sz="7200" b="1" dirty="0" err="1" smtClean="0">
+              <a:t>to </a:t>
+            </a:r>
+            <a:r xmlns:a="http://schemas.openxmlformats.org/drawingml/2006/main">
+              <a:rPr lang="en" sz="7200" b="1" dirty="0" err="1" smtClean="0">
                 <a:solidFill>
                   <a:srgbClr val="7030A0"/>
                 </a:solidFill>
@@ -3475,64 +3477,9 @@
                 <a:ea typeface="Verdana" panose="020B0604030504040204" pitchFamily="34" charset="0"/>
                 <a:cs typeface="Segoe UI" panose="020B0502040204020203" pitchFamily="34" charset="0"/>
               </a:rPr>
-              <a:t>with</a:t>
-            </a:r>
-            <a:r>
-              <a:rPr lang="fr-FR" sz="7200" b="1" dirty="0" smtClean="0">
-                <a:solidFill>
-                  <a:srgbClr val="7030A0"/>
-                </a:solidFill>
-                <a:latin typeface="Segoe UI" panose="020B0502040204020203" pitchFamily="34" charset="0"/>
-                <a:ea typeface="Verdana" panose="020B0604030504040204" pitchFamily="34" charset="0"/>
-                <a:cs typeface="Segoe UI" panose="020B0502040204020203" pitchFamily="34" charset="0"/>
-              </a:rPr>
-              <a:t> </a:t>
-            </a:r>
-            <a:r>
-              <a:rPr lang="fr-FR" sz="7200" b="1" dirty="0" err="1" smtClean="0">
-                <a:solidFill>
-                  <a:srgbClr val="7030A0"/>
-                </a:solidFill>
-                <a:latin typeface="Segoe UI" panose="020B0502040204020203" pitchFamily="34" charset="0"/>
-                <a:ea typeface="Verdana" panose="020B0604030504040204" pitchFamily="34" charset="0"/>
-                <a:cs typeface="Segoe UI" panose="020B0502040204020203" pitchFamily="34" charset="0"/>
-              </a:rPr>
               <a:t>many</a:t>
             </a:r>
-            <a:r>
-              <a:rPr lang="fr-FR" sz="7200" b="1" dirty="0" smtClean="0">
-                <a:solidFill>
-                  <a:srgbClr val="7030A0"/>
-                </a:solidFill>
-                <a:latin typeface="Segoe UI" panose="020B0502040204020203" pitchFamily="34" charset="0"/>
-                <a:ea typeface="Verdana" panose="020B0604030504040204" pitchFamily="34" charset="0"/>
-                <a:cs typeface="Segoe UI" panose="020B0502040204020203" pitchFamily="34" charset="0"/>
-              </a:rPr>
-              <a:t> to </a:t>
-            </a:r>
-            <a:r>
-              <a:rPr lang="fr-FR" sz="7200" b="1" dirty="0" err="1" smtClean="0">
-                <a:solidFill>
-                  <a:srgbClr val="7030A0"/>
-                </a:solidFill>
-                <a:latin typeface="Segoe UI" panose="020B0502040204020203" pitchFamily="34" charset="0"/>
-                <a:ea typeface="Verdana" panose="020B0604030504040204" pitchFamily="34" charset="0"/>
-                <a:cs typeface="Segoe UI" panose="020B0502040204020203" pitchFamily="34" charset="0"/>
-              </a:rPr>
-              <a:t>many</a:t>
-            </a:r>
-            <a:r>
-              <a:rPr lang="fr-FR" sz="7200" b="1" dirty="0" smtClean="0">
-                <a:solidFill>
-                  <a:srgbClr val="7030A0"/>
-                </a:solidFill>
-                <a:latin typeface="Segoe UI" panose="020B0502040204020203" pitchFamily="34" charset="0"/>
-                <a:ea typeface="Verdana" panose="020B0604030504040204" pitchFamily="34" charset="0"/>
-                <a:cs typeface="Segoe UI" panose="020B0502040204020203" pitchFamily="34" charset="0"/>
-              </a:rPr>
-              <a:t> relations</a:t>
-            </a:r>
-            <a:endParaRPr lang="en-US" sz="7200" b="1" dirty="0">
+            <a:endParaRPr xmlns:a="http://schemas.openxmlformats.org/drawingml/2006/main" lang="en-US" sz="7200" b="1" dirty="0">
               <a:solidFill>
                 <a:srgbClr val="7030A0"/>
               </a:solidFill>
@@ -3545,14 +3492,14 @@
       </p:sp>
       <p:sp>
         <p:nvSpPr>
-          <p:cNvPr id="5" name="TextBox 4"/>
+          <p:cNvPr id="4" name="TextBox 3"/>
           <p:cNvSpPr txBox="1"/>
           <p:nvPr/>
         </p:nvSpPr>
         <p:spPr>
           <a:xfrm>
-            <a:off x="1267338" y="2179815"/>
-            <a:ext cx="9199606" cy="2308324"/>
+            <a:off x="1275359" y="2333954"/>
+            <a:ext cx="9199606" cy="1200329"/>
           </a:xfrm>
           <a:prstGeom prst="rect">
             <a:avLst/>
@@ -3565,9 +3512,9 @@
           </a:bodyPr>
           <a:lstStyle/>
           <a:p>
-            <a:pPr algn="ctr"/>
-            <a:r>
-              <a:rPr lang="fr-FR" sz="7200" b="1" dirty="0" err="1" smtClean="0">
+            <a:pPr xmlns:a="http://schemas.openxmlformats.org/drawingml/2006/main" algn="ctr"/>
+            <a:r xmlns:a="http://schemas.openxmlformats.org/drawingml/2006/main">
+              <a:rPr lang="en" sz="7200" b="1" dirty="0" err="1" smtClean="0">
                 <a:solidFill>
                   <a:schemeClr val="bg1"/>
                 </a:solidFill>
@@ -3575,10 +3522,10 @@
                 <a:ea typeface="Verdana" panose="020B0604030504040204" pitchFamily="34" charset="0"/>
                 <a:cs typeface="Segoe UI" panose="020B0502040204020203" pitchFamily="34" charset="0"/>
               </a:rPr>
-              <a:t>Dealing</a:t>
-            </a:r>
-            <a:r>
-              <a:rPr lang="fr-FR" sz="7200" b="1" dirty="0" smtClean="0">
+              <a:t>Many </a:t>
+            </a:r>
+            <a:r xmlns:a="http://schemas.openxmlformats.org/drawingml/2006/main">
+              <a:rPr lang="en" sz="7200" b="1" dirty="0" smtClean="0">
                 <a:solidFill>
                   <a:schemeClr val="bg1"/>
                 </a:solidFill>
@@ -3586,10 +3533,10 @@
                 <a:ea typeface="Verdana" panose="020B0604030504040204" pitchFamily="34" charset="0"/>
                 <a:cs typeface="Segoe UI" panose="020B0502040204020203" pitchFamily="34" charset="0"/>
               </a:rPr>
-              <a:t> </a:t>
-            </a:r>
-            <a:r>
-              <a:rPr lang="fr-FR" sz="7200" b="1" dirty="0" err="1" smtClean="0">
+              <a:t>to </a:t>
+            </a:r>
+            <a:r xmlns:a="http://schemas.openxmlformats.org/drawingml/2006/main">
+              <a:rPr lang="en" sz="7200" b="1" dirty="0" err="1" smtClean="0">
                 <a:solidFill>
                   <a:schemeClr val="bg1"/>
                 </a:solidFill>
@@ -3597,64 +3544,9 @@
                 <a:ea typeface="Verdana" panose="020B0604030504040204" pitchFamily="34" charset="0"/>
                 <a:cs typeface="Segoe UI" panose="020B0502040204020203" pitchFamily="34" charset="0"/>
               </a:rPr>
-              <a:t>with</a:t>
-            </a:r>
-            <a:r>
-              <a:rPr lang="fr-FR" sz="7200" b="1" dirty="0" smtClean="0">
-                <a:solidFill>
-                  <a:schemeClr val="bg1"/>
-                </a:solidFill>
-                <a:latin typeface="Segoe UI" panose="020B0502040204020203" pitchFamily="34" charset="0"/>
-                <a:ea typeface="Verdana" panose="020B0604030504040204" pitchFamily="34" charset="0"/>
-                <a:cs typeface="Segoe UI" panose="020B0502040204020203" pitchFamily="34" charset="0"/>
-              </a:rPr>
-              <a:t> </a:t>
-            </a:r>
-            <a:r>
-              <a:rPr lang="fr-FR" sz="7200" b="1" dirty="0" err="1" smtClean="0">
-                <a:solidFill>
-                  <a:schemeClr val="bg1"/>
-                </a:solidFill>
-                <a:latin typeface="Segoe UI" panose="020B0502040204020203" pitchFamily="34" charset="0"/>
-                <a:ea typeface="Verdana" panose="020B0604030504040204" pitchFamily="34" charset="0"/>
-                <a:cs typeface="Segoe UI" panose="020B0502040204020203" pitchFamily="34" charset="0"/>
-              </a:rPr>
               <a:t>many</a:t>
             </a:r>
-            <a:r>
-              <a:rPr lang="fr-FR" sz="7200" b="1" dirty="0" smtClean="0">
-                <a:solidFill>
-                  <a:schemeClr val="bg1"/>
-                </a:solidFill>
-                <a:latin typeface="Segoe UI" panose="020B0502040204020203" pitchFamily="34" charset="0"/>
-                <a:ea typeface="Verdana" panose="020B0604030504040204" pitchFamily="34" charset="0"/>
-                <a:cs typeface="Segoe UI" panose="020B0502040204020203" pitchFamily="34" charset="0"/>
-              </a:rPr>
-              <a:t> to </a:t>
-            </a:r>
-            <a:r>
-              <a:rPr lang="fr-FR" sz="7200" b="1" dirty="0" err="1" smtClean="0">
-                <a:solidFill>
-                  <a:schemeClr val="bg1"/>
-                </a:solidFill>
-                <a:latin typeface="Segoe UI" panose="020B0502040204020203" pitchFamily="34" charset="0"/>
-                <a:ea typeface="Verdana" panose="020B0604030504040204" pitchFamily="34" charset="0"/>
-                <a:cs typeface="Segoe UI" panose="020B0502040204020203" pitchFamily="34" charset="0"/>
-              </a:rPr>
-              <a:t>many</a:t>
-            </a:r>
-            <a:r>
-              <a:rPr lang="fr-FR" sz="7200" b="1" dirty="0" smtClean="0">
-                <a:solidFill>
-                  <a:schemeClr val="bg1"/>
-                </a:solidFill>
-                <a:latin typeface="Segoe UI" panose="020B0502040204020203" pitchFamily="34" charset="0"/>
-                <a:ea typeface="Verdana" panose="020B0604030504040204" pitchFamily="34" charset="0"/>
-                <a:cs typeface="Segoe UI" panose="020B0502040204020203" pitchFamily="34" charset="0"/>
-              </a:rPr>
-              <a:t> relations</a:t>
-            </a:r>
-            <a:endParaRPr lang="en-US" sz="7200" b="1" dirty="0">
+            <a:endParaRPr xmlns:a="http://schemas.openxmlformats.org/drawingml/2006/main" lang="en-US" sz="7200" b="1" dirty="0">
               <a:solidFill>
                 <a:schemeClr val="bg1"/>
               </a:solidFill>
@@ -3669,6 +3561,171 @@
     <p:extLst>
       <p:ext uri="{BB962C8B-B14F-4D97-AF65-F5344CB8AC3E}">
         <p14:creationId xmlns:p14="http://schemas.microsoft.com/office/powerpoint/2010/main" val="4216734246"/>
+      </p:ext>
+    </p:extLst>
+  </p:cSld>
+  <p:clrMapOvr>
+    <a:masterClrMapping/>
+  </p:clrMapOvr>
+</p:sld>
+</file>
+
+<file path=ppt/slides/slide10.xml><?xml version="1.0" encoding="utf-8"?>
+<p:sld xmlns:a="http://schemas.openxmlformats.org/drawingml/2006/main" xmlns:r="http://schemas.openxmlformats.org/officeDocument/2006/relationships" xmlns:p="http://schemas.openxmlformats.org/presentationml/2006/main">
+  <p:cSld>
+    <p:bg>
+      <p:bgPr>
+        <a:solidFill>
+          <a:srgbClr val="FFC000"/>
+        </a:solidFill>
+        <a:effectLst/>
+      </p:bgPr>
+    </p:bg>
+    <p:spTree>
+      <p:nvGrpSpPr>
+        <p:cNvPr id="1" name=""/>
+        <p:cNvGrpSpPr/>
+        <p:nvPr/>
+      </p:nvGrpSpPr>
+      <p:grpSpPr>
+        <a:xfrm>
+          <a:off x="0" y="0"/>
+          <a:ext cx="0" cy="0"/>
+          <a:chOff x="0" y="0"/>
+          <a:chExt cx="0" cy="0"/>
+        </a:xfrm>
+      </p:grpSpPr>
+      <p:sp>
+        <p:nvSpPr>
+          <p:cNvPr id="2" name="AutoShape 2" descr="Minimalistic illustration in black and white on a white background with the text 'Thank You' elegantly styled below. The design features simple, clean icons such as a handshake or a ribbon to symbolize gratitude, with a professional and modern aesthetic suitable for a presentation closing slide."/>
+          <p:cNvSpPr>
+            <a:spLocks noChangeAspect="1" noChangeArrowheads="1"/>
+          </p:cNvSpPr>
+          <p:nvPr/>
+        </p:nvSpPr>
+        <p:spPr bwMode="auto">
+          <a:xfrm>
+            <a:off x="155575" y="-144463"/>
+            <a:ext cx="304800" cy="304801"/>
+          </a:xfrm>
+          <a:prstGeom prst="rect">
+            <a:avLst/>
+          </a:prstGeom>
+          <a:noFill/>
+          <a:extLst>
+            <a:ext uri="{909E8E84-426E-40DD-AFC4-6F175D3DCCD1}">
+              <a14:hiddenFill xmlns:a14="http://schemas.microsoft.com/office/drawing/2010/main">
+                <a:solidFill>
+                  <a:srgbClr val="FFFFFF"/>
+                </a:solidFill>
+              </a14:hiddenFill>
+            </a:ext>
+          </a:extLst>
+        </p:spPr>
+        <p:txBody>
+          <a:bodyPr vert="horz" wrap="square" lIns="91440" tIns="45720" rIns="91440" bIns="45720" numCol="1" anchor="t" anchorCtr="0" compatLnSpc="1">
+            <a:prstTxWarp prst="textNoShape">
+              <a:avLst/>
+            </a:prstTxWarp>
+          </a:bodyPr>
+          <a:lstStyle/>
+          <a:p>
+            <a:endParaRPr lang="en-US"/>
+          </a:p>
+        </p:txBody>
+      </p:sp>
+      <p:sp>
+        <p:nvSpPr>
+          <p:cNvPr id="7" name="TextBox 6"/>
+          <p:cNvSpPr txBox="1"/>
+          <p:nvPr/>
+        </p:nvSpPr>
+        <p:spPr>
+          <a:xfrm>
+            <a:off x="4023104" y="2629946"/>
+            <a:ext cx="3456395" cy="1569660"/>
+          </a:xfrm>
+          <a:prstGeom prst="rect">
+            <a:avLst/>
+          </a:prstGeom>
+          <a:noFill/>
+        </p:spPr>
+        <p:txBody>
+          <a:bodyPr wrap="none" rtlCol="0">
+            <a:spAutoFit/>
+          </a:bodyPr>
+          <a:lstStyle/>
+          <a:p>
+            <a:r xmlns:a="http://schemas.openxmlformats.org/drawingml/2006/main">
+              <a:rPr lang="en" sz="9600" b="1" dirty="0" smtClean="0">
+                <a:solidFill>
+                  <a:srgbClr val="7030A0"/>
+                </a:solidFill>
+                <a:latin typeface="Segoe UI" panose="020B0502040204020203" pitchFamily="34" charset="0"/>
+                <a:ea typeface="Verdana" panose="020B0604030504040204" pitchFamily="34" charset="0"/>
+                <a:cs typeface="Segoe UI" panose="020B0502040204020203" pitchFamily="34" charset="0"/>
+              </a:rPr>
+              <a:t>THANKS</a:t>
+            </a:r>
+            <a:endParaRPr xmlns:a="http://schemas.openxmlformats.org/drawingml/2006/main" lang="en-US" sz="9600" b="1" dirty="0">
+              <a:solidFill>
+                <a:srgbClr val="7030A0"/>
+              </a:solidFill>
+              <a:latin typeface="Segoe UI" panose="020B0502040204020203" pitchFamily="34" charset="0"/>
+              <a:ea typeface="Verdana" panose="020B0604030504040204" pitchFamily="34" charset="0"/>
+              <a:cs typeface="Segoe UI" panose="020B0502040204020203" pitchFamily="34" charset="0"/>
+            </a:endParaRPr>
+          </a:p>
+        </p:txBody>
+      </p:sp>
+      <p:sp>
+        <p:nvSpPr>
+          <p:cNvPr id="8" name="TextBox 7"/>
+          <p:cNvSpPr txBox="1"/>
+          <p:nvPr/>
+        </p:nvSpPr>
+        <p:spPr>
+          <a:xfrm>
+            <a:off x="3962373" y="2541714"/>
+            <a:ext cx="3456395" cy="1569660"/>
+          </a:xfrm>
+          <a:prstGeom prst="rect">
+            <a:avLst/>
+          </a:prstGeom>
+          <a:noFill/>
+        </p:spPr>
+        <p:txBody>
+          <a:bodyPr wrap="none" rtlCol="0">
+            <a:spAutoFit/>
+          </a:bodyPr>
+          <a:lstStyle/>
+          <a:p>
+            <a:r xmlns:a="http://schemas.openxmlformats.org/drawingml/2006/main">
+              <a:rPr lang="en" sz="9600" b="1" dirty="0" smtClean="0">
+                <a:solidFill>
+                  <a:schemeClr val="bg1"/>
+                </a:solidFill>
+                <a:latin typeface="Segoe UI" panose="020B0502040204020203" pitchFamily="34" charset="0"/>
+                <a:ea typeface="Verdana" panose="020B0604030504040204" pitchFamily="34" charset="0"/>
+                <a:cs typeface="Segoe UI" panose="020B0502040204020203" pitchFamily="34" charset="0"/>
+              </a:rPr>
+              <a:t>THANKS</a:t>
+            </a:r>
+            <a:endParaRPr xmlns:a="http://schemas.openxmlformats.org/drawingml/2006/main" lang="en-US" sz="9600" b="1" dirty="0">
+              <a:solidFill>
+                <a:schemeClr val="bg1"/>
+              </a:solidFill>
+              <a:latin typeface="Segoe UI" panose="020B0502040204020203" pitchFamily="34" charset="0"/>
+              <a:ea typeface="Verdana" panose="020B0604030504040204" pitchFamily="34" charset="0"/>
+              <a:cs typeface="Segoe UI" panose="020B0502040204020203" pitchFamily="34" charset="0"/>
+            </a:endParaRPr>
+          </a:p>
+        </p:txBody>
+      </p:sp>
+    </p:spTree>
+    <p:extLst>
+      <p:ext uri="{BB962C8B-B14F-4D97-AF65-F5344CB8AC3E}">
+        <p14:creationId xmlns:p14="http://schemas.microsoft.com/office/powerpoint/2010/main" val="3494127604"/>
       </p:ext>
     </p:extLst>
   </p:cSld>
@@ -3704,7 +3761,7 @@
         <p:spPr>
           <a:xfrm>
             <a:off x="288758" y="275007"/>
-            <a:ext cx="4327851" cy="400110"/>
+            <a:ext cx="1924501" cy="400110"/>
           </a:xfrm>
           <a:prstGeom prst="rect">
             <a:avLst/>
@@ -3717,14 +3774,14 @@
           </a:bodyPr>
           <a:lstStyle/>
           <a:p>
-            <a:r>
-              <a:rPr lang="en-US" sz="2000" dirty="0" smtClean="0">
+            <a:r xmlns:a="http://schemas.openxmlformats.org/drawingml/2006/main">
+              <a:rPr lang="en" sz="2000" b="1" dirty="0" smtClean="0">
                 <a:latin typeface="Segoe UI" panose="020B0502040204020203" pitchFamily="34" charset="0"/>
                 <a:cs typeface="Segoe UI" panose="020B0502040204020203" pitchFamily="34" charset="0"/>
               </a:rPr>
-              <a:t>Dealing with many to many relations</a:t>
-            </a:r>
-            <a:endParaRPr lang="en-US" sz="2000" dirty="0">
+              <a:t>Many to many</a:t>
+            </a:r>
+            <a:endParaRPr xmlns:a="http://schemas.openxmlformats.org/drawingml/2006/main" lang="en-US" sz="2000" b="1" dirty="0">
               <a:latin typeface="Segoe UI" panose="020B0502040204020203" pitchFamily="34" charset="0"/>
               <a:cs typeface="Segoe UI" panose="020B0502040204020203" pitchFamily="34" charset="0"/>
             </a:endParaRPr>
@@ -3740,7 +3797,7 @@
         <p:spPr>
           <a:xfrm>
             <a:off x="288758" y="861062"/>
-            <a:ext cx="9842977" cy="388696"/>
+            <a:ext cx="9842977" cy="404983"/>
           </a:xfrm>
           <a:prstGeom prst="rect">
             <a:avLst/>
@@ -3752,7 +3809,7 @@
           </a:bodyPr>
           <a:lstStyle/>
           <a:p>
-            <a:pPr>
+            <a:pPr xmlns:a="http://schemas.openxmlformats.org/drawingml/2006/main">
               <a:lnSpc>
                 <a:spcPct val="107000"/>
               </a:lnSpc>
@@ -3763,381 +3820,35 @@
                 <a:spcPts val="0"/>
               </a:spcAft>
             </a:pPr>
-            <a:r>
-              <a:rPr lang="en-US" b="1" kern="0" dirty="0">
-                <a:latin typeface="Segoe UI" panose="020B0502040204020203" pitchFamily="34" charset="0"/>
-                <a:ea typeface="Times New Roman" panose="02020603050405020304" pitchFamily="18" charset="0"/>
-                <a:cs typeface="Times New Roman" panose="02020603050405020304" pitchFamily="18" charset="0"/>
-              </a:rPr>
+            <a:r xmlns:a="http://schemas.openxmlformats.org/drawingml/2006/main">
+              <a:rPr lang="en" sz="2000" b="1" dirty="0"/>
               <a:t>Note: </a:t>
             </a:r>
-            <a:r>
-              <a:rPr lang="en-US" kern="0" dirty="0">
-                <a:latin typeface="Segoe UI" panose="020B0502040204020203" pitchFamily="34" charset="0"/>
-                <a:ea typeface="Times New Roman" panose="02020603050405020304" pitchFamily="18" charset="0"/>
-                <a:cs typeface="Times New Roman" panose="02020603050405020304" pitchFamily="18" charset="0"/>
-              </a:rPr>
-              <a:t>This Lab uses </a:t>
-            </a:r>
-            <a:r>
-              <a:rPr lang="en-US" b="1" kern="0" dirty="0" smtClean="0">
-                <a:latin typeface="Segoe UI" panose="020B0502040204020203" pitchFamily="34" charset="0"/>
-                <a:ea typeface="Times New Roman" panose="02020603050405020304" pitchFamily="18" charset="0"/>
-                <a:cs typeface="Times New Roman" panose="02020603050405020304" pitchFamily="18" charset="0"/>
-              </a:rPr>
-              <a:t>lab4.xlsx</a:t>
-            </a:r>
-            <a:r>
-              <a:rPr lang="en-US" kern="0" dirty="0" smtClean="0">
-                <a:latin typeface="Segoe UI" panose="020B0502040204020203" pitchFamily="34" charset="0"/>
-                <a:ea typeface="Times New Roman" panose="02020603050405020304" pitchFamily="18" charset="0"/>
-                <a:cs typeface="Times New Roman" panose="02020603050405020304" pitchFamily="18" charset="0"/>
-              </a:rPr>
-              <a:t> in </a:t>
-            </a:r>
-            <a:r>
-              <a:rPr lang="en-US" b="1" kern="0" dirty="0" smtClean="0">
-                <a:latin typeface="Segoe UI" panose="020B0502040204020203" pitchFamily="34" charset="0"/>
-                <a:ea typeface="Times New Roman" panose="02020603050405020304" pitchFamily="18" charset="0"/>
-                <a:cs typeface="Times New Roman" panose="02020603050405020304" pitchFamily="18" charset="0"/>
-              </a:rPr>
-              <a:t>Sales Model</a:t>
-            </a:r>
-            <a:endParaRPr lang="en-US" sz="2800" b="1" kern="0" dirty="0">
+            <a:r xmlns:a="http://schemas.openxmlformats.org/drawingml/2006/main">
+              <a:rPr lang="en" sz="2000" dirty="0" smtClean="0"/>
+              <a:t>This lab uses the </a:t>
+            </a:r>
+            <a:r xmlns:a="http://schemas.openxmlformats.org/drawingml/2006/main">
+              <a:rPr lang="en" sz="2000" b="1" dirty="0"/>
+              <a:t>lab4.xlsx </a:t>
+            </a:r>
+            <a:r xmlns:a="http://schemas.openxmlformats.org/drawingml/2006/main">
+              <a:rPr lang="en" sz="2000" dirty="0"/>
+              <a:t>file </a:t>
+            </a:r>
+            <a:r xmlns:a="http://schemas.openxmlformats.org/drawingml/2006/main">
+              <a:rPr lang="en" sz="2000" dirty="0"/>
+              <a:t>in the </a:t>
+            </a:r>
+            <a:r xmlns:a="http://schemas.openxmlformats.org/drawingml/2006/main">
+              <a:rPr lang="en" sz="2000" b="1" dirty="0"/>
+              <a:t>Sales template</a:t>
+            </a:r>
+            <a:endParaRPr xmlns:a="http://schemas.openxmlformats.org/drawingml/2006/main" lang="en-US" sz="3200" b="1" kern="0" dirty="0">
               <a:effectLst/>
               <a:latin typeface="Segoe UI" panose="020B0502040204020203" pitchFamily="34" charset="0"/>
               <a:ea typeface="Times New Roman" panose="02020603050405020304" pitchFamily="18" charset="0"/>
               <a:cs typeface="Times New Roman" panose="02020603050405020304" pitchFamily="18" charset="0"/>
-            </a:endParaRPr>
-          </a:p>
-        </p:txBody>
-      </p:sp>
-      <p:sp>
-        <p:nvSpPr>
-          <p:cNvPr id="4" name="Rectangle 2"/>
-          <p:cNvSpPr>
-            <a:spLocks noChangeArrowheads="1"/>
-          </p:cNvSpPr>
-          <p:nvPr/>
-        </p:nvSpPr>
-        <p:spPr bwMode="auto">
-          <a:xfrm>
-            <a:off x="412510" y="1399520"/>
-            <a:ext cx="8043971" cy="1477328"/>
-          </a:xfrm>
-          <a:prstGeom prst="rect">
-            <a:avLst/>
-          </a:prstGeom>
-          <a:noFill/>
-          <a:ln>
-            <a:noFill/>
-          </a:ln>
-          <a:effectLst/>
-          <a:extLst>
-            <a:ext uri="{909E8E84-426E-40DD-AFC4-6F175D3DCCD1}">
-              <a14:hiddenFill xmlns:a14="http://schemas.microsoft.com/office/drawing/2010/main">
-                <a:solidFill>
-                  <a:schemeClr val="accent1"/>
-                </a:solidFill>
-              </a14:hiddenFill>
-            </a:ext>
-            <a:ext uri="{91240B29-F687-4F45-9708-019B960494DF}">
-              <a14:hiddenLine xmlns:a14="http://schemas.microsoft.com/office/drawing/2010/main" w="9525">
-                <a:solidFill>
-                  <a:schemeClr val="tx1"/>
-                </a:solidFill>
-                <a:miter lim="800000"/>
-                <a:headEnd/>
-                <a:tailEnd/>
-              </a14:hiddenLine>
-            </a:ext>
-            <a:ext uri="{AF507438-7753-43E0-B8FC-AC1667EBCBE1}">
-              <a14:hiddenEffects xmlns:a14="http://schemas.microsoft.com/office/drawing/2010/main">
-                <a:effectLst>
-                  <a:outerShdw dist="35921" dir="2700000" algn="ctr" rotWithShape="0">
-                    <a:schemeClr val="bg2"/>
-                  </a:outerShdw>
-                </a:effectLst>
-              </a14:hiddenEffects>
-            </a:ext>
-          </a:extLst>
-        </p:spPr>
-        <p:txBody>
-          <a:bodyPr vert="horz" wrap="square" lIns="91440" tIns="45720" rIns="91440" bIns="45720" numCol="1" anchor="ctr" anchorCtr="0" compatLnSpc="1">
-            <a:prstTxWarp prst="textNoShape">
-              <a:avLst/>
-            </a:prstTxWarp>
-            <a:spAutoFit/>
-          </a:bodyPr>
-          <a:lstStyle/>
-          <a:p>
-            <a:pPr marL="0" marR="0" lvl="0" indent="0" algn="l" defTabSz="914400" rtl="0" eaLnBrk="0" fontAlgn="base" latinLnBrk="0" hangingPunct="0">
-              <a:lnSpc>
-                <a:spcPct val="100000"/>
-              </a:lnSpc>
-              <a:spcBef>
-                <a:spcPct val="0"/>
-              </a:spcBef>
-              <a:spcAft>
-                <a:spcPct val="0"/>
-              </a:spcAft>
-              <a:buClrTx/>
-              <a:buSzTx/>
-              <a:buFontTx/>
-              <a:buNone/>
-              <a:tabLst/>
-            </a:pPr>
-            <a:r>
-              <a:rPr kumimoji="0" lang="en-US" altLang="en-US" b="0" i="0" u="none" strike="noStrike" cap="none" normalizeH="0" baseline="0" dirty="0" smtClean="0">
-                <a:ln>
-                  <a:noFill/>
-                </a:ln>
-                <a:solidFill>
-                  <a:schemeClr val="tx1"/>
-                </a:solidFill>
-                <a:effectLst/>
-                <a:latin typeface="Segoe UI" panose="020B0502040204020203" pitchFamily="34" charset="0"/>
-                <a:cs typeface="Segoe UI" panose="020B0502040204020203" pitchFamily="34" charset="0"/>
-              </a:rPr>
-              <a:t>Start by creating relationships between those</a:t>
-            </a:r>
-            <a:r>
-              <a:rPr kumimoji="0" lang="en-US" altLang="en-US" b="0" i="0" u="none" strike="noStrike" cap="none" normalizeH="0" dirty="0" smtClean="0">
-                <a:ln>
-                  <a:noFill/>
-                </a:ln>
-                <a:solidFill>
-                  <a:schemeClr val="tx1"/>
-                </a:solidFill>
-                <a:effectLst/>
-                <a:latin typeface="Segoe UI" panose="020B0502040204020203" pitchFamily="34" charset="0"/>
-                <a:cs typeface="Segoe UI" panose="020B0502040204020203" pitchFamily="34" charset="0"/>
-              </a:rPr>
-              <a:t> tables this way</a:t>
-            </a:r>
-            <a:r>
-              <a:rPr kumimoji="0" lang="en-US" altLang="en-US" b="0" i="0" u="none" strike="noStrike" cap="none" normalizeH="0" baseline="0" dirty="0" smtClean="0">
-                <a:ln>
-                  <a:noFill/>
-                </a:ln>
-                <a:solidFill>
-                  <a:schemeClr val="tx1"/>
-                </a:solidFill>
-                <a:effectLst/>
-                <a:latin typeface="Segoe UI" panose="020B0502040204020203" pitchFamily="34" charset="0"/>
-                <a:cs typeface="Segoe UI" panose="020B0502040204020203" pitchFamily="34" charset="0"/>
-              </a:rPr>
-              <a:t>:</a:t>
-            </a:r>
-          </a:p>
-          <a:p>
-            <a:pPr marL="0" marR="0" lvl="0" indent="0" algn="l" defTabSz="914400" rtl="0" eaLnBrk="0" fontAlgn="base" latinLnBrk="0" hangingPunct="0">
-              <a:lnSpc>
-                <a:spcPct val="100000"/>
-              </a:lnSpc>
-              <a:spcBef>
-                <a:spcPct val="0"/>
-              </a:spcBef>
-              <a:spcAft>
-                <a:spcPct val="0"/>
-              </a:spcAft>
-              <a:buClrTx/>
-              <a:buSzTx/>
-              <a:buFontTx/>
-              <a:buNone/>
-              <a:tabLst/>
-            </a:pPr>
-            <a:endParaRPr kumimoji="0" lang="en-US" altLang="en-US" b="0" i="0" u="none" strike="noStrike" cap="none" normalizeH="0" baseline="0" dirty="0" smtClean="0">
-              <a:ln>
-                <a:noFill/>
-              </a:ln>
-              <a:solidFill>
-                <a:schemeClr val="tx1"/>
-              </a:solidFill>
-              <a:effectLst/>
-              <a:latin typeface="Segoe UI" panose="020B0502040204020203" pitchFamily="34" charset="0"/>
-              <a:cs typeface="Segoe UI" panose="020B0502040204020203" pitchFamily="34" charset="0"/>
-            </a:endParaRPr>
-          </a:p>
-          <a:p>
-            <a:pPr lvl="1" eaLnBrk="0" fontAlgn="base" hangingPunct="0">
-              <a:spcBef>
-                <a:spcPct val="0"/>
-              </a:spcBef>
-              <a:spcAft>
-                <a:spcPct val="0"/>
-              </a:spcAft>
-            </a:pPr>
-            <a:r>
-              <a:rPr kumimoji="0" lang="en-US" altLang="en-US" i="0" u="none" strike="noStrike" cap="none" normalizeH="0" baseline="0" dirty="0" smtClean="0">
-                <a:ln>
-                  <a:noFill/>
-                </a:ln>
-                <a:solidFill>
-                  <a:schemeClr val="tx1"/>
-                </a:solidFill>
-                <a:effectLst/>
-                <a:latin typeface="Segoe UI" panose="020B0502040204020203" pitchFamily="34" charset="0"/>
-                <a:cs typeface="Segoe UI" panose="020B0502040204020203" pitchFamily="34" charset="0"/>
-              </a:rPr>
-              <a:t>FactSales → </a:t>
-            </a:r>
-            <a:r>
-              <a:rPr kumimoji="0" lang="en-US" altLang="en-US" i="0" u="none" strike="noStrike" cap="none" normalizeH="0" baseline="0" dirty="0" err="1" smtClean="0">
-                <a:ln>
-                  <a:noFill/>
-                </a:ln>
-                <a:solidFill>
-                  <a:schemeClr val="tx1"/>
-                </a:solidFill>
-                <a:effectLst/>
-                <a:latin typeface="Segoe UI" panose="020B0502040204020203" pitchFamily="34" charset="0"/>
-                <a:cs typeface="Segoe UI" panose="020B0502040204020203" pitchFamily="34" charset="0"/>
-              </a:rPr>
-              <a:t>DimProduct</a:t>
-            </a:r>
-            <a:r>
-              <a:rPr kumimoji="0" lang="en-US" altLang="en-US" i="0" u="none" strike="noStrike" cap="none" normalizeH="0" baseline="0" dirty="0" smtClean="0">
-                <a:ln>
-                  <a:noFill/>
-                </a:ln>
-                <a:solidFill>
-                  <a:schemeClr val="tx1"/>
-                </a:solidFill>
-                <a:effectLst/>
-                <a:latin typeface="Segoe UI" panose="020B0502040204020203" pitchFamily="34" charset="0"/>
-                <a:cs typeface="Segoe UI" panose="020B0502040204020203" pitchFamily="34" charset="0"/>
-              </a:rPr>
-              <a:t> (via </a:t>
-            </a:r>
-            <a:r>
-              <a:rPr kumimoji="0" lang="en-US" altLang="en-US" i="0" u="none" strike="noStrike" cap="none" normalizeH="0" baseline="0" dirty="0" err="1" smtClean="0">
-                <a:ln>
-                  <a:noFill/>
-                </a:ln>
-                <a:solidFill>
-                  <a:schemeClr val="tx1"/>
-                </a:solidFill>
-                <a:effectLst/>
-                <a:latin typeface="Segoe UI" panose="020B0502040204020203" pitchFamily="34" charset="0"/>
-                <a:cs typeface="Segoe UI" panose="020B0502040204020203" pitchFamily="34" charset="0"/>
-              </a:rPr>
-              <a:t>ProductID</a:t>
-            </a:r>
-            <a:r>
-              <a:rPr kumimoji="0" lang="en-US" altLang="en-US" i="0" u="none" strike="noStrike" cap="none" normalizeH="0" baseline="0" dirty="0" smtClean="0">
-                <a:ln>
-                  <a:noFill/>
-                </a:ln>
-                <a:solidFill>
-                  <a:schemeClr val="tx1"/>
-                </a:solidFill>
-                <a:effectLst/>
-                <a:latin typeface="Segoe UI" panose="020B0502040204020203" pitchFamily="34" charset="0"/>
-                <a:cs typeface="Segoe UI" panose="020B0502040204020203" pitchFamily="34" charset="0"/>
-              </a:rPr>
-              <a:t>).</a:t>
-            </a:r>
-          </a:p>
-          <a:p>
-            <a:pPr lvl="1" eaLnBrk="0" fontAlgn="base" hangingPunct="0">
-              <a:spcBef>
-                <a:spcPct val="0"/>
-              </a:spcBef>
-              <a:spcAft>
-                <a:spcPct val="0"/>
-              </a:spcAft>
-            </a:pPr>
-            <a:r>
-              <a:rPr kumimoji="0" lang="en-US" altLang="en-US" i="0" u="none" strike="noStrike" cap="none" normalizeH="0" baseline="0" dirty="0" smtClean="0">
-                <a:ln>
-                  <a:noFill/>
-                </a:ln>
-                <a:solidFill>
-                  <a:schemeClr val="tx1"/>
-                </a:solidFill>
-                <a:effectLst/>
-                <a:latin typeface="Segoe UI" panose="020B0502040204020203" pitchFamily="34" charset="0"/>
-                <a:cs typeface="Segoe UI" panose="020B0502040204020203" pitchFamily="34" charset="0"/>
-              </a:rPr>
-              <a:t>FactSales → </a:t>
-            </a:r>
-            <a:r>
-              <a:rPr kumimoji="0" lang="en-US" altLang="en-US" i="0" u="none" strike="noStrike" cap="none" normalizeH="0" baseline="0" dirty="0" err="1" smtClean="0">
-                <a:ln>
-                  <a:noFill/>
-                </a:ln>
-                <a:solidFill>
-                  <a:schemeClr val="tx1"/>
-                </a:solidFill>
-                <a:effectLst/>
-                <a:latin typeface="Segoe UI" panose="020B0502040204020203" pitchFamily="34" charset="0"/>
-                <a:cs typeface="Segoe UI" panose="020B0502040204020203" pitchFamily="34" charset="0"/>
-              </a:rPr>
-              <a:t>DimSupplier</a:t>
-            </a:r>
-            <a:r>
-              <a:rPr kumimoji="0" lang="en-US" altLang="en-US" i="0" u="none" strike="noStrike" cap="none" normalizeH="0" baseline="0" dirty="0" smtClean="0">
-                <a:ln>
-                  <a:noFill/>
-                </a:ln>
-                <a:solidFill>
-                  <a:schemeClr val="tx1"/>
-                </a:solidFill>
-                <a:effectLst/>
-                <a:latin typeface="Segoe UI" panose="020B0502040204020203" pitchFamily="34" charset="0"/>
-                <a:cs typeface="Segoe UI" panose="020B0502040204020203" pitchFamily="34" charset="0"/>
-              </a:rPr>
-              <a:t> (via </a:t>
-            </a:r>
-            <a:r>
-              <a:rPr kumimoji="0" lang="en-US" altLang="en-US" i="0" u="none" strike="noStrike" cap="none" normalizeH="0" baseline="0" dirty="0" err="1" smtClean="0">
-                <a:ln>
-                  <a:noFill/>
-                </a:ln>
-                <a:solidFill>
-                  <a:schemeClr val="tx1"/>
-                </a:solidFill>
-                <a:effectLst/>
-                <a:latin typeface="Segoe UI" panose="020B0502040204020203" pitchFamily="34" charset="0"/>
-                <a:cs typeface="Segoe UI" panose="020B0502040204020203" pitchFamily="34" charset="0"/>
-              </a:rPr>
-              <a:t>SupplierID</a:t>
-            </a:r>
-            <a:r>
-              <a:rPr kumimoji="0" lang="en-US" altLang="en-US" i="0" u="none" strike="noStrike" cap="none" normalizeH="0" baseline="0" dirty="0" smtClean="0">
-                <a:ln>
-                  <a:noFill/>
-                </a:ln>
-                <a:solidFill>
-                  <a:schemeClr val="tx1"/>
-                </a:solidFill>
-                <a:effectLst/>
-                <a:latin typeface="Segoe UI" panose="020B0502040204020203" pitchFamily="34" charset="0"/>
-                <a:cs typeface="Segoe UI" panose="020B0502040204020203" pitchFamily="34" charset="0"/>
-              </a:rPr>
-              <a:t>).</a:t>
-            </a:r>
-          </a:p>
-          <a:p>
-            <a:pPr lvl="1" eaLnBrk="0" fontAlgn="base" hangingPunct="0">
-              <a:spcBef>
-                <a:spcPct val="0"/>
-              </a:spcBef>
-              <a:spcAft>
-                <a:spcPct val="0"/>
-              </a:spcAft>
-            </a:pPr>
-            <a:endParaRPr kumimoji="0" lang="en-US" altLang="en-US" b="0" i="0" u="none" strike="noStrike" cap="none" normalizeH="0" baseline="0" dirty="0" smtClean="0">
-              <a:ln>
-                <a:noFill/>
-              </a:ln>
-              <a:solidFill>
-                <a:schemeClr val="tx1"/>
-              </a:solidFill>
-              <a:effectLst/>
-              <a:latin typeface="Segoe UI" panose="020B0502040204020203" pitchFamily="34" charset="0"/>
-              <a:cs typeface="Segoe UI" panose="020B0502040204020203" pitchFamily="34" charset="0"/>
             </a:endParaRPr>
           </a:p>
         </p:txBody>
@@ -4166,6 +3877,95 @@
           </a:prstGeom>
         </p:spPr>
       </p:pic>
+      <p:sp>
+        <p:nvSpPr>
+          <p:cNvPr id="3" name="Rectangle 2"/>
+          <p:cNvSpPr/>
+          <p:nvPr/>
+        </p:nvSpPr>
+        <p:spPr>
+          <a:xfrm>
+            <a:off x="336885" y="1425109"/>
+            <a:ext cx="6096000" cy="1015663"/>
+          </a:xfrm>
+          <a:prstGeom prst="rect">
+            <a:avLst/>
+          </a:prstGeom>
+        </p:spPr>
+        <p:txBody>
+          <a:bodyPr>
+            <a:spAutoFit/>
+          </a:bodyPr>
+          <a:lstStyle/>
+          <a:p>
+            <a:r xmlns:a="http://schemas.openxmlformats.org/drawingml/2006/main">
+              <a:rPr lang="en" sz="2000" b="1" dirty="0"/>
+              <a:t>Create the relationships </a:t>
+            </a:r>
+            <a:r xmlns:a="http://schemas.openxmlformats.org/drawingml/2006/main">
+              <a:rPr lang="en" sz="2000" dirty="0"/>
+              <a:t>between the tables </a:t>
+            </a:r>
+            <a:r xmlns:a="http://schemas.openxmlformats.org/drawingml/2006/main">
+              <a:rPr lang="en" sz="2000" dirty="0" smtClean="0"/>
+              <a:t>:</a:t>
+            </a:r>
+            <a:endParaRPr xmlns:a="http://schemas.openxmlformats.org/drawingml/2006/main" lang="fr-FR" sz="2000" dirty="0"/>
+          </a:p>
+          <a:p>
+            <a:pPr xmlns:a="http://schemas.openxmlformats.org/drawingml/2006/main" lvl="1">
+              <a:buFont typeface="Arial" panose="020B0604020202020204" pitchFamily="34" charset="0"/>
+              <a:buChar char="•"/>
+            </a:pPr>
+            <a:r xmlns:a="http://schemas.openxmlformats.org/drawingml/2006/main">
+              <a:rPr lang="en" sz="2000" b="1" dirty="0"/>
+              <a:t>FactSales → </a:t>
+            </a:r>
+            <a:r xmlns:a="http://schemas.openxmlformats.org/drawingml/2006/main">
+              <a:rPr lang="en" sz="2000" b="1" dirty="0" err="1"/>
+              <a:t>DimProduct </a:t>
+            </a:r>
+            <a:r xmlns:a="http://schemas.openxmlformats.org/drawingml/2006/main">
+              <a:rPr lang="en" sz="2000" dirty="0"/>
+              <a:t>(via </a:t>
+            </a:r>
+            <a:r xmlns:a="http://schemas.openxmlformats.org/drawingml/2006/main">
+              <a:rPr lang="en" sz="2000" b="1" dirty="0" err="1"/>
+              <a:t>ProductID </a:t>
+            </a:r>
+            <a:r xmlns:a="http://schemas.openxmlformats.org/drawingml/2006/main">
+              <a:rPr lang="en" sz="2000" dirty="0"/>
+              <a:t>).</a:t>
+            </a:r>
+          </a:p>
+          <a:p>
+            <a:pPr xmlns:a="http://schemas.openxmlformats.org/drawingml/2006/main" lvl="1">
+              <a:buFont typeface="Arial" panose="020B0604020202020204" pitchFamily="34" charset="0"/>
+              <a:buChar char="•"/>
+            </a:pPr>
+            <a:r xmlns:a="http://schemas.openxmlformats.org/drawingml/2006/main">
+              <a:rPr lang="en" sz="2000" b="1" dirty="0"/>
+              <a:t>FactSales → </a:t>
+            </a:r>
+            <a:r xmlns:a="http://schemas.openxmlformats.org/drawingml/2006/main">
+              <a:rPr lang="en" sz="2000" b="1" dirty="0" err="1"/>
+              <a:t>DimSupplier </a:t>
+            </a:r>
+            <a:r xmlns:a="http://schemas.openxmlformats.org/drawingml/2006/main">
+              <a:rPr lang="en" sz="2000" dirty="0"/>
+              <a:t>(via </a:t>
+            </a:r>
+            <a:r xmlns:a="http://schemas.openxmlformats.org/drawingml/2006/main">
+              <a:rPr lang="en" sz="2000" b="1" dirty="0" err="1"/>
+              <a:t>SupplierID </a:t>
+            </a:r>
+            <a:r xmlns:a="http://schemas.openxmlformats.org/drawingml/2006/main">
+              <a:rPr lang="en" sz="2000" dirty="0"/>
+              <a:t>).</a:t>
+            </a:r>
+          </a:p>
+        </p:txBody>
+      </p:sp>
     </p:spTree>
     <p:extLst>
       <p:ext uri="{BB962C8B-B14F-4D97-AF65-F5344CB8AC3E}">
@@ -4205,7 +4005,7 @@
         <p:spPr>
           <a:xfrm>
             <a:off x="288758" y="275007"/>
-            <a:ext cx="4327851" cy="400110"/>
+            <a:ext cx="1924501" cy="400110"/>
           </a:xfrm>
           <a:prstGeom prst="rect">
             <a:avLst/>
@@ -4218,14 +4018,14 @@
           </a:bodyPr>
           <a:lstStyle/>
           <a:p>
-            <a:r>
-              <a:rPr lang="en-US" sz="2000" dirty="0" smtClean="0">
+            <a:r xmlns:a="http://schemas.openxmlformats.org/drawingml/2006/main">
+              <a:rPr lang="en" sz="2000" b="1" dirty="0" smtClean="0">
                 <a:latin typeface="Segoe UI" panose="020B0502040204020203" pitchFamily="34" charset="0"/>
                 <a:cs typeface="Segoe UI" panose="020B0502040204020203" pitchFamily="34" charset="0"/>
               </a:rPr>
-              <a:t>Dealing with many to many relations</a:t>
-            </a:r>
-            <a:endParaRPr lang="en-US" sz="2000" dirty="0">
+              <a:t>Many to many</a:t>
+            </a:r>
+            <a:endParaRPr xmlns:a="http://schemas.openxmlformats.org/drawingml/2006/main" lang="en-US" sz="2000" b="1" dirty="0">
               <a:latin typeface="Segoe UI" panose="020B0502040204020203" pitchFamily="34" charset="0"/>
               <a:cs typeface="Segoe UI" panose="020B0502040204020203" pitchFamily="34" charset="0"/>
             </a:endParaRPr>
@@ -4234,14 +4034,14 @@
       </p:sp>
       <p:sp>
         <p:nvSpPr>
-          <p:cNvPr id="3" name="Rectangle 2"/>
+          <p:cNvPr id="7" name="Rectangle 6"/>
           <p:cNvSpPr/>
           <p:nvPr/>
         </p:nvSpPr>
         <p:spPr>
           <a:xfrm>
-            <a:off x="288757" y="890032"/>
-            <a:ext cx="11763447" cy="646331"/>
+            <a:off x="288755" y="1916563"/>
+            <a:ext cx="11763447" cy="369332"/>
           </a:xfrm>
           <a:prstGeom prst="rect">
             <a:avLst/>
@@ -4253,80 +4053,11 @@
           </a:bodyPr>
           <a:lstStyle/>
           <a:p>
-            <a:r>
-              <a:rPr lang="en-US" dirty="0" smtClean="0">
-                <a:latin typeface="Segoe UI" panose="020B0502040204020203" pitchFamily="34" charset="0"/>
-                <a:cs typeface="Segoe UI" panose="020B0502040204020203" pitchFamily="34" charset="0"/>
-              </a:rPr>
-              <a:t>The Problem now is that Products </a:t>
-            </a:r>
-            <a:r>
-              <a:rPr lang="en-US" dirty="0">
-                <a:latin typeface="Segoe UI" panose="020B0502040204020203" pitchFamily="34" charset="0"/>
-                <a:cs typeface="Segoe UI" panose="020B0502040204020203" pitchFamily="34" charset="0"/>
-              </a:rPr>
-              <a:t>with no sales (e.g., new products</a:t>
-            </a:r>
-            <a:r>
-              <a:rPr lang="en-US" dirty="0" smtClean="0">
-                <a:latin typeface="Segoe UI" panose="020B0502040204020203" pitchFamily="34" charset="0"/>
-                <a:cs typeface="Segoe UI" panose="020B0502040204020203" pitchFamily="34" charset="0"/>
-              </a:rPr>
-              <a:t>), also suppliers </a:t>
-            </a:r>
-            <a:r>
-              <a:rPr lang="en-US" dirty="0">
-                <a:latin typeface="Segoe UI" panose="020B0502040204020203" pitchFamily="34" charset="0"/>
-                <a:cs typeface="Segoe UI" panose="020B0502040204020203" pitchFamily="34" charset="0"/>
-              </a:rPr>
-              <a:t>supplying products not yet sold are also </a:t>
-            </a:r>
-            <a:r>
-              <a:rPr lang="en-US" b="1" dirty="0">
-                <a:latin typeface="Segoe UI" panose="020B0502040204020203" pitchFamily="34" charset="0"/>
-                <a:cs typeface="Segoe UI" panose="020B0502040204020203" pitchFamily="34" charset="0"/>
-              </a:rPr>
-              <a:t>not represented</a:t>
-            </a:r>
-            <a:r>
-              <a:rPr lang="en-US" dirty="0">
-                <a:latin typeface="Segoe UI" panose="020B0502040204020203" pitchFamily="34" charset="0"/>
-                <a:cs typeface="Segoe UI" panose="020B0502040204020203" pitchFamily="34" charset="0"/>
-              </a:rPr>
-              <a:t>.</a:t>
-            </a:r>
-          </a:p>
-        </p:txBody>
-      </p:sp>
-      <p:sp>
-        <p:nvSpPr>
-          <p:cNvPr id="7" name="Rectangle 6"/>
-          <p:cNvSpPr/>
-          <p:nvPr/>
-        </p:nvSpPr>
-        <p:spPr>
-          <a:xfrm>
-            <a:off x="288756" y="1674949"/>
-            <a:ext cx="11763447" cy="369332"/>
-          </a:xfrm>
-          <a:prstGeom prst="rect">
-            <a:avLst/>
-          </a:prstGeom>
-        </p:spPr>
-        <p:txBody>
-          <a:bodyPr wrap="square">
-            <a:spAutoFit/>
-          </a:bodyPr>
-          <a:lstStyle/>
-          <a:p>
-            <a:r>
-              <a:rPr lang="en-US" dirty="0" smtClean="0">
-                <a:latin typeface="Segoe UI" panose="020B0502040204020203" pitchFamily="34" charset="0"/>
-                <a:cs typeface="Segoe UI" panose="020B0502040204020203" pitchFamily="34" charset="0"/>
-              </a:rPr>
-              <a:t>Let ’s represent the data with a Table visual </a:t>
-            </a:r>
-            <a:endParaRPr lang="en-US" dirty="0">
+            <a:r xmlns:a="http://schemas.openxmlformats.org/drawingml/2006/main">
+              <a:rPr lang="en" dirty="0"/>
+              <a:t>Represent data with a Tableau visual</a:t>
+            </a:r>
+            <a:endParaRPr xmlns:a="http://schemas.openxmlformats.org/drawingml/2006/main" lang="en-US" dirty="0">
               <a:latin typeface="Segoe UI" panose="020B0502040204020203" pitchFamily="34" charset="0"/>
               <a:cs typeface="Segoe UI" panose="020B0502040204020203" pitchFamily="34" charset="0"/>
             </a:endParaRPr>
@@ -4616,14 +4347,14 @@
       </p:cxnSp>
       <p:sp>
         <p:nvSpPr>
-          <p:cNvPr id="22" name="Rectangle 21"/>
+          <p:cNvPr id="4" name="Rectangle 3"/>
           <p:cNvSpPr/>
           <p:nvPr/>
         </p:nvSpPr>
         <p:spPr>
           <a:xfrm>
-            <a:off x="288755" y="2362318"/>
-            <a:ext cx="6985193" cy="1200329"/>
+            <a:off x="469805" y="799820"/>
+            <a:ext cx="10513227" cy="923330"/>
           </a:xfrm>
           <a:prstGeom prst="rect">
             <a:avLst/>
@@ -4635,57 +4366,123 @@
           </a:bodyPr>
           <a:lstStyle/>
           <a:p>
-            <a:r>
-              <a:rPr lang="en-US" b="1" dirty="0" smtClean="0">
-                <a:latin typeface="Segoe UI" panose="020B0502040204020203" pitchFamily="34" charset="0"/>
-                <a:cs typeface="Segoe UI" panose="020B0502040204020203" pitchFamily="34" charset="0"/>
-              </a:rPr>
-              <a:t>Note missing Information: </a:t>
-            </a:r>
-          </a:p>
-          <a:p>
-            <a:pPr lvl="1"/>
-            <a:endParaRPr lang="en-US" dirty="0" smtClean="0">
-              <a:latin typeface="Segoe UI" panose="020B0502040204020203" pitchFamily="34" charset="0"/>
-              <a:cs typeface="Segoe UI" panose="020B0502040204020203" pitchFamily="34" charset="0"/>
-            </a:endParaRPr>
-          </a:p>
-          <a:p>
-            <a:pPr lvl="1"/>
-            <a:r>
-              <a:rPr lang="en-US" dirty="0" smtClean="0">
-                <a:latin typeface="Segoe UI" panose="020B0502040204020203" pitchFamily="34" charset="0"/>
-                <a:cs typeface="Segoe UI" panose="020B0502040204020203" pitchFamily="34" charset="0"/>
-              </a:rPr>
-              <a:t>no </a:t>
-            </a:r>
-            <a:r>
-              <a:rPr lang="en-US" dirty="0">
-                <a:latin typeface="Segoe UI" panose="020B0502040204020203" pitchFamily="34" charset="0"/>
-                <a:cs typeface="Segoe UI" panose="020B0502040204020203" pitchFamily="34" charset="0"/>
-              </a:rPr>
-              <a:t>data for Monitor (Product 103) or Keyboard (Product 104</a:t>
-            </a:r>
-            <a:r>
-              <a:rPr lang="en-US" dirty="0" smtClean="0">
-                <a:latin typeface="Segoe UI" panose="020B0502040204020203" pitchFamily="34" charset="0"/>
-                <a:cs typeface="Segoe UI" panose="020B0502040204020203" pitchFamily="34" charset="0"/>
-              </a:rPr>
-              <a:t>)</a:t>
-            </a:r>
-            <a:endParaRPr lang="en-US" dirty="0">
-              <a:latin typeface="Segoe UI" panose="020B0502040204020203" pitchFamily="34" charset="0"/>
-              <a:cs typeface="Segoe UI" panose="020B0502040204020203" pitchFamily="34" charset="0"/>
-            </a:endParaRPr>
-          </a:p>
-          <a:p>
-            <a:pPr lvl="1"/>
-            <a:r>
-              <a:rPr lang="en-US" dirty="0">
-                <a:latin typeface="Segoe UI" panose="020B0502040204020203" pitchFamily="34" charset="0"/>
-                <a:cs typeface="Segoe UI" panose="020B0502040204020203" pitchFamily="34" charset="0"/>
-              </a:rPr>
-              <a:t>Supplier C is not shown because it has no sales.</a:t>
+            <a:r xmlns:a="http://schemas.openxmlformats.org/drawingml/2006/main">
+              <a:rPr lang="en" b="1" dirty="0"/>
+              <a:t>Issue </a:t>
+            </a:r>
+            <a:r xmlns:a="http://schemas.openxmlformats.org/drawingml/2006/main">
+              <a:rPr lang="en" dirty="0"/>
+              <a:t>:</a:t>
+            </a:r>
+          </a:p>
+          <a:p>
+            <a:pPr xmlns:a="http://schemas.openxmlformats.org/drawingml/2006/main">
+              <a:buFont typeface="Arial" panose="020B0604020202020204" pitchFamily="34" charset="0"/>
+              <a:buChar char="•"/>
+            </a:pPr>
+            <a:r xmlns:a="http://schemas.openxmlformats.org/drawingml/2006/main">
+              <a:rPr lang="en" dirty="0"/>
+              <a:t>Products </a:t>
+            </a:r>
+            <a:r xmlns:a="http://schemas.openxmlformats.org/drawingml/2006/main">
+              <a:rPr lang="en" b="1" dirty="0"/>
+              <a:t>without sales </a:t>
+            </a:r>
+            <a:r xmlns:a="http://schemas.openxmlformats.org/drawingml/2006/main">
+              <a:rPr lang="en" dirty="0"/>
+              <a:t>(e.g. new products) and </a:t>
+            </a:r>
+            <a:r xmlns:a="http://schemas.openxmlformats.org/drawingml/2006/main">
+              <a:rPr lang="en" b="1" dirty="0"/>
+              <a:t>suppliers </a:t>
+            </a:r>
+            <a:r xmlns:a="http://schemas.openxmlformats.org/drawingml/2006/main">
+              <a:rPr lang="en" dirty="0"/>
+              <a:t>supplying products not yet sold </a:t>
+            </a:r>
+            <a:r xmlns:a="http://schemas.openxmlformats.org/drawingml/2006/main">
+              <a:rPr lang="en" b="1" dirty="0"/>
+              <a:t>are not represented </a:t>
+            </a:r>
+            <a:r xmlns:a="http://schemas.openxmlformats.org/drawingml/2006/main">
+              <a:rPr lang="en" dirty="0"/>
+              <a:t>.</a:t>
+            </a:r>
+          </a:p>
+        </p:txBody>
+      </p:sp>
+      <p:sp>
+        <p:nvSpPr>
+          <p:cNvPr id="5" name="Rectangle 4"/>
+          <p:cNvSpPr/>
+          <p:nvPr/>
+        </p:nvSpPr>
+        <p:spPr>
+          <a:xfrm>
+            <a:off x="352927" y="2443521"/>
+            <a:ext cx="7326658" cy="1323439"/>
+          </a:xfrm>
+          <a:prstGeom prst="rect">
+            <a:avLst/>
+          </a:prstGeom>
+        </p:spPr>
+        <p:txBody>
+          <a:bodyPr wrap="square">
+            <a:spAutoFit/>
+          </a:bodyPr>
+          <a:lstStyle/>
+          <a:p>
+            <a:r xmlns:a="http://schemas.openxmlformats.org/drawingml/2006/main">
+              <a:rPr lang="en" sz="2000" dirty="0"/>
+              <a:t>Note the missing information:</a:t>
+            </a:r>
+          </a:p>
+          <a:p>
+            <a:pPr xmlns:a="http://schemas.openxmlformats.org/drawingml/2006/main" lvl="1">
+              <a:buFont typeface="Arial" panose="020B0604020202020204" pitchFamily="34" charset="0"/>
+              <a:buChar char="•"/>
+            </a:pPr>
+            <a:r xmlns:a="http://schemas.openxmlformats.org/drawingml/2006/main">
+              <a:rPr lang="en" sz="2000" dirty="0"/>
+              <a:t>No data for </a:t>
+            </a:r>
+            <a:r xmlns:a="http://schemas.openxmlformats.org/drawingml/2006/main">
+              <a:rPr lang="en" sz="2000" b="1" dirty="0"/>
+              <a:t>Monitor (Product 103) </a:t>
+            </a:r>
+            <a:r xmlns:a="http://schemas.openxmlformats.org/drawingml/2006/main">
+              <a:rPr lang="en" sz="2000" dirty="0"/>
+              <a:t>or </a:t>
+            </a:r>
+            <a:r xmlns:a="http://schemas.openxmlformats.org/drawingml/2006/main">
+              <a:rPr lang="en" sz="2000" b="1" dirty="0"/>
+              <a:t>Keyboard (Product 104) </a:t>
+            </a:r>
+            <a:r xmlns:a="http://schemas.openxmlformats.org/drawingml/2006/main">
+              <a:rPr lang="en" sz="2000" dirty="0"/>
+              <a:t>.</a:t>
+            </a:r>
+          </a:p>
+          <a:p>
+            <a:pPr xmlns:a="http://schemas.openxmlformats.org/drawingml/2006/main" lvl="1">
+              <a:buFont typeface="Arial" panose="020B0604020202020204" pitchFamily="34" charset="0"/>
+              <a:buChar char="•"/>
+            </a:pPr>
+            <a:r xmlns:a="http://schemas.openxmlformats.org/drawingml/2006/main">
+              <a:rPr lang="en" sz="2000" b="1" dirty="0"/>
+              <a:t>Supplier C </a:t>
+            </a:r>
+            <a:r xmlns:a="http://schemas.openxmlformats.org/drawingml/2006/main">
+              <a:rPr lang="en" sz="2000" dirty="0"/>
+              <a:t>does not appear because he has </a:t>
+            </a:r>
+            <a:r xmlns:a="http://schemas.openxmlformats.org/drawingml/2006/main">
+              <a:rPr lang="en" sz="2000" b="1" dirty="0"/>
+              <a:t>no sales </a:t>
+            </a:r>
+            <a:r xmlns:a="http://schemas.openxmlformats.org/drawingml/2006/main">
+              <a:rPr lang="en" sz="2000" dirty="0"/>
+              <a:t>.</a:t>
             </a:r>
           </a:p>
         </p:txBody>
@@ -4729,7 +4526,7 @@
         <p:spPr>
           <a:xfrm>
             <a:off x="288758" y="275007"/>
-            <a:ext cx="4327851" cy="400110"/>
+            <a:ext cx="1924501" cy="400110"/>
           </a:xfrm>
           <a:prstGeom prst="rect">
             <a:avLst/>
@@ -4742,63 +4539,14 @@
           </a:bodyPr>
           <a:lstStyle/>
           <a:p>
-            <a:r>
-              <a:rPr lang="en-US" sz="2000" dirty="0" smtClean="0">
+            <a:r xmlns:a="http://schemas.openxmlformats.org/drawingml/2006/main">
+              <a:rPr lang="en" sz="2000" b="1" dirty="0" smtClean="0">
                 <a:latin typeface="Segoe UI" panose="020B0502040204020203" pitchFamily="34" charset="0"/>
                 <a:cs typeface="Segoe UI" panose="020B0502040204020203" pitchFamily="34" charset="0"/>
               </a:rPr>
-              <a:t>Dealing with many to many relations</a:t>
-            </a:r>
-            <a:endParaRPr lang="en-US" sz="2000" dirty="0">
-              <a:latin typeface="Segoe UI" panose="020B0502040204020203" pitchFamily="34" charset="0"/>
-              <a:cs typeface="Segoe UI" panose="020B0502040204020203" pitchFamily="34" charset="0"/>
-            </a:endParaRPr>
-          </a:p>
-        </p:txBody>
-      </p:sp>
-      <p:sp>
-        <p:nvSpPr>
-          <p:cNvPr id="3" name="Rectangle 2"/>
-          <p:cNvSpPr/>
-          <p:nvPr/>
-        </p:nvSpPr>
-        <p:spPr>
-          <a:xfrm>
-            <a:off x="288758" y="890032"/>
-            <a:ext cx="4035736" cy="369332"/>
-          </a:xfrm>
-          <a:prstGeom prst="rect">
-            <a:avLst/>
-          </a:prstGeom>
-        </p:spPr>
-        <p:txBody>
-          <a:bodyPr wrap="square">
-            <a:spAutoFit/>
-          </a:bodyPr>
-          <a:lstStyle/>
-          <a:p>
-            <a:r>
-              <a:rPr lang="en-US" dirty="0" smtClean="0">
-                <a:latin typeface="Segoe UI" panose="020B0502040204020203" pitchFamily="34" charset="0"/>
-                <a:cs typeface="Segoe UI" panose="020B0502040204020203" pitchFamily="34" charset="0"/>
-              </a:rPr>
-              <a:t>Add now the </a:t>
-            </a:r>
-            <a:r>
-              <a:rPr lang="en-US" b="1" dirty="0" err="1" smtClean="0">
-                <a:latin typeface="Segoe UI" panose="020B0502040204020203" pitchFamily="34" charset="0"/>
-                <a:cs typeface="Segoe UI" panose="020B0502040204020203" pitchFamily="34" charset="0"/>
-              </a:rPr>
-              <a:t>ProductSupplier</a:t>
-            </a:r>
-            <a:r>
-              <a:rPr lang="en-US" dirty="0" smtClean="0">
-                <a:latin typeface="Segoe UI" panose="020B0502040204020203" pitchFamily="34" charset="0"/>
-                <a:cs typeface="Segoe UI" panose="020B0502040204020203" pitchFamily="34" charset="0"/>
-              </a:rPr>
-              <a:t> table </a:t>
-            </a:r>
-            <a:endParaRPr lang="en-US" dirty="0">
+              <a:t>Many to many</a:t>
+            </a:r>
+            <a:endParaRPr xmlns:a="http://schemas.openxmlformats.org/drawingml/2006/main" lang="en-US" sz="2000" b="1" dirty="0">
               <a:latin typeface="Segoe UI" panose="020B0502040204020203" pitchFamily="34" charset="0"/>
               <a:cs typeface="Segoe UI" panose="020B0502040204020203" pitchFamily="34" charset="0"/>
             </a:endParaRPr>
@@ -4872,6 +4620,43 @@
           </a:effectLst>
         </p:spPr>
       </p:pic>
+      <p:sp>
+        <p:nvSpPr>
+          <p:cNvPr id="6" name="Rectangle 5"/>
+          <p:cNvSpPr/>
+          <p:nvPr/>
+        </p:nvSpPr>
+        <p:spPr>
+          <a:xfrm>
+            <a:off x="288758" y="796767"/>
+            <a:ext cx="4905702" cy="400110"/>
+          </a:xfrm>
+          <a:prstGeom prst="rect">
+            <a:avLst/>
+          </a:prstGeom>
+        </p:spPr>
+        <p:txBody>
+          <a:bodyPr wrap="none">
+            <a:spAutoFit/>
+          </a:bodyPr>
+          <a:lstStyle/>
+          <a:p>
+            <a:r xmlns:a="http://schemas.openxmlformats.org/drawingml/2006/main">
+              <a:rPr lang="en" sz="2000" dirty="0"/>
+              <a:t>Now add the </a:t>
+            </a:r>
+            <a:r xmlns:a="http://schemas.openxmlformats.org/drawingml/2006/main">
+              <a:rPr lang="en" sz="2000" b="1" dirty="0" err="1"/>
+              <a:t>ProductSupplier table </a:t>
+            </a:r>
+            <a:r xmlns:a="http://schemas.openxmlformats.org/drawingml/2006/main">
+              <a:rPr lang="en" sz="2000" dirty="0"/>
+              <a:t>.</a:t>
+            </a:r>
+            <a:endParaRPr xmlns:a="http://schemas.openxmlformats.org/drawingml/2006/main" lang="en-US" sz="2000" dirty="0"/>
+          </a:p>
+        </p:txBody>
+      </p:sp>
     </p:spTree>
     <p:extLst>
       <p:ext uri="{BB962C8B-B14F-4D97-AF65-F5344CB8AC3E}">
@@ -4911,7 +4696,7 @@
         <p:spPr>
           <a:xfrm>
             <a:off x="288758" y="275007"/>
-            <a:ext cx="4327851" cy="400110"/>
+            <a:ext cx="1924501" cy="400110"/>
           </a:xfrm>
           <a:prstGeom prst="rect">
             <a:avLst/>
@@ -4924,296 +4709,16 @@
           </a:bodyPr>
           <a:lstStyle/>
           <a:p>
-            <a:r>
-              <a:rPr lang="en-US" sz="2000" dirty="0" smtClean="0">
+            <a:r xmlns:a="http://schemas.openxmlformats.org/drawingml/2006/main">
+              <a:rPr lang="en" sz="2000" b="1" dirty="0" smtClean="0">
                 <a:latin typeface="Segoe UI" panose="020B0502040204020203" pitchFamily="34" charset="0"/>
                 <a:cs typeface="Segoe UI" panose="020B0502040204020203" pitchFamily="34" charset="0"/>
               </a:rPr>
-              <a:t>Dealing with many to many relations</a:t>
-            </a:r>
-            <a:endParaRPr lang="en-US" sz="2000" dirty="0">
+              <a:t>Many to many</a:t>
+            </a:r>
+            <a:endParaRPr xmlns:a="http://schemas.openxmlformats.org/drawingml/2006/main" lang="en-US" sz="2000" b="1" dirty="0">
               <a:latin typeface="Segoe UI" panose="020B0502040204020203" pitchFamily="34" charset="0"/>
               <a:cs typeface="Segoe UI" panose="020B0502040204020203" pitchFamily="34" charset="0"/>
-            </a:endParaRPr>
-          </a:p>
-        </p:txBody>
-      </p:sp>
-      <p:sp>
-        <p:nvSpPr>
-          <p:cNvPr id="3" name="Rectangle 2"/>
-          <p:cNvSpPr/>
-          <p:nvPr/>
-        </p:nvSpPr>
-        <p:spPr>
-          <a:xfrm>
-            <a:off x="288757" y="890032"/>
-            <a:ext cx="6421425" cy="369332"/>
-          </a:xfrm>
-          <a:prstGeom prst="rect">
-            <a:avLst/>
-          </a:prstGeom>
-        </p:spPr>
-        <p:txBody>
-          <a:bodyPr wrap="square">
-            <a:spAutoFit/>
-          </a:bodyPr>
-          <a:lstStyle/>
-          <a:p>
-            <a:r>
-              <a:rPr lang="en-US" dirty="0" smtClean="0">
-                <a:latin typeface="Segoe UI" panose="020B0502040204020203" pitchFamily="34" charset="0"/>
-                <a:cs typeface="Segoe UI" panose="020B0502040204020203" pitchFamily="34" charset="0"/>
-              </a:rPr>
-              <a:t>Add a new measure to the </a:t>
-            </a:r>
-            <a:r>
-              <a:rPr lang="en-US" b="1" dirty="0" smtClean="0">
-                <a:latin typeface="Segoe UI" panose="020B0502040204020203" pitchFamily="34" charset="0"/>
-                <a:cs typeface="Segoe UI" panose="020B0502040204020203" pitchFamily="34" charset="0"/>
-              </a:rPr>
-              <a:t>FactSales</a:t>
-            </a:r>
-            <a:r>
-              <a:rPr lang="en-US" dirty="0" smtClean="0">
-                <a:latin typeface="Segoe UI" panose="020B0502040204020203" pitchFamily="34" charset="0"/>
-                <a:cs typeface="Segoe UI" panose="020B0502040204020203" pitchFamily="34" charset="0"/>
-              </a:rPr>
-              <a:t> table </a:t>
-            </a:r>
-            <a:endParaRPr lang="en-US" dirty="0">
-              <a:latin typeface="Segoe UI" panose="020B0502040204020203" pitchFamily="34" charset="0"/>
-              <a:cs typeface="Segoe UI" panose="020B0502040204020203" pitchFamily="34" charset="0"/>
-            </a:endParaRPr>
-          </a:p>
-        </p:txBody>
-      </p:sp>
-      <p:sp>
-        <p:nvSpPr>
-          <p:cNvPr id="7" name="Rectangle 6"/>
-          <p:cNvSpPr/>
-          <p:nvPr/>
-        </p:nvSpPr>
-        <p:spPr>
-          <a:xfrm>
-            <a:off x="3499469" y="1602734"/>
-            <a:ext cx="6096000" cy="2308324"/>
-          </a:xfrm>
-          <a:prstGeom prst="rect">
-            <a:avLst/>
-          </a:prstGeom>
-        </p:spPr>
-        <p:txBody>
-          <a:bodyPr>
-            <a:spAutoFit/>
-          </a:bodyPr>
-          <a:lstStyle/>
-          <a:p>
-            <a:r>
-              <a:rPr lang="en-US" dirty="0">
-                <a:solidFill>
-                  <a:srgbClr val="000000"/>
-                </a:solidFill>
-                <a:latin typeface="Consolas" panose="020B0609020204030204" pitchFamily="49" charset="0"/>
-              </a:rPr>
-              <a:t>Total Sales = </a:t>
-            </a:r>
-          </a:p>
-          <a:p>
-            <a:r>
-              <a:rPr lang="en-US" dirty="0">
-                <a:solidFill>
-                  <a:srgbClr val="3165BB"/>
-                </a:solidFill>
-                <a:latin typeface="Consolas" panose="020B0609020204030204" pitchFamily="49" charset="0"/>
-              </a:rPr>
-              <a:t>SUMX</a:t>
-            </a:r>
-            <a:r>
-              <a:rPr lang="en-US" dirty="0">
-                <a:solidFill>
-                  <a:srgbClr val="000000"/>
-                </a:solidFill>
-                <a:latin typeface="Consolas" panose="020B0609020204030204" pitchFamily="49" charset="0"/>
-              </a:rPr>
-              <a:t>(</a:t>
-            </a:r>
-          </a:p>
-          <a:p>
-            <a:r>
-              <a:rPr lang="en-US" dirty="0">
-                <a:solidFill>
-                  <a:srgbClr val="000000"/>
-                </a:solidFill>
-                <a:latin typeface="Consolas" panose="020B0609020204030204" pitchFamily="49" charset="0"/>
-              </a:rPr>
-              <a:t>    </a:t>
-            </a:r>
-            <a:r>
-              <a:rPr lang="en-US" dirty="0" err="1">
-                <a:solidFill>
-                  <a:srgbClr val="000000"/>
-                </a:solidFill>
-                <a:latin typeface="Consolas" panose="020B0609020204030204" pitchFamily="49" charset="0"/>
-              </a:rPr>
-              <a:t>ProductSupplier</a:t>
-            </a:r>
-            <a:r>
-              <a:rPr lang="en-US" dirty="0">
-                <a:solidFill>
-                  <a:srgbClr val="000000"/>
-                </a:solidFill>
-                <a:latin typeface="Consolas" panose="020B0609020204030204" pitchFamily="49" charset="0"/>
-              </a:rPr>
-              <a:t>,</a:t>
-            </a:r>
-          </a:p>
-          <a:p>
-            <a:r>
-              <a:rPr lang="en-US" dirty="0">
-                <a:solidFill>
-                  <a:srgbClr val="000000"/>
-                </a:solidFill>
-                <a:latin typeface="Consolas" panose="020B0609020204030204" pitchFamily="49" charset="0"/>
-              </a:rPr>
-              <a:t>    </a:t>
-            </a:r>
-            <a:r>
-              <a:rPr lang="en-US" dirty="0">
-                <a:solidFill>
-                  <a:srgbClr val="3165BB"/>
-                </a:solidFill>
-                <a:latin typeface="Consolas" panose="020B0609020204030204" pitchFamily="49" charset="0"/>
-              </a:rPr>
-              <a:t>COALESCE</a:t>
-            </a:r>
-            <a:r>
-              <a:rPr lang="en-US" dirty="0">
-                <a:solidFill>
-                  <a:srgbClr val="000000"/>
-                </a:solidFill>
-                <a:latin typeface="Consolas" panose="020B0609020204030204" pitchFamily="49" charset="0"/>
-              </a:rPr>
-              <a:t>(</a:t>
-            </a:r>
-          </a:p>
-          <a:p>
-            <a:r>
-              <a:rPr lang="en-US" dirty="0">
-                <a:solidFill>
-                  <a:srgbClr val="000000"/>
-                </a:solidFill>
-                <a:latin typeface="Consolas" panose="020B0609020204030204" pitchFamily="49" charset="0"/>
-              </a:rPr>
-              <a:t>        </a:t>
-            </a:r>
-            <a:r>
-              <a:rPr lang="en-US" dirty="0">
-                <a:solidFill>
-                  <a:srgbClr val="3165BB"/>
-                </a:solidFill>
-                <a:latin typeface="Consolas" panose="020B0609020204030204" pitchFamily="49" charset="0"/>
-              </a:rPr>
-              <a:t>CALCULATE</a:t>
-            </a:r>
-            <a:r>
-              <a:rPr lang="en-US" dirty="0">
-                <a:solidFill>
-                  <a:srgbClr val="000000"/>
-                </a:solidFill>
-                <a:latin typeface="Consolas" panose="020B0609020204030204" pitchFamily="49" charset="0"/>
-              </a:rPr>
-              <a:t>(</a:t>
-            </a:r>
-            <a:r>
-              <a:rPr lang="en-US" dirty="0">
-                <a:solidFill>
-                  <a:srgbClr val="3165BB"/>
-                </a:solidFill>
-                <a:latin typeface="Consolas" panose="020B0609020204030204" pitchFamily="49" charset="0"/>
-              </a:rPr>
-              <a:t>SUM</a:t>
-            </a:r>
-            <a:r>
-              <a:rPr lang="en-US" dirty="0">
-                <a:solidFill>
-                  <a:srgbClr val="000000"/>
-                </a:solidFill>
-                <a:latin typeface="Consolas" panose="020B0609020204030204" pitchFamily="49" charset="0"/>
-              </a:rPr>
-              <a:t>(FactSales[</a:t>
-            </a:r>
-            <a:r>
-              <a:rPr lang="en-US" dirty="0" err="1">
-                <a:solidFill>
-                  <a:srgbClr val="000000"/>
-                </a:solidFill>
-                <a:latin typeface="Consolas" panose="020B0609020204030204" pitchFamily="49" charset="0"/>
-              </a:rPr>
-              <a:t>SalesAmount</a:t>
-            </a:r>
-            <a:r>
-              <a:rPr lang="en-US" dirty="0">
-                <a:solidFill>
-                  <a:srgbClr val="000000"/>
-                </a:solidFill>
-                <a:latin typeface="Consolas" panose="020B0609020204030204" pitchFamily="49" charset="0"/>
-              </a:rPr>
-              <a:t>])),</a:t>
-            </a:r>
-          </a:p>
-          <a:p>
-            <a:r>
-              <a:rPr lang="en-US" dirty="0">
-                <a:solidFill>
-                  <a:srgbClr val="000000"/>
-                </a:solidFill>
-                <a:latin typeface="Consolas" panose="020B0609020204030204" pitchFamily="49" charset="0"/>
-              </a:rPr>
-              <a:t>        </a:t>
-            </a:r>
-            <a:r>
-              <a:rPr lang="en-US" dirty="0">
-                <a:solidFill>
-                  <a:srgbClr val="098658"/>
-                </a:solidFill>
-                <a:latin typeface="Consolas" panose="020B0609020204030204" pitchFamily="49" charset="0"/>
-              </a:rPr>
-              <a:t>0</a:t>
-            </a:r>
-            <a:endParaRPr lang="en-US" dirty="0">
-              <a:solidFill>
-                <a:srgbClr val="000000"/>
-              </a:solidFill>
-              <a:latin typeface="Consolas" panose="020B0609020204030204" pitchFamily="49" charset="0"/>
-            </a:endParaRPr>
-          </a:p>
-          <a:p>
-            <a:r>
-              <a:rPr lang="en-US" dirty="0">
-                <a:solidFill>
-                  <a:srgbClr val="000000"/>
-                </a:solidFill>
-                <a:latin typeface="Consolas" panose="020B0609020204030204" pitchFamily="49" charset="0"/>
-              </a:rPr>
-              <a:t>    )</a:t>
-            </a:r>
-          </a:p>
-          <a:p>
-            <a:r>
-              <a:rPr lang="en-US" dirty="0">
-                <a:solidFill>
-                  <a:srgbClr val="000000"/>
-                </a:solidFill>
-                <a:latin typeface="Consolas" panose="020B0609020204030204" pitchFamily="49" charset="0"/>
-              </a:rPr>
-              <a:t>)</a:t>
-            </a:r>
-            <a:endParaRPr lang="en-US" b="0" dirty="0">
-              <a:solidFill>
-                <a:srgbClr val="000000"/>
-              </a:solidFill>
-              <a:effectLst/>
-              <a:latin typeface="Consolas" panose="020B0609020204030204" pitchFamily="49" charset="0"/>
             </a:endParaRPr>
           </a:p>
         </p:txBody>
@@ -5252,6 +4757,223 @@
           </a:effectLst>
         </p:spPr>
       </p:pic>
+      <p:sp>
+        <p:nvSpPr>
+          <p:cNvPr id="5" name="Rectangle 4"/>
+          <p:cNvSpPr/>
+          <p:nvPr/>
+        </p:nvSpPr>
+        <p:spPr>
+          <a:xfrm>
+            <a:off x="288758" y="844894"/>
+            <a:ext cx="5262531" cy="400110"/>
+          </a:xfrm>
+          <a:prstGeom prst="rect">
+            <a:avLst/>
+          </a:prstGeom>
+        </p:spPr>
+        <p:txBody>
+          <a:bodyPr wrap="none">
+            <a:spAutoFit/>
+          </a:bodyPr>
+          <a:lstStyle/>
+          <a:p>
+            <a:r xmlns:a="http://schemas.openxmlformats.org/drawingml/2006/main">
+              <a:rPr lang="en" sz="2000" dirty="0"/>
+              <a:t>Add a new measure to the </a:t>
+            </a:r>
+            <a:r xmlns:a="http://schemas.openxmlformats.org/drawingml/2006/main">
+              <a:rPr lang="en" sz="2000" b="1" dirty="0"/>
+              <a:t>FactSales table</a:t>
+            </a:r>
+            <a:endParaRPr xmlns:a="http://schemas.openxmlformats.org/drawingml/2006/main" lang="en-US" sz="2000" dirty="0"/>
+          </a:p>
+        </p:txBody>
+      </p:sp>
+      <p:sp>
+        <p:nvSpPr>
+          <p:cNvPr id="9" name="Rectangle 8"/>
+          <p:cNvSpPr/>
+          <p:nvPr/>
+        </p:nvSpPr>
+        <p:spPr>
+          <a:xfrm>
+            <a:off x="3295506" y="1602734"/>
+            <a:ext cx="6096000" cy="923330"/>
+          </a:xfrm>
+          <a:prstGeom prst="rect">
+            <a:avLst/>
+          </a:prstGeom>
+        </p:spPr>
+        <p:txBody>
+          <a:bodyPr>
+            <a:spAutoFit/>
+          </a:bodyPr>
+          <a:lstStyle/>
+          <a:p>
+            <a:r xmlns:a="http://schemas.openxmlformats.org/drawingml/2006/main">
+              <a:rPr lang="en" dirty="0">
+                <a:solidFill>
+                  <a:srgbClr val="000000"/>
+                </a:solidFill>
+                <a:latin typeface="Consolas" panose="020B0609020204030204" pitchFamily="49" charset="0"/>
+              </a:rPr>
+              <a:t>Total Sales = </a:t>
+            </a:r>
+            <a:r xmlns:a="http://schemas.openxmlformats.org/drawingml/2006/main">
+              <a:rPr lang="en" dirty="0">
+                <a:solidFill>
+                  <a:srgbClr val="3165BB"/>
+                </a:solidFill>
+                <a:latin typeface="Consolas" panose="020B0609020204030204" pitchFamily="49" charset="0"/>
+              </a:rPr>
+              <a:t>SUMX </a:t>
+            </a:r>
+            <a:r xmlns:a="http://schemas.openxmlformats.org/drawingml/2006/main">
+              <a:rPr lang="en" dirty="0">
+                <a:solidFill>
+                  <a:srgbClr val="000000"/>
+                </a:solidFill>
+                <a:latin typeface="Consolas" panose="020B0609020204030204" pitchFamily="49" charset="0"/>
+              </a:rPr>
+              <a:t>( </a:t>
+            </a:r>
+            <a:r xmlns:a="http://schemas.openxmlformats.org/drawingml/2006/main">
+              <a:rPr lang="en" dirty="0" err="1">
+                <a:solidFill>
+                  <a:srgbClr val="001080"/>
+                </a:solidFill>
+                <a:latin typeface="Consolas" panose="020B0609020204030204" pitchFamily="49" charset="0"/>
+              </a:rPr>
+              <a:t>ProductSupplier </a:t>
+            </a:r>
+            <a:r xmlns:a="http://schemas.openxmlformats.org/drawingml/2006/main">
+              <a:rPr lang="en" dirty="0" err="1">
+                <a:solidFill>
+                  <a:srgbClr val="000000"/>
+                </a:solidFill>
+                <a:latin typeface="Consolas" panose="020B0609020204030204" pitchFamily="49" charset="0"/>
+              </a:rPr>
+              <a:t>, </a:t>
+            </a:r>
+            <a:r xmlns:a="http://schemas.openxmlformats.org/drawingml/2006/main">
+              <a:rPr lang="en" dirty="0" err="1">
+                <a:solidFill>
+                  <a:srgbClr val="3165BB"/>
+                </a:solidFill>
+                <a:latin typeface="Consolas" panose="020B0609020204030204" pitchFamily="49" charset="0"/>
+              </a:rPr>
+              <a:t>COALESCE </a:t>
+            </a:r>
+            <a:r xmlns:a="http://schemas.openxmlformats.org/drawingml/2006/main">
+              <a:rPr lang="en" dirty="0">
+                <a:solidFill>
+                  <a:srgbClr val="000000"/>
+                </a:solidFill>
+                <a:latin typeface="Consolas" panose="020B0609020204030204" pitchFamily="49" charset="0"/>
+              </a:rPr>
+              <a:t>( </a:t>
+            </a:r>
+            <a:r xmlns:a="http://schemas.openxmlformats.org/drawingml/2006/main">
+              <a:rPr lang="en" dirty="0">
+                <a:solidFill>
+                  <a:srgbClr val="3165BB"/>
+                </a:solidFill>
+                <a:latin typeface="Consolas" panose="020B0609020204030204" pitchFamily="49" charset="0"/>
+              </a:rPr>
+              <a:t>CALCULATE </a:t>
+            </a:r>
+            <a:r xmlns:a="http://schemas.openxmlformats.org/drawingml/2006/main">
+              <a:rPr lang="en" dirty="0">
+                <a:solidFill>
+                  <a:srgbClr val="000000"/>
+                </a:solidFill>
+                <a:latin typeface="Consolas" panose="020B0609020204030204" pitchFamily="49" charset="0"/>
+              </a:rPr>
+              <a:t>( </a:t>
+            </a:r>
+            <a:r xmlns:a="http://schemas.openxmlformats.org/drawingml/2006/main">
+              <a:rPr lang="en" dirty="0">
+                <a:solidFill>
+                  <a:srgbClr val="3165BB"/>
+                </a:solidFill>
+                <a:latin typeface="Consolas" panose="020B0609020204030204" pitchFamily="49" charset="0"/>
+              </a:rPr>
+              <a:t>SUM </a:t>
+            </a:r>
+            <a:r xmlns:a="http://schemas.openxmlformats.org/drawingml/2006/main">
+              <a:rPr lang="en" dirty="0">
+                <a:solidFill>
+                  <a:srgbClr val="000000"/>
+                </a:solidFill>
+                <a:latin typeface="Consolas" panose="020B0609020204030204" pitchFamily="49" charset="0"/>
+              </a:rPr>
+              <a:t>( </a:t>
+            </a:r>
+            <a:r xmlns:a="http://schemas.openxmlformats.org/drawingml/2006/main">
+              <a:rPr lang="en" dirty="0">
+                <a:solidFill>
+                  <a:srgbClr val="001080"/>
+                </a:solidFill>
+                <a:latin typeface="Consolas" panose="020B0609020204030204" pitchFamily="49" charset="0"/>
+              </a:rPr>
+              <a:t>FactSales[ </a:t>
+            </a:r>
+            <a:r xmlns:a="http://schemas.openxmlformats.org/drawingml/2006/main">
+              <a:rPr lang="en" dirty="0" err="1">
+                <a:solidFill>
+                  <a:srgbClr val="001080"/>
+                </a:solidFill>
+                <a:latin typeface="Consolas" panose="020B0609020204030204" pitchFamily="49" charset="0"/>
+              </a:rPr>
+              <a:t>SalesAmount </a:t>
+            </a:r>
+            <a:r xmlns:a="http://schemas.openxmlformats.org/drawingml/2006/main">
+              <a:rPr lang="en" dirty="0">
+                <a:solidFill>
+                  <a:srgbClr val="001080"/>
+                </a:solidFill>
+                <a:latin typeface="Consolas" panose="020B0609020204030204" pitchFamily="49" charset="0"/>
+              </a:rPr>
+              <a:t>] </a:t>
+            </a:r>
+            <a:r xmlns:a="http://schemas.openxmlformats.org/drawingml/2006/main">
+              <a:rPr lang="en" dirty="0">
+                <a:solidFill>
+                  <a:srgbClr val="000000"/>
+                </a:solidFill>
+                <a:latin typeface="Consolas" panose="020B0609020204030204" pitchFamily="49" charset="0"/>
+              </a:rPr>
+              <a:t>)), </a:t>
+            </a:r>
+            <a:r xmlns:a="http://schemas.openxmlformats.org/drawingml/2006/main">
+              <a:rPr lang="en" dirty="0">
+                <a:solidFill>
+                  <a:srgbClr val="098658"/>
+                </a:solidFill>
+                <a:latin typeface="Consolas" panose="020B0609020204030204" pitchFamily="49" charset="0"/>
+              </a:rPr>
+              <a:t>0 </a:t>
+            </a:r>
+            <a:r xmlns:a="http://schemas.openxmlformats.org/drawingml/2006/main">
+              <a:rPr lang="en" dirty="0">
+                <a:solidFill>
+                  <a:srgbClr val="000000"/>
+                </a:solidFill>
+                <a:latin typeface="Consolas" panose="020B0609020204030204" pitchFamily="49" charset="0"/>
+              </a:rPr>
+              <a:t>))</a:t>
+            </a:r>
+            <a:endParaRPr xmlns:a="http://schemas.openxmlformats.org/drawingml/2006/main" lang="en-US" b="0" dirty="0">
+              <a:solidFill>
+                <a:srgbClr val="000000"/>
+              </a:solidFill>
+              <a:effectLst/>
+              <a:latin typeface="Consolas" panose="020B0609020204030204" pitchFamily="49" charset="0"/>
+            </a:endParaRPr>
+          </a:p>
+        </p:txBody>
+      </p:sp>
     </p:spTree>
     <p:extLst>
       <p:ext uri="{BB962C8B-B14F-4D97-AF65-F5344CB8AC3E}">
@@ -5291,7 +5013,7 @@
         <p:spPr>
           <a:xfrm>
             <a:off x="288758" y="275007"/>
-            <a:ext cx="4327851" cy="400110"/>
+            <a:ext cx="1924501" cy="400110"/>
           </a:xfrm>
           <a:prstGeom prst="rect">
             <a:avLst/>
@@ -5304,14 +5026,1298 @@
           </a:bodyPr>
           <a:lstStyle/>
           <a:p>
-            <a:r>
-              <a:rPr lang="en-US" sz="2000" dirty="0" smtClean="0">
+            <a:r xmlns:a="http://schemas.openxmlformats.org/drawingml/2006/main">
+              <a:rPr lang="en" sz="2000" b="1" dirty="0" smtClean="0">
                 <a:latin typeface="Segoe UI" panose="020B0502040204020203" pitchFamily="34" charset="0"/>
                 <a:cs typeface="Segoe UI" panose="020B0502040204020203" pitchFamily="34" charset="0"/>
               </a:rPr>
-              <a:t>Dealing with many to many relations</a:t>
-            </a:r>
-            <a:endParaRPr lang="en-US" sz="2000" dirty="0">
+              <a:t>Many to many</a:t>
+            </a:r>
+            <a:endParaRPr xmlns:a="http://schemas.openxmlformats.org/drawingml/2006/main" lang="en-US" sz="2000" b="1" dirty="0">
+              <a:latin typeface="Segoe UI" panose="020B0502040204020203" pitchFamily="34" charset="0"/>
+              <a:cs typeface="Segoe UI" panose="020B0502040204020203" pitchFamily="34" charset="0"/>
+            </a:endParaRPr>
+          </a:p>
+        </p:txBody>
+      </p:sp>
+      <p:sp>
+        <p:nvSpPr>
+          <p:cNvPr id="3" name="Rectangle 1"/>
+          <p:cNvSpPr>
+            <a:spLocks noChangeArrowheads="1"/>
+          </p:cNvSpPr>
+          <p:nvPr/>
+        </p:nvSpPr>
+        <p:spPr bwMode="auto">
+          <a:xfrm>
+            <a:off x="288758" y="757235"/>
+            <a:ext cx="11065722" cy="369332"/>
+          </a:xfrm>
+          <a:prstGeom prst="rect">
+            <a:avLst/>
+          </a:prstGeom>
+          <a:noFill/>
+          <a:ln>
+            <a:noFill/>
+          </a:ln>
+          <a:effectLst/>
+          <a:extLst>
+            <a:ext uri="{909E8E84-426E-40DD-AFC4-6F175D3DCCD1}">
+              <a14:hiddenFill xmlns:a14="http://schemas.microsoft.com/office/drawing/2010/main">
+                <a:solidFill>
+                  <a:schemeClr val="accent1"/>
+                </a:solidFill>
+              </a14:hiddenFill>
+            </a:ext>
+            <a:ext uri="{91240B29-F687-4F45-9708-019B960494DF}">
+              <a14:hiddenLine xmlns:a14="http://schemas.microsoft.com/office/drawing/2010/main" w="9525">
+                <a:solidFill>
+                  <a:schemeClr val="tx1"/>
+                </a:solidFill>
+                <a:miter lim="800000"/>
+                <a:headEnd/>
+                <a:tailEnd/>
+              </a14:hiddenLine>
+            </a:ext>
+            <a:ext uri="{AF507438-7753-43E0-B8FC-AC1667EBCBE1}">
+              <a14:hiddenEffects xmlns:a14="http://schemas.microsoft.com/office/drawing/2010/main">
+                <a:effectLst>
+                  <a:outerShdw dist="35921" dir="2700000" algn="ctr" rotWithShape="0">
+                    <a:schemeClr val="bg2"/>
+                  </a:outerShdw>
+                </a:effectLst>
+              </a14:hiddenEffects>
+            </a:ext>
+          </a:extLst>
+        </p:spPr>
+        <p:txBody>
+          <a:bodyPr vert="horz" wrap="none" lIns="91440" tIns="45720" rIns="91440" bIns="45720" numCol="1" anchor="ctr" anchorCtr="0" compatLnSpc="1">
+            <a:prstTxWarp prst="textNoShape">
+              <a:avLst/>
+            </a:prstTxWarp>
+            <a:spAutoFit/>
+          </a:bodyPr>
+          <a:lstStyle/>
+          <a:p>
+            <a:pPr xmlns:a="http://schemas.openxmlformats.org/drawingml/2006/main" marL="0" marR="0" lvl="0" indent="0" algn="l" defTabSz="914400" rtl="0" eaLnBrk="0" fontAlgn="base" latinLnBrk="0" hangingPunct="0">
+              <a:lnSpc>
+                <a:spcPct val="100000"/>
+              </a:lnSpc>
+              <a:spcBef>
+                <a:spcPct val="0"/>
+              </a:spcBef>
+              <a:spcAft>
+                <a:spcPct val="0"/>
+              </a:spcAft>
+              <a:buClrTx/>
+              <a:buSzTx/>
+              <a:buFontTx/>
+              <a:buNone/>
+              <a:tabLst/>
+            </a:pPr>
+            <a:r xmlns:a="http://schemas.openxmlformats.org/drawingml/2006/main">
+              <a:rPr kumimoji="0" lang="en" altLang="en-US" b="0" i="0" u="none" strike="noStrike" cap="none" normalizeH="0" baseline="0" dirty="0" smtClean="0">
+                <a:ln>
+                  <a:noFill/>
+                </a:ln>
+                <a:solidFill>
+                  <a:schemeClr val="tx1"/>
+                </a:solidFill>
+                <a:effectLst/>
+                <a:latin typeface="Segoe UI" panose="020B0502040204020203" pitchFamily="34" charset="0"/>
+                <a:cs typeface="Segoe UI" panose="020B0502040204020203" pitchFamily="34" charset="0"/>
+              </a:rPr>
+              <a:t>The </a:t>
+            </a:r>
+            <a:r xmlns:a="http://schemas.openxmlformats.org/drawingml/2006/main">
+              <a:rPr kumimoji="0" lang="en" altLang="en-US" b="1" i="0" u="none" strike="noStrike" cap="none" normalizeH="0" baseline="0" dirty="0" smtClean="0">
+                <a:ln>
+                  <a:noFill/>
+                </a:ln>
+                <a:solidFill>
+                  <a:schemeClr val="tx1"/>
+                </a:solidFill>
+                <a:effectLst/>
+                <a:latin typeface="Segoe UI" panose="020B0502040204020203" pitchFamily="34" charset="0"/>
+                <a:cs typeface="Segoe UI" panose="020B0502040204020203" pitchFamily="34" charset="0"/>
+              </a:rPr>
+              <a:t>Total Sales metric </a:t>
+            </a:r>
+            <a:r xmlns:a="http://schemas.openxmlformats.org/drawingml/2006/main">
+              <a:rPr kumimoji="0" lang="en" altLang="en-US" b="0" i="0" u="none" strike="noStrike" cap="none" normalizeH="0" baseline="0" dirty="0" smtClean="0">
+                <a:ln>
+                  <a:noFill/>
+                </a:ln>
+                <a:solidFill>
+                  <a:schemeClr val="tx1"/>
+                </a:solidFill>
+                <a:effectLst/>
+                <a:latin typeface="Segoe UI" panose="020B0502040204020203" pitchFamily="34" charset="0"/>
+                <a:cs typeface="Segoe UI" panose="020B0502040204020203" pitchFamily="34" charset="0"/>
+              </a:rPr>
+              <a:t>calculates the sum of </a:t>
+            </a:r>
+            <a:r xmlns:a="http://schemas.openxmlformats.org/drawingml/2006/main">
+              <a:rPr kumimoji="0" lang="en" altLang="en-US" b="1" i="0" u="none" strike="noStrike" cap="none" normalizeH="0" baseline="0" dirty="0" err="1" smtClean="0">
+                <a:ln>
+                  <a:noFill/>
+                </a:ln>
+                <a:solidFill>
+                  <a:schemeClr val="tx1"/>
+                </a:solidFill>
+                <a:effectLst/>
+                <a:latin typeface="Segoe UI" panose="020B0502040204020203" pitchFamily="34" charset="0"/>
+                <a:cs typeface="Segoe UI" panose="020B0502040204020203" pitchFamily="34" charset="0"/>
+              </a:rPr>
+              <a:t>SalesAmount </a:t>
+            </a:r>
+            <a:r xmlns:a="http://schemas.openxmlformats.org/drawingml/2006/main">
+              <a:rPr kumimoji="0" lang="en" altLang="en-US" b="0" i="0" u="none" strike="noStrike" cap="none" normalizeH="0" baseline="0" dirty="0" smtClean="0">
+                <a:ln>
+                  <a:noFill/>
+                </a:ln>
+                <a:solidFill>
+                  <a:schemeClr val="tx1"/>
+                </a:solidFill>
+                <a:effectLst/>
+                <a:latin typeface="Segoe UI" panose="020B0502040204020203" pitchFamily="34" charset="0"/>
+                <a:cs typeface="Segoe UI" panose="020B0502040204020203" pitchFamily="34" charset="0"/>
+              </a:rPr>
+              <a:t>by traversing the </a:t>
+            </a:r>
+            <a:r xmlns:a="http://schemas.openxmlformats.org/drawingml/2006/main">
+              <a:rPr kumimoji="0" lang="en" altLang="en-US" b="1" i="0" u="none" strike="noStrike" cap="none" normalizeH="0" baseline="0" dirty="0" err="1" smtClean="0">
+                <a:ln>
+                  <a:noFill/>
+                </a:ln>
+                <a:solidFill>
+                  <a:schemeClr val="tx1"/>
+                </a:solidFill>
+                <a:effectLst/>
+                <a:latin typeface="Segoe UI" panose="020B0502040204020203" pitchFamily="34" charset="0"/>
+                <a:cs typeface="Segoe UI" panose="020B0502040204020203" pitchFamily="34" charset="0"/>
+              </a:rPr>
+              <a:t>ProductSupplier table</a:t>
+            </a:r>
+            <a:r xmlns:a="http://schemas.openxmlformats.org/drawingml/2006/main">
+              <a:rPr kumimoji="0" lang="en" altLang="en-US" b="0" i="0" u="none" strike="noStrike" cap="none" normalizeH="0" baseline="0" dirty="0" smtClean="0">
+                <a:ln>
+                  <a:noFill/>
+                </a:ln>
+                <a:solidFill>
+                  <a:schemeClr val="tx1"/>
+                </a:solidFill>
+                <a:effectLst/>
+                <a:latin typeface="Segoe UI" panose="020B0502040204020203" pitchFamily="34" charset="0"/>
+                <a:cs typeface="Segoe UI" panose="020B0502040204020203" pitchFamily="34" charset="0"/>
+              </a:rPr>
+              <a:t> </a:t>
+            </a:r>
+          </a:p>
+        </p:txBody>
+      </p:sp>
+      <p:pic>
+        <p:nvPicPr>
+          <p:cNvPr id="4" name="Picture 3"/>
+          <p:cNvPicPr>
+            <a:picLocks noChangeAspect="1"/>
+          </p:cNvPicPr>
+          <p:nvPr/>
+        </p:nvPicPr>
+        <p:blipFill>
+          <a:blip r:embed="rId2"/>
+          <a:stretch>
+            <a:fillRect/>
+          </a:stretch>
+        </p:blipFill>
+        <p:spPr>
+          <a:xfrm>
+            <a:off x="848875" y="1433100"/>
+            <a:ext cx="9945488" cy="4363059"/>
+          </a:xfrm>
+          <a:prstGeom prst="rect">
+            <a:avLst/>
+          </a:prstGeom>
+        </p:spPr>
+      </p:pic>
+    </p:spTree>
+    <p:extLst>
+      <p:ext uri="{BB962C8B-B14F-4D97-AF65-F5344CB8AC3E}">
+        <p14:creationId xmlns:p14="http://schemas.microsoft.com/office/powerpoint/2010/main" val="3244137987"/>
+      </p:ext>
+    </p:extLst>
+  </p:cSld>
+  <p:clrMapOvr>
+    <a:masterClrMapping/>
+  </p:clrMapOvr>
+</p:sld>
+</file>
+
+<file path=ppt/slides/slide7.xml><?xml version="1.0" encoding="utf-8"?>
+<p:sld xmlns:a="http://schemas.openxmlformats.org/drawingml/2006/main" xmlns:r="http://schemas.openxmlformats.org/officeDocument/2006/relationships" xmlns:p="http://schemas.openxmlformats.org/presentationml/2006/main">
+  <p:cSld>
+    <p:spTree>
+      <p:nvGrpSpPr>
+        <p:cNvPr id="1" name=""/>
+        <p:cNvGrpSpPr/>
+        <p:nvPr/>
+      </p:nvGrpSpPr>
+      <p:grpSpPr>
+        <a:xfrm>
+          <a:off x="0" y="0"/>
+          <a:ext cx="0" cy="0"/>
+          <a:chOff x="0" y="0"/>
+          <a:chExt cx="0" cy="0"/>
+        </a:xfrm>
+      </p:grpSpPr>
+      <p:sp>
+        <p:nvSpPr>
+          <p:cNvPr id="2" name="TextBox 1"/>
+          <p:cNvSpPr txBox="1"/>
+          <p:nvPr/>
+        </p:nvSpPr>
+        <p:spPr>
+          <a:xfrm>
+            <a:off x="288758" y="275007"/>
+            <a:ext cx="1924501" cy="400110"/>
+          </a:xfrm>
+          <a:prstGeom prst="rect">
+            <a:avLst/>
+          </a:prstGeom>
+          <a:noFill/>
+        </p:spPr>
+        <p:txBody>
+          <a:bodyPr wrap="none" rtlCol="0">
+            <a:spAutoFit/>
+          </a:bodyPr>
+          <a:lstStyle/>
+          <a:p>
+            <a:r xmlns:a="http://schemas.openxmlformats.org/drawingml/2006/main">
+              <a:rPr lang="en" sz="2000" b="1" dirty="0" smtClean="0">
+                <a:latin typeface="Segoe UI" panose="020B0502040204020203" pitchFamily="34" charset="0"/>
+                <a:cs typeface="Segoe UI" panose="020B0502040204020203" pitchFamily="34" charset="0"/>
+              </a:rPr>
+              <a:t>Many to many</a:t>
+            </a:r>
+            <a:endParaRPr xmlns:a="http://schemas.openxmlformats.org/drawingml/2006/main" lang="en-US" sz="2000" b="1" dirty="0">
+              <a:latin typeface="Segoe UI" panose="020B0502040204020203" pitchFamily="34" charset="0"/>
+              <a:cs typeface="Segoe UI" panose="020B0502040204020203" pitchFamily="34" charset="0"/>
+            </a:endParaRPr>
+          </a:p>
+        </p:txBody>
+      </p:sp>
+      <p:sp>
+        <p:nvSpPr>
+          <p:cNvPr id="5" name="Rectangle 1"/>
+          <p:cNvSpPr>
+            <a:spLocks noChangeArrowheads="1"/>
+          </p:cNvSpPr>
+          <p:nvPr/>
+        </p:nvSpPr>
+        <p:spPr bwMode="auto">
+          <a:xfrm>
+            <a:off x="405636" y="871848"/>
+            <a:ext cx="8593378" cy="1477328"/>
+          </a:xfrm>
+          <a:prstGeom prst="rect">
+            <a:avLst/>
+          </a:prstGeom>
+          <a:noFill/>
+          <a:ln>
+            <a:noFill/>
+          </a:ln>
+          <a:effectLst/>
+          <a:extLst>
+            <a:ext uri="{909E8E84-426E-40DD-AFC4-6F175D3DCCD1}">
+              <a14:hiddenFill xmlns:a14="http://schemas.microsoft.com/office/drawing/2010/main">
+                <a:solidFill>
+                  <a:schemeClr val="accent1"/>
+                </a:solidFill>
+              </a14:hiddenFill>
+            </a:ext>
+            <a:ext uri="{91240B29-F687-4F45-9708-019B960494DF}">
+              <a14:hiddenLine xmlns:a14="http://schemas.microsoft.com/office/drawing/2010/main" w="9525">
+                <a:solidFill>
+                  <a:schemeClr val="tx1"/>
+                </a:solidFill>
+                <a:miter lim="800000"/>
+                <a:headEnd/>
+                <a:tailEnd/>
+              </a14:hiddenLine>
+            </a:ext>
+            <a:ext uri="{AF507438-7753-43E0-B8FC-AC1667EBCBE1}">
+              <a14:hiddenEffects xmlns:a14="http://schemas.microsoft.com/office/drawing/2010/main">
+                <a:effectLst>
+                  <a:outerShdw dist="35921" dir="2700000" algn="ctr" rotWithShape="0">
+                    <a:schemeClr val="bg2"/>
+                  </a:outerShdw>
+                </a:effectLst>
+              </a14:hiddenEffects>
+            </a:ext>
+          </a:extLst>
+        </p:spPr>
+        <p:txBody>
+          <a:bodyPr vert="horz" wrap="none" lIns="91440" tIns="45720" rIns="91440" bIns="45720" numCol="1" anchor="ctr" anchorCtr="0" compatLnSpc="1">
+            <a:prstTxWarp prst="textNoShape">
+              <a:avLst/>
+            </a:prstTxWarp>
+            <a:spAutoFit/>
+          </a:bodyPr>
+          <a:lstStyle/>
+          <a:p>
+            <a:pPr xmlns:a="http://schemas.openxmlformats.org/drawingml/2006/main" marL="0" marR="0" lvl="0" indent="0" algn="l" defTabSz="914400" rtl="0" eaLnBrk="0" fontAlgn="base" latinLnBrk="0" hangingPunct="0">
+              <a:lnSpc>
+                <a:spcPct val="100000"/>
+              </a:lnSpc>
+              <a:spcBef>
+                <a:spcPct val="0"/>
+              </a:spcBef>
+              <a:spcAft>
+                <a:spcPct val="0"/>
+              </a:spcAft>
+              <a:buClrTx/>
+              <a:buSzTx/>
+              <a:buFontTx/>
+              <a:buNone/>
+              <a:tabLst/>
+            </a:pPr>
+            <a:r xmlns:a="http://schemas.openxmlformats.org/drawingml/2006/main">
+              <a:rPr kumimoji="0" lang="en" altLang="en-US" b="1" i="0" u="none" strike="noStrike" cap="none" normalizeH="0" baseline="0" dirty="0" smtClean="0">
+                <a:ln>
+                  <a:noFill/>
+                </a:ln>
+                <a:solidFill>
+                  <a:schemeClr val="tx1"/>
+                </a:solidFill>
+                <a:effectLst/>
+                <a:latin typeface="Segoe UI" panose="020B0502040204020203" pitchFamily="34" charset="0"/>
+                <a:cs typeface="Segoe UI" panose="020B0502040204020203" pitchFamily="34" charset="0"/>
+              </a:rPr>
+              <a:t>Decomposition of the formula:</a:t>
+            </a:r>
+          </a:p>
+          <a:p>
+            <a:pPr marL="0" marR="0" lvl="0" indent="0" algn="l" defTabSz="914400" rtl="0" eaLnBrk="0" fontAlgn="base" latinLnBrk="0" hangingPunct="0">
+              <a:lnSpc>
+                <a:spcPct val="100000"/>
+              </a:lnSpc>
+              <a:spcBef>
+                <a:spcPct val="0"/>
+              </a:spcBef>
+              <a:spcAft>
+                <a:spcPct val="0"/>
+              </a:spcAft>
+              <a:buClrTx/>
+              <a:buSzTx/>
+              <a:tabLst/>
+            </a:pPr>
+            <a:endParaRPr kumimoji="0" lang="fr-FR" altLang="en-US" b="1" i="0" u="none" strike="noStrike" cap="none" normalizeH="0" baseline="0" dirty="0" smtClean="0">
+              <a:ln>
+                <a:noFill/>
+              </a:ln>
+              <a:solidFill>
+                <a:schemeClr val="tx1"/>
+              </a:solidFill>
+              <a:effectLst/>
+              <a:latin typeface="Segoe UI" panose="020B0502040204020203" pitchFamily="34" charset="0"/>
+              <a:cs typeface="Segoe UI" panose="020B0502040204020203" pitchFamily="34" charset="0"/>
+            </a:endParaRPr>
+          </a:p>
+          <a:p>
+            <a:pPr xmlns:a="http://schemas.openxmlformats.org/drawingml/2006/main" marL="0" marR="0" lvl="0" indent="0" algn="l" defTabSz="914400" rtl="0" eaLnBrk="0" fontAlgn="base" latinLnBrk="0" hangingPunct="0">
+              <a:lnSpc>
+                <a:spcPct val="100000"/>
+              </a:lnSpc>
+              <a:spcBef>
+                <a:spcPct val="0"/>
+              </a:spcBef>
+              <a:spcAft>
+                <a:spcPct val="0"/>
+              </a:spcAft>
+              <a:buClrTx/>
+              <a:buSzTx/>
+              <a:tabLst/>
+            </a:pPr>
+            <a:r xmlns:a="http://schemas.openxmlformats.org/drawingml/2006/main">
+              <a:rPr kumimoji="0" lang="en" altLang="en-US" b="1" i="0" u="none" strike="noStrike" cap="none" normalizeH="0" baseline="0" dirty="0" smtClean="0">
+                <a:ln>
+                  <a:noFill/>
+                </a:ln>
+                <a:solidFill>
+                  <a:schemeClr val="tx1"/>
+                </a:solidFill>
+                <a:effectLst/>
+                <a:latin typeface="Segoe UI" panose="020B0502040204020203" pitchFamily="34" charset="0"/>
+                <a:cs typeface="Segoe UI" panose="020B0502040204020203" pitchFamily="34" charset="0"/>
+              </a:rPr>
+              <a:t>SUMX( </a:t>
+            </a:r>
+            <a:r xmlns:a="http://schemas.openxmlformats.org/drawingml/2006/main">
+              <a:rPr kumimoji="0" lang="en" altLang="en-US" b="1" i="0" u="none" strike="noStrike" cap="none" normalizeH="0" baseline="0" dirty="0" err="1" smtClean="0">
+                <a:ln>
+                  <a:noFill/>
+                </a:ln>
+                <a:solidFill>
+                  <a:schemeClr val="tx1"/>
+                </a:solidFill>
+                <a:effectLst/>
+                <a:latin typeface="Segoe UI" panose="020B0502040204020203" pitchFamily="34" charset="0"/>
+                <a:cs typeface="Segoe UI" panose="020B0502040204020203" pitchFamily="34" charset="0"/>
+              </a:rPr>
+              <a:t>ProductSupplier </a:t>
+            </a:r>
+            <a:r xmlns:a="http://schemas.openxmlformats.org/drawingml/2006/main">
+              <a:rPr kumimoji="0" lang="en" altLang="en-US" b="1" i="0" u="none" strike="noStrike" cap="none" normalizeH="0" baseline="0" dirty="0" smtClean="0">
+                <a:ln>
+                  <a:noFill/>
+                </a:ln>
+                <a:solidFill>
+                  <a:schemeClr val="tx1"/>
+                </a:solidFill>
+                <a:effectLst/>
+                <a:latin typeface="Segoe UI" panose="020B0502040204020203" pitchFamily="34" charset="0"/>
+                <a:cs typeface="Segoe UI" panose="020B0502040204020203" pitchFamily="34" charset="0"/>
+              </a:rPr>
+              <a:t>, …)</a:t>
+            </a:r>
+            <a:endParaRPr xmlns:a="http://schemas.openxmlformats.org/drawingml/2006/main" kumimoji="0" lang="fr-FR" altLang="en-US" b="0" i="0" u="none" strike="noStrike" cap="none" normalizeH="0" baseline="0" dirty="0" smtClean="0">
+              <a:ln>
+                <a:noFill/>
+              </a:ln>
+              <a:solidFill>
+                <a:schemeClr val="tx1"/>
+              </a:solidFill>
+              <a:effectLst/>
+              <a:latin typeface="Segoe UI" panose="020B0502040204020203" pitchFamily="34" charset="0"/>
+              <a:cs typeface="Segoe UI" panose="020B0502040204020203" pitchFamily="34" charset="0"/>
+            </a:endParaRPr>
+          </a:p>
+          <a:p>
+            <a:pPr xmlns:a="http://schemas.openxmlformats.org/drawingml/2006/main" marL="457200" marR="0" lvl="1" indent="0" algn="l" defTabSz="914400" rtl="0" eaLnBrk="0" fontAlgn="base" latinLnBrk="0" hangingPunct="0">
+              <a:lnSpc>
+                <a:spcPct val="100000"/>
+              </a:lnSpc>
+              <a:spcBef>
+                <a:spcPct val="0"/>
+              </a:spcBef>
+              <a:spcAft>
+                <a:spcPct val="0"/>
+              </a:spcAft>
+              <a:buClrTx/>
+              <a:buSzTx/>
+              <a:buFontTx/>
+              <a:buChar char="•"/>
+              <a:tabLst/>
+            </a:pPr>
+            <a:r xmlns:a="http://schemas.openxmlformats.org/drawingml/2006/main">
+              <a:rPr kumimoji="0" lang="en" altLang="en-US" b="1" i="0" u="none" strike="noStrike" cap="none" normalizeH="0" baseline="0" dirty="0" smtClean="0">
+                <a:ln>
+                  <a:noFill/>
+                </a:ln>
+                <a:solidFill>
+                  <a:schemeClr val="tx1"/>
+                </a:solidFill>
+                <a:effectLst/>
+                <a:latin typeface="Segoe UI" panose="020B0502040204020203" pitchFamily="34" charset="0"/>
+                <a:cs typeface="Segoe UI" panose="020B0502040204020203" pitchFamily="34" charset="0"/>
+              </a:rPr>
+              <a:t>SUMX iterates through each row of the </a:t>
+            </a:r>
+            <a:r xmlns:a="http://schemas.openxmlformats.org/drawingml/2006/main">
+              <a:rPr kumimoji="0" lang="en" altLang="en-US" b="1" i="0" u="none" strike="noStrike" cap="none" normalizeH="0" baseline="0" dirty="0" err="1" smtClean="0">
+                <a:ln>
+                  <a:noFill/>
+                </a:ln>
+                <a:solidFill>
+                  <a:schemeClr val="tx1"/>
+                </a:solidFill>
+                <a:effectLst/>
+                <a:latin typeface="Segoe UI" panose="020B0502040204020203" pitchFamily="34" charset="0"/>
+                <a:cs typeface="Segoe UI" panose="020B0502040204020203" pitchFamily="34" charset="0"/>
+              </a:rPr>
+              <a:t>ProductSupplier </a:t>
+            </a:r>
+            <a:r xmlns:a="http://schemas.openxmlformats.org/drawingml/2006/main">
+              <a:rPr kumimoji="0" lang="en" altLang="en-US" b="0" i="0" u="none" strike="noStrike" cap="none" normalizeH="0" baseline="0" dirty="0" smtClean="0">
+                <a:ln>
+                  <a:noFill/>
+                </a:ln>
+                <a:solidFill>
+                  <a:schemeClr val="tx1"/>
+                </a:solidFill>
+                <a:effectLst/>
+                <a:latin typeface="Segoe UI" panose="020B0502040204020203" pitchFamily="34" charset="0"/>
+                <a:cs typeface="Segoe UI" panose="020B0502040204020203" pitchFamily="34" charset="0"/>
+              </a:rPr>
+              <a:t>table </a:t>
+            </a:r>
+            <a:r xmlns:a="http://schemas.openxmlformats.org/drawingml/2006/main">
+              <a:rPr kumimoji="0" lang="en" altLang="en-US" b="0" i="0" u="none" strike="noStrike" cap="none" normalizeH="0" baseline="0" dirty="0" smtClean="0">
+                <a:ln>
+                  <a:noFill/>
+                </a:ln>
+                <a:solidFill>
+                  <a:schemeClr val="tx1"/>
+                </a:solidFill>
+                <a:effectLst/>
+                <a:latin typeface="Segoe UI" panose="020B0502040204020203" pitchFamily="34" charset="0"/>
+                <a:cs typeface="Segoe UI" panose="020B0502040204020203" pitchFamily="34" charset="0"/>
+              </a:rPr>
+              <a:t>.</a:t>
+            </a:r>
+          </a:p>
+          <a:p>
+            <a:pPr xmlns:a="http://schemas.openxmlformats.org/drawingml/2006/main" marL="457200" marR="0" lvl="1" indent="0" algn="l" defTabSz="914400" rtl="0" eaLnBrk="0" fontAlgn="base" latinLnBrk="0" hangingPunct="0">
+              <a:lnSpc>
+                <a:spcPct val="100000"/>
+              </a:lnSpc>
+              <a:spcBef>
+                <a:spcPct val="0"/>
+              </a:spcBef>
+              <a:spcAft>
+                <a:spcPct val="0"/>
+              </a:spcAft>
+              <a:buClrTx/>
+              <a:buSzTx/>
+              <a:buFontTx/>
+              <a:buChar char="•"/>
+              <a:tabLst/>
+            </a:pPr>
+            <a:r xmlns:a="http://schemas.openxmlformats.org/drawingml/2006/main">
+              <a:rPr kumimoji="0" lang="en" altLang="en-US" b="0" i="0" u="none" strike="noStrike" cap="none" normalizeH="0" baseline="0" dirty="0" smtClean="0">
+                <a:ln>
+                  <a:noFill/>
+                </a:ln>
+                <a:solidFill>
+                  <a:schemeClr val="tx1"/>
+                </a:solidFill>
+                <a:effectLst/>
+                <a:latin typeface="Segoe UI" panose="020B0502040204020203" pitchFamily="34" charset="0"/>
+                <a:cs typeface="Segoe UI" panose="020B0502040204020203" pitchFamily="34" charset="0"/>
+              </a:rPr>
+              <a:t>For each provider, it evaluates the expression provided as the second argument.</a:t>
+            </a:r>
+          </a:p>
+        </p:txBody>
+      </p:sp>
+      <p:sp>
+        <p:nvSpPr>
+          <p:cNvPr id="6" name="Rectangle 2"/>
+          <p:cNvSpPr>
+            <a:spLocks noChangeArrowheads="1"/>
+          </p:cNvSpPr>
+          <p:nvPr/>
+        </p:nvSpPr>
+        <p:spPr bwMode="auto">
+          <a:xfrm>
+            <a:off x="405636" y="2515556"/>
+            <a:ext cx="10622165" cy="1477328"/>
+          </a:xfrm>
+          <a:prstGeom prst="rect">
+            <a:avLst/>
+          </a:prstGeom>
+          <a:noFill/>
+          <a:ln>
+            <a:noFill/>
+          </a:ln>
+          <a:effectLst/>
+          <a:extLst>
+            <a:ext uri="{909E8E84-426E-40DD-AFC4-6F175D3DCCD1}">
+              <a14:hiddenFill xmlns:a14="http://schemas.microsoft.com/office/drawing/2010/main">
+                <a:solidFill>
+                  <a:schemeClr val="accent1"/>
+                </a:solidFill>
+              </a14:hiddenFill>
+            </a:ext>
+            <a:ext uri="{91240B29-F687-4F45-9708-019B960494DF}">
+              <a14:hiddenLine xmlns:a14="http://schemas.microsoft.com/office/drawing/2010/main" w="9525">
+                <a:solidFill>
+                  <a:schemeClr val="tx1"/>
+                </a:solidFill>
+                <a:miter lim="800000"/>
+                <a:headEnd/>
+                <a:tailEnd/>
+              </a14:hiddenLine>
+            </a:ext>
+            <a:ext uri="{AF507438-7753-43E0-B8FC-AC1667EBCBE1}">
+              <a14:hiddenEffects xmlns:a14="http://schemas.microsoft.com/office/drawing/2010/main">
+                <a:effectLst>
+                  <a:outerShdw dist="35921" dir="2700000" algn="ctr" rotWithShape="0">
+                    <a:schemeClr val="bg2"/>
+                  </a:outerShdw>
+                </a:effectLst>
+              </a14:hiddenEffects>
+            </a:ext>
+          </a:extLst>
+        </p:spPr>
+        <p:txBody>
+          <a:bodyPr vert="horz" wrap="square" lIns="91440" tIns="45720" rIns="91440" bIns="45720" numCol="1" anchor="ctr" anchorCtr="0" compatLnSpc="1">
+            <a:prstTxWarp prst="textNoShape">
+              <a:avLst/>
+            </a:prstTxWarp>
+            <a:spAutoFit/>
+          </a:bodyPr>
+          <a:lstStyle/>
+          <a:p>
+            <a:pPr xmlns:a="http://schemas.openxmlformats.org/drawingml/2006/main" marL="0" marR="0" lvl="0" indent="0" algn="l" defTabSz="914400" rtl="0" eaLnBrk="0" fontAlgn="base" latinLnBrk="0" hangingPunct="0">
+              <a:lnSpc>
+                <a:spcPct val="100000"/>
+              </a:lnSpc>
+              <a:spcBef>
+                <a:spcPct val="0"/>
+              </a:spcBef>
+              <a:spcAft>
+                <a:spcPct val="0"/>
+              </a:spcAft>
+              <a:buClrTx/>
+              <a:buSzTx/>
+              <a:buFontTx/>
+              <a:buNone/>
+              <a:tabLst/>
+            </a:pPr>
+            <a:r xmlns:a="http://schemas.openxmlformats.org/drawingml/2006/main">
+              <a:rPr kumimoji="0" lang="en" altLang="en-US" b="1" i="0" u="none" strike="noStrike" cap="none" normalizeH="0" baseline="0" dirty="0" smtClean="0">
+                <a:ln>
+                  <a:noFill/>
+                </a:ln>
+                <a:solidFill>
+                  <a:schemeClr val="tx1"/>
+                </a:solidFill>
+                <a:effectLst/>
+                <a:latin typeface="Segoe UI" panose="020B0502040204020203" pitchFamily="34" charset="0"/>
+                <a:cs typeface="Segoe UI" panose="020B0502040204020203" pitchFamily="34" charset="0"/>
+              </a:rPr>
+              <a:t>CALCULATE(SUM(FactSales[ </a:t>
+            </a:r>
+            <a:r xmlns:a="http://schemas.openxmlformats.org/drawingml/2006/main">
+              <a:rPr kumimoji="0" lang="en" altLang="en-US" b="1" i="0" u="none" strike="noStrike" cap="none" normalizeH="0" baseline="0" dirty="0" err="1" smtClean="0">
+                <a:ln>
+                  <a:noFill/>
+                </a:ln>
+                <a:solidFill>
+                  <a:schemeClr val="tx1"/>
+                </a:solidFill>
+                <a:effectLst/>
+                <a:latin typeface="Segoe UI" panose="020B0502040204020203" pitchFamily="34" charset="0"/>
+                <a:cs typeface="Segoe UI" panose="020B0502040204020203" pitchFamily="34" charset="0"/>
+              </a:rPr>
+              <a:t>SalesAmount </a:t>
+            </a:r>
+            <a:r xmlns:a="http://schemas.openxmlformats.org/drawingml/2006/main">
+              <a:rPr kumimoji="0" lang="en" altLang="en-US" b="1" i="0" u="none" strike="noStrike" cap="none" normalizeH="0" baseline="0" dirty="0" smtClean="0">
+                <a:ln>
+                  <a:noFill/>
+                </a:ln>
+                <a:solidFill>
+                  <a:schemeClr val="tx1"/>
+                </a:solidFill>
+                <a:effectLst/>
+                <a:latin typeface="Segoe UI" panose="020B0502040204020203" pitchFamily="34" charset="0"/>
+                <a:cs typeface="Segoe UI" panose="020B0502040204020203" pitchFamily="34" charset="0"/>
+              </a:rPr>
+              <a:t>]))</a:t>
+            </a:r>
+            <a:endParaRPr xmlns:a="http://schemas.openxmlformats.org/drawingml/2006/main" kumimoji="0" lang="fr-FR" altLang="en-US" b="0" i="0" u="none" strike="noStrike" cap="none" normalizeH="0" baseline="0" dirty="0" smtClean="0">
+              <a:ln>
+                <a:noFill/>
+              </a:ln>
+              <a:solidFill>
+                <a:schemeClr val="tx1"/>
+              </a:solidFill>
+              <a:effectLst/>
+              <a:latin typeface="Segoe UI" panose="020B0502040204020203" pitchFamily="34" charset="0"/>
+              <a:cs typeface="Segoe UI" panose="020B0502040204020203" pitchFamily="34" charset="0"/>
+            </a:endParaRPr>
+          </a:p>
+          <a:p>
+            <a:pPr xmlns:a="http://schemas.openxmlformats.org/drawingml/2006/main" lvl="1" eaLnBrk="0" fontAlgn="base" hangingPunct="0">
+              <a:spcBef>
+                <a:spcPct val="0"/>
+              </a:spcBef>
+              <a:spcAft>
+                <a:spcPct val="0"/>
+              </a:spcAft>
+              <a:buFontTx/>
+              <a:buChar char="•"/>
+            </a:pPr>
+            <a:r xmlns:a="http://schemas.openxmlformats.org/drawingml/2006/main">
+              <a:rPr kumimoji="0" lang="en" altLang="en-US" b="1" i="0" u="none" strike="noStrike" cap="none" normalizeH="0" baseline="0" dirty="0" smtClean="0">
+                <a:ln>
+                  <a:noFill/>
+                </a:ln>
+                <a:solidFill>
+                  <a:schemeClr val="tx1"/>
+                </a:solidFill>
+                <a:effectLst/>
+                <a:latin typeface="Segoe UI" panose="020B0502040204020203" pitchFamily="34" charset="0"/>
+                <a:cs typeface="Segoe UI" panose="020B0502040204020203" pitchFamily="34" charset="0"/>
+              </a:rPr>
+              <a:t>SUM(FactSales[ </a:t>
+            </a:r>
+            <a:r xmlns:a="http://schemas.openxmlformats.org/drawingml/2006/main">
+              <a:rPr kumimoji="0" lang="en" altLang="en-US" b="1" i="0" u="none" strike="noStrike" cap="none" normalizeH="0" baseline="0" dirty="0" err="1" smtClean="0">
+                <a:ln>
+                  <a:noFill/>
+                </a:ln>
+                <a:solidFill>
+                  <a:schemeClr val="tx1"/>
+                </a:solidFill>
+                <a:effectLst/>
+                <a:latin typeface="Segoe UI" panose="020B0502040204020203" pitchFamily="34" charset="0"/>
+                <a:cs typeface="Segoe UI" panose="020B0502040204020203" pitchFamily="34" charset="0"/>
+              </a:rPr>
+              <a:t>SalesAmount </a:t>
+            </a:r>
+            <a:r xmlns:a="http://schemas.openxmlformats.org/drawingml/2006/main">
+              <a:rPr kumimoji="0" lang="en" altLang="en-US" b="1" i="0" u="none" strike="noStrike" cap="none" normalizeH="0" baseline="0" dirty="0" smtClean="0">
+                <a:ln>
+                  <a:noFill/>
+                </a:ln>
+                <a:solidFill>
+                  <a:schemeClr val="tx1"/>
+                </a:solidFill>
+                <a:effectLst/>
+                <a:latin typeface="Segoe UI" panose="020B0502040204020203" pitchFamily="34" charset="0"/>
+                <a:cs typeface="Segoe UI" panose="020B0502040204020203" pitchFamily="34" charset="0"/>
+              </a:rPr>
+              <a:t>]) </a:t>
+            </a:r>
+            <a:r xmlns:a="http://schemas.openxmlformats.org/drawingml/2006/main">
+              <a:rPr kumimoji="0" lang="en" altLang="en-US" b="0" i="0" u="none" strike="noStrike" cap="none" normalizeH="0" baseline="0" dirty="0" smtClean="0">
+                <a:ln>
+                  <a:noFill/>
+                </a:ln>
+                <a:solidFill>
+                  <a:schemeClr val="tx1"/>
+                </a:solidFill>
+                <a:effectLst/>
+                <a:latin typeface="Segoe UI" panose="020B0502040204020203" pitchFamily="34" charset="0"/>
+                <a:cs typeface="Segoe UI" panose="020B0502040204020203" pitchFamily="34" charset="0"/>
+              </a:rPr>
+              <a:t>calculates the total sales.</a:t>
+            </a:r>
+          </a:p>
+          <a:p>
+            <a:pPr xmlns:a="http://schemas.openxmlformats.org/drawingml/2006/main" lvl="1" eaLnBrk="0" fontAlgn="base" hangingPunct="0">
+              <a:spcBef>
+                <a:spcPct val="0"/>
+              </a:spcBef>
+              <a:spcAft>
+                <a:spcPct val="0"/>
+              </a:spcAft>
+              <a:buFontTx/>
+              <a:buChar char="•"/>
+            </a:pPr>
+            <a:r xmlns:a="http://schemas.openxmlformats.org/drawingml/2006/main">
+              <a:rPr kumimoji="0" lang="en" altLang="en-US" b="1" i="0" u="none" strike="noStrike" cap="none" normalizeH="0" baseline="0" dirty="0" smtClean="0">
+                <a:ln>
+                  <a:noFill/>
+                </a:ln>
+                <a:solidFill>
+                  <a:schemeClr val="tx1"/>
+                </a:solidFill>
+                <a:effectLst/>
+                <a:latin typeface="Segoe UI" panose="020B0502040204020203" pitchFamily="34" charset="0"/>
+                <a:cs typeface="Segoe UI" panose="020B0502040204020203" pitchFamily="34" charset="0"/>
+              </a:rPr>
+              <a:t>CALCULATE </a:t>
+            </a:r>
+            <a:r xmlns:a="http://schemas.openxmlformats.org/drawingml/2006/main">
+              <a:rPr kumimoji="0" lang="en" altLang="en-US" b="0" i="0" u="none" strike="noStrike" cap="none" normalizeH="0" baseline="0" dirty="0" smtClean="0">
+                <a:ln>
+                  <a:noFill/>
+                </a:ln>
+                <a:solidFill>
+                  <a:schemeClr val="tx1"/>
+                </a:solidFill>
+                <a:effectLst/>
+                <a:latin typeface="Segoe UI" panose="020B0502040204020203" pitchFamily="34" charset="0"/>
+                <a:cs typeface="Segoe UI" panose="020B0502040204020203" pitchFamily="34" charset="0"/>
+              </a:rPr>
+              <a:t>applies the filter context to ensure that only related sales</a:t>
+            </a:r>
+          </a:p>
+          <a:p>
+            <a:pPr xmlns:a="http://schemas.openxmlformats.org/drawingml/2006/main" lvl="1" eaLnBrk="0" fontAlgn="base" hangingPunct="0">
+              <a:spcBef>
+                <a:spcPct val="0"/>
+              </a:spcBef>
+              <a:spcAft>
+                <a:spcPct val="0"/>
+              </a:spcAft>
+            </a:pPr>
+            <a:r xmlns:a="http://schemas.openxmlformats.org/drawingml/2006/main">
+              <a:rPr lang="en" altLang="en-US" dirty="0">
+                <a:latin typeface="Segoe UI" panose="020B0502040204020203" pitchFamily="34" charset="0"/>
+                <a:cs typeface="Segoe UI" panose="020B0502040204020203" pitchFamily="34" charset="0"/>
+              </a:rPr>
+              <a:t> </a:t>
+            </a:r>
+            <a:r xmlns:a="http://schemas.openxmlformats.org/drawingml/2006/main">
+              <a:rPr lang="en" altLang="en-US" dirty="0" smtClean="0">
+                <a:latin typeface="Segoe UI" panose="020B0502040204020203" pitchFamily="34" charset="0"/>
+                <a:cs typeface="Segoe UI" panose="020B0502040204020203" pitchFamily="34" charset="0"/>
+              </a:rPr>
+              <a:t>                      </a:t>
+            </a:r>
+            <a:r xmlns:a="http://schemas.openxmlformats.org/drawingml/2006/main">
+              <a:rPr kumimoji="0" lang="en" altLang="en-US" b="0" i="0" u="none" strike="noStrike" cap="none" normalizeH="0" baseline="0" dirty="0" smtClean="0">
+                <a:ln>
+                  <a:noFill/>
+                </a:ln>
+                <a:solidFill>
+                  <a:schemeClr val="tx1"/>
+                </a:solidFill>
+                <a:effectLst/>
+                <a:latin typeface="Segoe UI" panose="020B0502040204020203" pitchFamily="34" charset="0"/>
+                <a:cs typeface="Segoe UI" panose="020B0502040204020203" pitchFamily="34" charset="0"/>
+              </a:rPr>
+              <a:t>to the supplier</a:t>
+            </a:r>
+            <a:r xmlns:a="http://schemas.openxmlformats.org/drawingml/2006/main">
+              <a:rPr kumimoji="0" lang="en" altLang="en-US" b="0" i="0" u="none" strike="noStrike" cap="none" normalizeH="0" dirty="0" smtClean="0">
+                <a:ln>
+                  <a:noFill/>
+                </a:ln>
+                <a:solidFill>
+                  <a:schemeClr val="tx1"/>
+                </a:solidFill>
+                <a:effectLst/>
+                <a:latin typeface="Segoe UI" panose="020B0502040204020203" pitchFamily="34" charset="0"/>
+                <a:cs typeface="Segoe UI" panose="020B0502040204020203" pitchFamily="34" charset="0"/>
+              </a:rPr>
+              <a:t> </a:t>
+            </a:r>
+            <a:r xmlns:a="http://schemas.openxmlformats.org/drawingml/2006/main">
+              <a:rPr kumimoji="0" lang="en" altLang="en-US" b="0" i="0" u="none" strike="noStrike" cap="none" normalizeH="0" baseline="0" dirty="0" smtClean="0">
+                <a:ln>
+                  <a:noFill/>
+                </a:ln>
+                <a:solidFill>
+                  <a:schemeClr val="tx1"/>
+                </a:solidFill>
+                <a:effectLst/>
+                <a:latin typeface="Segoe UI" panose="020B0502040204020203" pitchFamily="34" charset="0"/>
+                <a:cs typeface="Segoe UI" panose="020B0502040204020203" pitchFamily="34" charset="0"/>
+              </a:rPr>
+              <a:t>current are taken into account.</a:t>
+            </a:r>
+          </a:p>
+          <a:p>
+            <a:pPr marL="0" marR="0" lvl="0" indent="0" algn="l" defTabSz="914400" rtl="0" eaLnBrk="0" fontAlgn="base" latinLnBrk="0" hangingPunct="0">
+              <a:lnSpc>
+                <a:spcPct val="100000"/>
+              </a:lnSpc>
+              <a:spcBef>
+                <a:spcPct val="0"/>
+              </a:spcBef>
+              <a:spcAft>
+                <a:spcPct val="0"/>
+              </a:spcAft>
+              <a:buClrTx/>
+              <a:buSzTx/>
+              <a:buFontTx/>
+              <a:buNone/>
+              <a:tabLst/>
+            </a:pPr>
+            <a:endParaRPr kumimoji="0" lang="fr-FR" altLang="en-US" b="0" i="0" u="none" strike="noStrike" cap="none" normalizeH="0" baseline="0" dirty="0" smtClean="0">
+              <a:ln>
+                <a:noFill/>
+              </a:ln>
+              <a:solidFill>
+                <a:schemeClr val="tx1"/>
+              </a:solidFill>
+              <a:effectLst/>
+              <a:latin typeface="Segoe UI" panose="020B0502040204020203" pitchFamily="34" charset="0"/>
+              <a:cs typeface="Segoe UI" panose="020B0502040204020203" pitchFamily="34" charset="0"/>
+            </a:endParaRPr>
+          </a:p>
+        </p:txBody>
+      </p:sp>
+      <p:sp>
+        <p:nvSpPr>
+          <p:cNvPr id="7" name="Rectangle 3"/>
+          <p:cNvSpPr>
+            <a:spLocks noChangeArrowheads="1"/>
+          </p:cNvSpPr>
+          <p:nvPr/>
+        </p:nvSpPr>
+        <p:spPr bwMode="auto">
+          <a:xfrm>
+            <a:off x="405636" y="3827880"/>
+            <a:ext cx="11387028" cy="1200329"/>
+          </a:xfrm>
+          <a:prstGeom prst="rect">
+            <a:avLst/>
+          </a:prstGeom>
+          <a:noFill/>
+          <a:ln>
+            <a:noFill/>
+          </a:ln>
+          <a:effectLst/>
+          <a:extLst>
+            <a:ext uri="{909E8E84-426E-40DD-AFC4-6F175D3DCCD1}">
+              <a14:hiddenFill xmlns:a14="http://schemas.microsoft.com/office/drawing/2010/main">
+                <a:solidFill>
+                  <a:schemeClr val="accent1"/>
+                </a:solidFill>
+              </a14:hiddenFill>
+            </a:ext>
+            <a:ext uri="{91240B29-F687-4F45-9708-019B960494DF}">
+              <a14:hiddenLine xmlns:a14="http://schemas.microsoft.com/office/drawing/2010/main" w="9525">
+                <a:solidFill>
+                  <a:schemeClr val="tx1"/>
+                </a:solidFill>
+                <a:miter lim="800000"/>
+                <a:headEnd/>
+                <a:tailEnd/>
+              </a14:hiddenLine>
+            </a:ext>
+            <a:ext uri="{AF507438-7753-43E0-B8FC-AC1667EBCBE1}">
+              <a14:hiddenEffects xmlns:a14="http://schemas.microsoft.com/office/drawing/2010/main">
+                <a:effectLst>
+                  <a:outerShdw dist="35921" dir="2700000" algn="ctr" rotWithShape="0">
+                    <a:schemeClr val="bg2"/>
+                  </a:outerShdw>
+                </a:effectLst>
+              </a14:hiddenEffects>
+            </a:ext>
+          </a:extLst>
+        </p:spPr>
+        <p:txBody>
+          <a:bodyPr vert="horz" wrap="none" lIns="91440" tIns="45720" rIns="91440" bIns="45720" numCol="1" anchor="ctr" anchorCtr="0" compatLnSpc="1">
+            <a:prstTxWarp prst="textNoShape">
+              <a:avLst/>
+            </a:prstTxWarp>
+            <a:spAutoFit/>
+          </a:bodyPr>
+          <a:lstStyle/>
+          <a:p>
+            <a:pPr xmlns:a="http://schemas.openxmlformats.org/drawingml/2006/main" marL="0" marR="0" lvl="0" indent="0" algn="l" defTabSz="914400" rtl="0" eaLnBrk="0" fontAlgn="base" latinLnBrk="0" hangingPunct="0">
+              <a:lnSpc>
+                <a:spcPct val="100000"/>
+              </a:lnSpc>
+              <a:spcBef>
+                <a:spcPct val="0"/>
+              </a:spcBef>
+              <a:spcAft>
+                <a:spcPct val="0"/>
+              </a:spcAft>
+              <a:buClrTx/>
+              <a:buSzTx/>
+              <a:buFontTx/>
+              <a:buNone/>
+              <a:tabLst/>
+            </a:pPr>
+            <a:r xmlns:a="http://schemas.openxmlformats.org/drawingml/2006/main">
+              <a:rPr kumimoji="0" lang="en" altLang="en-US" b="1" i="0" u="none" strike="noStrike" cap="none" normalizeH="0" baseline="0" dirty="0" smtClean="0">
+                <a:ln>
+                  <a:noFill/>
+                </a:ln>
+                <a:solidFill>
+                  <a:schemeClr val="tx1"/>
+                </a:solidFill>
+                <a:effectLst/>
+                <a:latin typeface="Segoe UI" panose="020B0502040204020203" pitchFamily="34" charset="0"/>
+                <a:cs typeface="Segoe UI" panose="020B0502040204020203" pitchFamily="34" charset="0"/>
+              </a:rPr>
+              <a:t>COALESCE(..., 0)</a:t>
+            </a:r>
+            <a:endParaRPr xmlns:a="http://schemas.openxmlformats.org/drawingml/2006/main" kumimoji="0" lang="fr-FR" altLang="en-US" b="0" i="0" u="none" strike="noStrike" cap="none" normalizeH="0" baseline="0" dirty="0" smtClean="0">
+              <a:ln>
+                <a:noFill/>
+              </a:ln>
+              <a:solidFill>
+                <a:schemeClr val="tx1"/>
+              </a:solidFill>
+              <a:effectLst/>
+              <a:latin typeface="Segoe UI" panose="020B0502040204020203" pitchFamily="34" charset="0"/>
+              <a:cs typeface="Segoe UI" panose="020B0502040204020203" pitchFamily="34" charset="0"/>
+            </a:endParaRPr>
+          </a:p>
+          <a:p>
+            <a:pPr xmlns:a="http://schemas.openxmlformats.org/drawingml/2006/main" lvl="1" eaLnBrk="0" fontAlgn="base" hangingPunct="0">
+              <a:spcBef>
+                <a:spcPct val="0"/>
+              </a:spcBef>
+              <a:spcAft>
+                <a:spcPct val="0"/>
+              </a:spcAft>
+              <a:buFontTx/>
+              <a:buChar char="•"/>
+            </a:pPr>
+            <a:r xmlns:a="http://schemas.openxmlformats.org/drawingml/2006/main">
+              <a:rPr kumimoji="0" lang="en" altLang="en-US" b="0" i="0" u="none" strike="noStrike" cap="none" normalizeH="0" baseline="0" dirty="0" smtClean="0">
+                <a:ln>
+                  <a:noFill/>
+                </a:ln>
+                <a:solidFill>
+                  <a:schemeClr val="tx1"/>
+                </a:solidFill>
+                <a:effectLst/>
+                <a:latin typeface="Segoe UI" panose="020B0502040204020203" pitchFamily="34" charset="0"/>
+                <a:cs typeface="Segoe UI" panose="020B0502040204020203" pitchFamily="34" charset="0"/>
+              </a:rPr>
+              <a:t>If a supplier has no sales in </a:t>
+            </a:r>
+            <a:r xmlns:a="http://schemas.openxmlformats.org/drawingml/2006/main">
+              <a:rPr kumimoji="0" lang="en" altLang="en-US" b="1" i="0" u="none" strike="noStrike" cap="none" normalizeH="0" baseline="0" dirty="0" smtClean="0">
+                <a:ln>
+                  <a:noFill/>
+                </a:ln>
+                <a:solidFill>
+                  <a:schemeClr val="tx1"/>
+                </a:solidFill>
+                <a:effectLst/>
+                <a:latin typeface="Segoe UI" panose="020B0502040204020203" pitchFamily="34" charset="0"/>
+                <a:cs typeface="Segoe UI" panose="020B0502040204020203" pitchFamily="34" charset="0"/>
+              </a:rPr>
+              <a:t>FactSales </a:t>
+            </a:r>
+            <a:r xmlns:a="http://schemas.openxmlformats.org/drawingml/2006/main">
+              <a:rPr kumimoji="0" lang="en" altLang="en-US" b="0" i="0" u="none" strike="noStrike" cap="none" normalizeH="0" baseline="0" dirty="0" smtClean="0">
+                <a:ln>
+                  <a:noFill/>
+                </a:ln>
+                <a:solidFill>
+                  <a:schemeClr val="tx1"/>
+                </a:solidFill>
+                <a:effectLst/>
+                <a:latin typeface="Segoe UI" panose="020B0502040204020203" pitchFamily="34" charset="0"/>
+                <a:cs typeface="Segoe UI" panose="020B0502040204020203" pitchFamily="34" charset="0"/>
+              </a:rPr>
+              <a:t>, </a:t>
+            </a:r>
+            <a:r xmlns:a="http://schemas.openxmlformats.org/drawingml/2006/main">
+              <a:rPr kumimoji="0" lang="en" altLang="en-US" b="1" i="0" u="none" strike="noStrike" cap="none" normalizeH="0" baseline="0" dirty="0" smtClean="0">
+                <a:ln>
+                  <a:noFill/>
+                </a:ln>
+                <a:solidFill>
+                  <a:schemeClr val="tx1"/>
+                </a:solidFill>
+                <a:effectLst/>
+                <a:latin typeface="Segoe UI" panose="020B0502040204020203" pitchFamily="34" charset="0"/>
+                <a:cs typeface="Segoe UI" panose="020B0502040204020203" pitchFamily="34" charset="0"/>
+              </a:rPr>
+              <a:t>SUM(FactSales[ </a:t>
+            </a:r>
+            <a:r xmlns:a="http://schemas.openxmlformats.org/drawingml/2006/main">
+              <a:rPr kumimoji="0" lang="en" altLang="en-US" b="1" i="0" u="none" strike="noStrike" cap="none" normalizeH="0" baseline="0" dirty="0" err="1" smtClean="0">
+                <a:ln>
+                  <a:noFill/>
+                </a:ln>
+                <a:solidFill>
+                  <a:schemeClr val="tx1"/>
+                </a:solidFill>
+                <a:effectLst/>
+                <a:latin typeface="Segoe UI" panose="020B0502040204020203" pitchFamily="34" charset="0"/>
+                <a:cs typeface="Segoe UI" panose="020B0502040204020203" pitchFamily="34" charset="0"/>
+              </a:rPr>
+              <a:t>SalesAmount </a:t>
+            </a:r>
+            <a:r xmlns:a="http://schemas.openxmlformats.org/drawingml/2006/main">
+              <a:rPr kumimoji="0" lang="en" altLang="en-US" b="1" i="0" u="none" strike="noStrike" cap="none" normalizeH="0" baseline="0" dirty="0" smtClean="0">
+                <a:ln>
+                  <a:noFill/>
+                </a:ln>
+                <a:solidFill>
+                  <a:schemeClr val="tx1"/>
+                </a:solidFill>
+                <a:effectLst/>
+                <a:latin typeface="Segoe UI" panose="020B0502040204020203" pitchFamily="34" charset="0"/>
+                <a:cs typeface="Segoe UI" panose="020B0502040204020203" pitchFamily="34" charset="0"/>
+              </a:rPr>
+              <a:t>]) </a:t>
+            </a:r>
+            <a:r xmlns:a="http://schemas.openxmlformats.org/drawingml/2006/main">
+              <a:rPr kumimoji="0" lang="en" altLang="en-US" b="0" i="0" u="none" strike="noStrike" cap="none" normalizeH="0" baseline="0" dirty="0" smtClean="0">
+                <a:ln>
+                  <a:noFill/>
+                </a:ln>
+                <a:solidFill>
+                  <a:schemeClr val="tx1"/>
+                </a:solidFill>
+                <a:effectLst/>
+                <a:latin typeface="Segoe UI" panose="020B0502040204020203" pitchFamily="34" charset="0"/>
+                <a:cs typeface="Segoe UI" panose="020B0502040204020203" pitchFamily="34" charset="0"/>
+              </a:rPr>
+              <a:t>will return </a:t>
+            </a:r>
+            <a:r xmlns:a="http://schemas.openxmlformats.org/drawingml/2006/main">
+              <a:rPr kumimoji="0" lang="en" altLang="en-US" b="1" i="0" u="none" strike="noStrike" cap="none" normalizeH="0" baseline="0" dirty="0" smtClean="0">
+                <a:ln>
+                  <a:noFill/>
+                </a:ln>
+                <a:solidFill>
+                  <a:schemeClr val="tx1"/>
+                </a:solidFill>
+                <a:effectLst/>
+                <a:latin typeface="Segoe UI" panose="020B0502040204020203" pitchFamily="34" charset="0"/>
+                <a:cs typeface="Segoe UI" panose="020B0502040204020203" pitchFamily="34" charset="0"/>
+              </a:rPr>
+              <a:t>BLANK().</a:t>
+            </a:r>
+          </a:p>
+          <a:p>
+            <a:pPr xmlns:a="http://schemas.openxmlformats.org/drawingml/2006/main" lvl="1" eaLnBrk="0" fontAlgn="base" hangingPunct="0">
+              <a:spcBef>
+                <a:spcPct val="0"/>
+              </a:spcBef>
+              <a:spcAft>
+                <a:spcPct val="0"/>
+              </a:spcAft>
+              <a:buFontTx/>
+              <a:buChar char="•"/>
+            </a:pPr>
+            <a:r xmlns:a="http://schemas.openxmlformats.org/drawingml/2006/main">
+              <a:rPr kumimoji="0" lang="en" altLang="en-US" b="1" i="0" u="none" strike="noStrike" cap="none" normalizeH="0" baseline="0" dirty="0" smtClean="0">
+                <a:ln>
+                  <a:noFill/>
+                </a:ln>
+                <a:solidFill>
+                  <a:schemeClr val="tx1"/>
+                </a:solidFill>
+                <a:effectLst/>
+                <a:latin typeface="Segoe UI" panose="020B0502040204020203" pitchFamily="34" charset="0"/>
+                <a:cs typeface="Segoe UI" panose="020B0502040204020203" pitchFamily="34" charset="0"/>
+              </a:rPr>
+              <a:t>COALESCE </a:t>
+            </a:r>
+            <a:r xmlns:a="http://schemas.openxmlformats.org/drawingml/2006/main">
+              <a:rPr kumimoji="0" lang="en" altLang="en-US" b="0" i="0" u="none" strike="noStrike" cap="none" normalizeH="0" baseline="0" dirty="0" smtClean="0">
+                <a:ln>
+                  <a:noFill/>
+                </a:ln>
+                <a:solidFill>
+                  <a:schemeClr val="tx1"/>
+                </a:solidFill>
+                <a:effectLst/>
+                <a:latin typeface="Segoe UI" panose="020B0502040204020203" pitchFamily="34" charset="0"/>
+                <a:cs typeface="Segoe UI" panose="020B0502040204020203" pitchFamily="34" charset="0"/>
+              </a:rPr>
+              <a:t>replaces </a:t>
+            </a:r>
+            <a:r xmlns:a="http://schemas.openxmlformats.org/drawingml/2006/main">
+              <a:rPr kumimoji="0" lang="en" altLang="en-US" b="1" i="0" u="none" strike="noStrike" cap="none" normalizeH="0" baseline="0" dirty="0" smtClean="0">
+                <a:ln>
+                  <a:noFill/>
+                </a:ln>
+                <a:solidFill>
+                  <a:schemeClr val="tx1"/>
+                </a:solidFill>
+                <a:effectLst/>
+                <a:latin typeface="Segoe UI" panose="020B0502040204020203" pitchFamily="34" charset="0"/>
+                <a:cs typeface="Segoe UI" panose="020B0502040204020203" pitchFamily="34" charset="0"/>
+              </a:rPr>
+              <a:t>BLANK() </a:t>
+            </a:r>
+            <a:r xmlns:a="http://schemas.openxmlformats.org/drawingml/2006/main">
+              <a:rPr kumimoji="0" lang="en" altLang="en-US" b="0" i="0" u="none" strike="noStrike" cap="none" normalizeH="0" baseline="0" dirty="0" smtClean="0">
+                <a:ln>
+                  <a:noFill/>
+                </a:ln>
+                <a:solidFill>
+                  <a:schemeClr val="tx1"/>
+                </a:solidFill>
+                <a:effectLst/>
+                <a:latin typeface="Segoe UI" panose="020B0502040204020203" pitchFamily="34" charset="0"/>
+                <a:cs typeface="Segoe UI" panose="020B0502040204020203" pitchFamily="34" charset="0"/>
+              </a:rPr>
+              <a:t>with 0, thus avoiding empty values in the results.</a:t>
+            </a:r>
+          </a:p>
+          <a:p>
+            <a:pPr marL="0" marR="0" lvl="0" indent="0" algn="l" defTabSz="914400" rtl="0" eaLnBrk="0" fontAlgn="base" latinLnBrk="0" hangingPunct="0">
+              <a:lnSpc>
+                <a:spcPct val="100000"/>
+              </a:lnSpc>
+              <a:spcBef>
+                <a:spcPct val="0"/>
+              </a:spcBef>
+              <a:spcAft>
+                <a:spcPct val="0"/>
+              </a:spcAft>
+              <a:buClrTx/>
+              <a:buSzTx/>
+              <a:buFontTx/>
+              <a:buNone/>
+              <a:tabLst/>
+            </a:pPr>
+            <a:endParaRPr kumimoji="0" lang="fr-FR" altLang="en-US" b="0" i="0" u="none" strike="noStrike" cap="none" normalizeH="0" baseline="0" dirty="0" smtClean="0">
+              <a:ln>
+                <a:noFill/>
+              </a:ln>
+              <a:solidFill>
+                <a:schemeClr val="tx1"/>
+              </a:solidFill>
+              <a:effectLst/>
+              <a:latin typeface="Segoe UI" panose="020B0502040204020203" pitchFamily="34" charset="0"/>
+              <a:cs typeface="Segoe UI" panose="020B0502040204020203" pitchFamily="34" charset="0"/>
+            </a:endParaRPr>
+          </a:p>
+        </p:txBody>
+      </p:sp>
+    </p:spTree>
+    <p:extLst>
+      <p:ext uri="{BB962C8B-B14F-4D97-AF65-F5344CB8AC3E}">
+        <p14:creationId xmlns:p14="http://schemas.microsoft.com/office/powerpoint/2010/main" val="2329507700"/>
+      </p:ext>
+    </p:extLst>
+  </p:cSld>
+  <p:clrMapOvr>
+    <a:masterClrMapping/>
+  </p:clrMapOvr>
+</p:sld>
+</file>
+
+<file path=ppt/slides/slide8.xml><?xml version="1.0" encoding="utf-8"?>
+<p:sld xmlns:a="http://schemas.openxmlformats.org/drawingml/2006/main" xmlns:r="http://schemas.openxmlformats.org/officeDocument/2006/relationships" xmlns:p="http://schemas.openxmlformats.org/presentationml/2006/main">
+  <p:cSld>
+    <p:spTree>
+      <p:nvGrpSpPr>
+        <p:cNvPr id="1" name=""/>
+        <p:cNvGrpSpPr/>
+        <p:nvPr/>
+      </p:nvGrpSpPr>
+      <p:grpSpPr>
+        <a:xfrm>
+          <a:off x="0" y="0"/>
+          <a:ext cx="0" cy="0"/>
+          <a:chOff x="0" y="0"/>
+          <a:chExt cx="0" cy="0"/>
+        </a:xfrm>
+      </p:grpSpPr>
+      <p:sp>
+        <p:nvSpPr>
+          <p:cNvPr id="2" name="TextBox 1"/>
+          <p:cNvSpPr txBox="1"/>
+          <p:nvPr/>
+        </p:nvSpPr>
+        <p:spPr>
+          <a:xfrm>
+            <a:off x="288758" y="275007"/>
+            <a:ext cx="1924501" cy="400110"/>
+          </a:xfrm>
+          <a:prstGeom prst="rect">
+            <a:avLst/>
+          </a:prstGeom>
+          <a:noFill/>
+        </p:spPr>
+        <p:txBody>
+          <a:bodyPr wrap="none" rtlCol="0">
+            <a:spAutoFit/>
+          </a:bodyPr>
+          <a:lstStyle/>
+          <a:p>
+            <a:r xmlns:a="http://schemas.openxmlformats.org/drawingml/2006/main">
+              <a:rPr lang="en" sz="2000" b="1" dirty="0" smtClean="0">
+                <a:latin typeface="Segoe UI" panose="020B0502040204020203" pitchFamily="34" charset="0"/>
+                <a:cs typeface="Segoe UI" panose="020B0502040204020203" pitchFamily="34" charset="0"/>
+              </a:rPr>
+              <a:t>Many to many</a:t>
+            </a:r>
+            <a:endParaRPr xmlns:a="http://schemas.openxmlformats.org/drawingml/2006/main" lang="en-US" sz="2000" b="1" dirty="0">
               <a:latin typeface="Segoe UI" panose="020B0502040204020203" pitchFamily="34" charset="0"/>
               <a:cs typeface="Segoe UI" panose="020B0502040204020203" pitchFamily="34" charset="0"/>
             </a:endParaRPr>
@@ -5339,56 +6345,56 @@
           </a:bodyPr>
           <a:lstStyle/>
           <a:p>
-            <a:r>
-              <a:rPr lang="en-US" dirty="0" smtClean="0">
+            <a:r xmlns:a="http://schemas.openxmlformats.org/drawingml/2006/main">
+              <a:rPr lang="en" dirty="0" smtClean="0">
                 <a:latin typeface="Segoe UI" panose="020B0502040204020203" pitchFamily="34" charset="0"/>
                 <a:cs typeface="Segoe UI" panose="020B0502040204020203" pitchFamily="34" charset="0"/>
               </a:rPr>
-              <a:t>Add a new Table visual </a:t>
-            </a:r>
-            <a:r>
-              <a:rPr lang="en-US" b="1" dirty="0" err="1" smtClean="0">
+              <a:t>Add a Table visual with </a:t>
+            </a:r>
+            <a:r xmlns:a="http://schemas.openxmlformats.org/drawingml/2006/main">
+              <a:rPr lang="en" b="1" dirty="0" err="1" smtClean="0">
                 <a:latin typeface="Segoe UI" panose="020B0502040204020203" pitchFamily="34" charset="0"/>
                 <a:cs typeface="Segoe UI" panose="020B0502040204020203" pitchFamily="34" charset="0"/>
               </a:rPr>
-              <a:t>ProductName</a:t>
-            </a:r>
-            <a:r>
-              <a:rPr lang="en-US" dirty="0" smtClean="0">
+              <a:t>ProductName </a:t>
+            </a:r>
+            <a:r xmlns:a="http://schemas.openxmlformats.org/drawingml/2006/main">
+              <a:rPr lang="en" dirty="0" smtClean="0">
                 <a:latin typeface="Segoe UI" panose="020B0502040204020203" pitchFamily="34" charset="0"/>
                 <a:cs typeface="Segoe UI" panose="020B0502040204020203" pitchFamily="34" charset="0"/>
               </a:rPr>
               <a:t>, </a:t>
             </a:r>
-            <a:r>
-              <a:rPr lang="en-US" b="1" dirty="0" err="1" smtClean="0">
+            <a:r xmlns:a="http://schemas.openxmlformats.org/drawingml/2006/main">
+              <a:rPr lang="en" b="1" dirty="0" err="1" smtClean="0">
                 <a:latin typeface="Segoe UI" panose="020B0502040204020203" pitchFamily="34" charset="0"/>
                 <a:cs typeface="Segoe UI" panose="020B0502040204020203" pitchFamily="34" charset="0"/>
               </a:rPr>
-              <a:t>SupplierName</a:t>
-            </a:r>
-            <a:r>
-              <a:rPr lang="en-US" dirty="0" smtClean="0">
+              <a:t>SupplierName </a:t>
+            </a:r>
+            <a:r xmlns:a="http://schemas.openxmlformats.org/drawingml/2006/main">
+              <a:rPr lang="en" dirty="0" smtClean="0">
                 <a:latin typeface="Segoe UI" panose="020B0502040204020203" pitchFamily="34" charset="0"/>
                 <a:cs typeface="Segoe UI" panose="020B0502040204020203" pitchFamily="34" charset="0"/>
               </a:rPr>
-              <a:t> and </a:t>
-            </a:r>
-            <a:r>
-              <a:rPr lang="en-US" b="1" dirty="0" smtClean="0">
+              <a:t>and </a:t>
+            </a:r>
+            <a:r xmlns:a="http://schemas.openxmlformats.org/drawingml/2006/main">
+              <a:rPr lang="en" b="1" dirty="0" smtClean="0">
                 <a:latin typeface="Segoe UI" panose="020B0502040204020203" pitchFamily="34" charset="0"/>
                 <a:cs typeface="Segoe UI" panose="020B0502040204020203" pitchFamily="34" charset="0"/>
               </a:rPr>
               <a:t>Total Sales </a:t>
             </a:r>
-            <a:r>
-              <a:rPr lang="en-US" dirty="0" smtClean="0">
+            <a:r xmlns:a="http://schemas.openxmlformats.org/drawingml/2006/main">
+              <a:rPr lang="en" dirty="0" smtClean="0">
                 <a:latin typeface="Segoe UI" panose="020B0502040204020203" pitchFamily="34" charset="0"/>
                 <a:cs typeface="Segoe UI" panose="020B0502040204020203" pitchFamily="34" charset="0"/>
               </a:rPr>
-              <a:t>as columns </a:t>
-            </a:r>
-            <a:endParaRPr lang="en-US" dirty="0">
+              <a:t>as columns</a:t>
+            </a:r>
+            <a:endParaRPr xmlns:a="http://schemas.openxmlformats.org/drawingml/2006/main" lang="fr-FR" dirty="0">
               <a:latin typeface="Segoe UI" panose="020B0502040204020203" pitchFamily="34" charset="0"/>
               <a:cs typeface="Segoe UI" panose="020B0502040204020203" pitchFamily="34" charset="0"/>
             </a:endParaRPr>
@@ -5690,7 +6696,7 @@
 </p:sld>
 </file>
 
-<file path=ppt/slides/slide7.xml><?xml version="1.0" encoding="utf-8"?>
+<file path=ppt/slides/slide9.xml><?xml version="1.0" encoding="utf-8"?>
 <p:sld xmlns:a="http://schemas.openxmlformats.org/drawingml/2006/main" xmlns:r="http://schemas.openxmlformats.org/officeDocument/2006/relationships" xmlns:p="http://schemas.openxmlformats.org/presentationml/2006/main">
   <p:cSld>
     <p:spTree>
@@ -5716,7 +6722,7 @@
         <p:spPr>
           <a:xfrm>
             <a:off x="288758" y="275007"/>
-            <a:ext cx="4327851" cy="400110"/>
+            <a:ext cx="1924501" cy="400110"/>
           </a:xfrm>
           <a:prstGeom prst="rect">
             <a:avLst/>
@@ -5729,14 +6735,14 @@
           </a:bodyPr>
           <a:lstStyle/>
           <a:p>
-            <a:r>
-              <a:rPr lang="en-US" sz="2000" dirty="0" smtClean="0">
+            <a:r xmlns:a="http://schemas.openxmlformats.org/drawingml/2006/main">
+              <a:rPr lang="en" sz="2000" b="1" dirty="0" smtClean="0">
                 <a:latin typeface="Segoe UI" panose="020B0502040204020203" pitchFamily="34" charset="0"/>
                 <a:cs typeface="Segoe UI" panose="020B0502040204020203" pitchFamily="34" charset="0"/>
               </a:rPr>
-              <a:t>Dealing with many to many relations</a:t>
-            </a:r>
-            <a:endParaRPr lang="en-US" sz="2000" dirty="0">
+              <a:t>Many to many</a:t>
+            </a:r>
+            <a:endParaRPr xmlns:a="http://schemas.openxmlformats.org/drawingml/2006/main" lang="en-US" sz="2000" b="1" dirty="0">
               <a:latin typeface="Segoe UI" panose="020B0502040204020203" pitchFamily="34" charset="0"/>
               <a:cs typeface="Segoe UI" panose="020B0502040204020203" pitchFamily="34" charset="0"/>
             </a:endParaRPr>
@@ -5752,7 +6758,7 @@
         <p:spPr>
           <a:xfrm>
             <a:off x="288757" y="890032"/>
-            <a:ext cx="10546539" cy="369332"/>
+            <a:ext cx="10546539" cy="400110"/>
           </a:xfrm>
           <a:prstGeom prst="rect">
             <a:avLst/>
@@ -5764,14 +6770,11 @@
           </a:bodyPr>
           <a:lstStyle/>
           <a:p>
-            <a:r>
-              <a:rPr lang="en-US" dirty="0" smtClean="0">
-                <a:latin typeface="Segoe UI" panose="020B0502040204020203" pitchFamily="34" charset="0"/>
-                <a:cs typeface="Segoe UI" panose="020B0502040204020203" pitchFamily="34" charset="0"/>
-              </a:rPr>
-              <a:t>Note the difference now </a:t>
-            </a:r>
-            <a:endParaRPr lang="en-US" dirty="0">
+            <a:r xmlns:a="http://schemas.openxmlformats.org/drawingml/2006/main">
+              <a:rPr lang="en" sz="2000" dirty="0" smtClean="0"/>
+              <a:t>Observe the difference now</a:t>
+            </a:r>
+            <a:endParaRPr xmlns:a="http://schemas.openxmlformats.org/drawingml/2006/main" lang="fr-FR" sz="2000" dirty="0">
               <a:latin typeface="Segoe UI" panose="020B0502040204020203" pitchFamily="34" charset="0"/>
               <a:cs typeface="Segoe UI" panose="020B0502040204020203" pitchFamily="34" charset="0"/>
             </a:endParaRPr>
@@ -5866,14 +6869,14 @@
           </a:bodyPr>
           <a:lstStyle/>
           <a:p>
-            <a:r>
-              <a:rPr lang="en-US" sz="1400" b="1" dirty="0" smtClean="0">
+            <a:r xmlns:a="http://schemas.openxmlformats.org/drawingml/2006/main">
+              <a:rPr lang="en" sz="1400" b="1" dirty="0" smtClean="0">
                 <a:latin typeface="Segoe UI" panose="020B0502040204020203" pitchFamily="34" charset="0"/>
                 <a:cs typeface="Segoe UI" panose="020B0502040204020203" pitchFamily="34" charset="0"/>
               </a:rPr>
-              <a:t>Without Many to many</a:t>
-            </a:r>
-            <a:endParaRPr lang="en-US" sz="1400" b="1" dirty="0"/>
+              <a:t>Without Many to Many</a:t>
+            </a:r>
+            <a:endParaRPr xmlns:a="http://schemas.openxmlformats.org/drawingml/2006/main" lang="en-US" sz="1400" b="1" dirty="0"/>
           </a:p>
         </p:txBody>
       </p:sp>
@@ -5898,14 +6901,14 @@
           </a:bodyPr>
           <a:lstStyle/>
           <a:p>
-            <a:r>
-              <a:rPr lang="en-US" sz="1400" b="1" dirty="0" smtClean="0">
+            <a:r xmlns:a="http://schemas.openxmlformats.org/drawingml/2006/main">
+              <a:rPr lang="en" sz="1400" b="1" dirty="0" smtClean="0">
                 <a:latin typeface="Segoe UI" panose="020B0502040204020203" pitchFamily="34" charset="0"/>
                 <a:cs typeface="Segoe UI" panose="020B0502040204020203" pitchFamily="34" charset="0"/>
               </a:rPr>
-              <a:t>With Many to many</a:t>
-            </a:r>
-            <a:endParaRPr lang="en-US" sz="1400" b="1" dirty="0"/>
+              <a:t>With Many to Many</a:t>
+            </a:r>
+            <a:endParaRPr xmlns:a="http://schemas.openxmlformats.org/drawingml/2006/main" lang="en-US" sz="1400" b="1" dirty="0"/>
           </a:p>
         </p:txBody>
       </p:sp>
@@ -5913,171 +6916,6 @@
     <p:extLst>
       <p:ext uri="{BB962C8B-B14F-4D97-AF65-F5344CB8AC3E}">
         <p14:creationId xmlns:p14="http://schemas.microsoft.com/office/powerpoint/2010/main" val="3981664784"/>
-      </p:ext>
-    </p:extLst>
-  </p:cSld>
-  <p:clrMapOvr>
-    <a:masterClrMapping/>
-  </p:clrMapOvr>
-</p:sld>
-</file>
-
-<file path=ppt/slides/slide8.xml><?xml version="1.0" encoding="utf-8"?>
-<p:sld xmlns:a="http://schemas.openxmlformats.org/drawingml/2006/main" xmlns:r="http://schemas.openxmlformats.org/officeDocument/2006/relationships" xmlns:p="http://schemas.openxmlformats.org/presentationml/2006/main">
-  <p:cSld>
-    <p:bg>
-      <p:bgPr>
-        <a:solidFill>
-          <a:srgbClr val="FFC000"/>
-        </a:solidFill>
-        <a:effectLst/>
-      </p:bgPr>
-    </p:bg>
-    <p:spTree>
-      <p:nvGrpSpPr>
-        <p:cNvPr id="1" name=""/>
-        <p:cNvGrpSpPr/>
-        <p:nvPr/>
-      </p:nvGrpSpPr>
-      <p:grpSpPr>
-        <a:xfrm>
-          <a:off x="0" y="0"/>
-          <a:ext cx="0" cy="0"/>
-          <a:chOff x="0" y="0"/>
-          <a:chExt cx="0" cy="0"/>
-        </a:xfrm>
-      </p:grpSpPr>
-      <p:sp>
-        <p:nvSpPr>
-          <p:cNvPr id="2" name="AutoShape 2" descr="Minimalistic illustration in black and white on a white background with the text 'Thank You' elegantly styled below. The design features simple, clean icons such as a handshake or a ribbon to symbolize gratitude, with a professional and modern aesthetic suitable for a presentation closing slide."/>
-          <p:cNvSpPr>
-            <a:spLocks noChangeAspect="1" noChangeArrowheads="1"/>
-          </p:cNvSpPr>
-          <p:nvPr/>
-        </p:nvSpPr>
-        <p:spPr bwMode="auto">
-          <a:xfrm>
-            <a:off x="155575" y="-144463"/>
-            <a:ext cx="304800" cy="304801"/>
-          </a:xfrm>
-          <a:prstGeom prst="rect">
-            <a:avLst/>
-          </a:prstGeom>
-          <a:noFill/>
-          <a:extLst>
-            <a:ext uri="{909E8E84-426E-40DD-AFC4-6F175D3DCCD1}">
-              <a14:hiddenFill xmlns:a14="http://schemas.microsoft.com/office/drawing/2010/main">
-                <a:solidFill>
-                  <a:srgbClr val="FFFFFF"/>
-                </a:solidFill>
-              </a14:hiddenFill>
-            </a:ext>
-          </a:extLst>
-        </p:spPr>
-        <p:txBody>
-          <a:bodyPr vert="horz" wrap="square" lIns="91440" tIns="45720" rIns="91440" bIns="45720" numCol="1" anchor="t" anchorCtr="0" compatLnSpc="1">
-            <a:prstTxWarp prst="textNoShape">
-              <a:avLst/>
-            </a:prstTxWarp>
-          </a:bodyPr>
-          <a:lstStyle/>
-          <a:p>
-            <a:endParaRPr lang="en-US"/>
-          </a:p>
-        </p:txBody>
-      </p:sp>
-      <p:sp>
-        <p:nvSpPr>
-          <p:cNvPr id="5" name="TextBox 4"/>
-          <p:cNvSpPr txBox="1"/>
-          <p:nvPr/>
-        </p:nvSpPr>
-        <p:spPr>
-          <a:xfrm>
-            <a:off x="2916199" y="2162433"/>
-            <a:ext cx="6230360" cy="1569660"/>
-          </a:xfrm>
-          <a:prstGeom prst="rect">
-            <a:avLst/>
-          </a:prstGeom>
-          <a:noFill/>
-        </p:spPr>
-        <p:txBody>
-          <a:bodyPr wrap="none" rtlCol="0">
-            <a:spAutoFit/>
-          </a:bodyPr>
-          <a:lstStyle/>
-          <a:p>
-            <a:r>
-              <a:rPr lang="en-US" sz="9600" b="1" dirty="0" smtClean="0">
-                <a:solidFill>
-                  <a:srgbClr val="7030A0"/>
-                </a:solidFill>
-                <a:latin typeface="Segoe UI" panose="020B0502040204020203" pitchFamily="34" charset="0"/>
-                <a:ea typeface="Verdana" panose="020B0604030504040204" pitchFamily="34" charset="0"/>
-                <a:cs typeface="Segoe UI" panose="020B0502040204020203" pitchFamily="34" charset="0"/>
-              </a:rPr>
-              <a:t>Thank you</a:t>
-            </a:r>
-            <a:endParaRPr lang="en-US" sz="9600" b="1" dirty="0">
-              <a:solidFill>
-                <a:srgbClr val="7030A0"/>
-              </a:solidFill>
-              <a:latin typeface="Segoe UI" panose="020B0502040204020203" pitchFamily="34" charset="0"/>
-              <a:ea typeface="Verdana" panose="020B0604030504040204" pitchFamily="34" charset="0"/>
-              <a:cs typeface="Segoe UI" panose="020B0502040204020203" pitchFamily="34" charset="0"/>
-            </a:endParaRPr>
-          </a:p>
-        </p:txBody>
-      </p:sp>
-      <p:sp>
-        <p:nvSpPr>
-          <p:cNvPr id="6" name="TextBox 5"/>
-          <p:cNvSpPr txBox="1"/>
-          <p:nvPr/>
-        </p:nvSpPr>
-        <p:spPr>
-          <a:xfrm>
-            <a:off x="2990336" y="2217861"/>
-            <a:ext cx="6230360" cy="1569660"/>
-          </a:xfrm>
-          <a:prstGeom prst="rect">
-            <a:avLst/>
-          </a:prstGeom>
-          <a:noFill/>
-        </p:spPr>
-        <p:txBody>
-          <a:bodyPr wrap="none" rtlCol="0">
-            <a:spAutoFit/>
-          </a:bodyPr>
-          <a:lstStyle/>
-          <a:p>
-            <a:r>
-              <a:rPr lang="en-US" sz="9600" b="1" dirty="0" smtClean="0">
-                <a:solidFill>
-                  <a:schemeClr val="bg1"/>
-                </a:solidFill>
-                <a:latin typeface="Segoe UI" panose="020B0502040204020203" pitchFamily="34" charset="0"/>
-                <a:ea typeface="Verdana" panose="020B0604030504040204" pitchFamily="34" charset="0"/>
-                <a:cs typeface="Segoe UI" panose="020B0502040204020203" pitchFamily="34" charset="0"/>
-              </a:rPr>
-              <a:t>Thank you</a:t>
-            </a:r>
-            <a:endParaRPr lang="en-US" sz="9600" b="1" dirty="0">
-              <a:solidFill>
-                <a:schemeClr val="bg1"/>
-              </a:solidFill>
-              <a:latin typeface="Segoe UI" panose="020B0502040204020203" pitchFamily="34" charset="0"/>
-              <a:ea typeface="Verdana" panose="020B0604030504040204" pitchFamily="34" charset="0"/>
-              <a:cs typeface="Segoe UI" panose="020B0502040204020203" pitchFamily="34" charset="0"/>
-            </a:endParaRPr>
-          </a:p>
-        </p:txBody>
-      </p:sp>
-    </p:spTree>
-    <p:extLst>
-      <p:ext uri="{BB962C8B-B14F-4D97-AF65-F5344CB8AC3E}">
-        <p14:creationId xmlns:p14="http://schemas.microsoft.com/office/powerpoint/2010/main" val="3494127604"/>
       </p:ext>
     </p:extLst>
   </p:cSld>

--- a/English/3.Modeling/4.Dealing with Many to many relations.pptx
+++ b/English/3.Modeling/4.Dealing with Many to many relations.pptx
@@ -206,7 +206,7 @@
           <a:p>
             <a:fld id="{056BA3B8-9F76-4D81-B71D-76CB85363062}" type="datetimeFigureOut">
               <a:rPr lang="en-US" smtClean="0"/>
-              <a:t>3/5/2025</a:t>
+              <a:t>4/3/2025</a:t>
             </a:fld>
             <a:endParaRPr lang="en-US"/>
           </a:p>
@@ -689,7 +689,7 @@
           <a:p>
             <a:fld id="{6F01DA4D-20EA-48D2-973C-0311EC3005D6}" type="datetimeFigureOut">
               <a:rPr lang="en-US" smtClean="0"/>
-              <a:t>3/5/2025</a:t>
+              <a:t>4/3/2025</a:t>
             </a:fld>
             <a:endParaRPr lang="en-US"/>
           </a:p>
@@ -859,7 +859,7 @@
           <a:p>
             <a:fld id="{6F01DA4D-20EA-48D2-973C-0311EC3005D6}" type="datetimeFigureOut">
               <a:rPr lang="en-US" smtClean="0"/>
-              <a:t>3/5/2025</a:t>
+              <a:t>4/3/2025</a:t>
             </a:fld>
             <a:endParaRPr lang="en-US"/>
           </a:p>
@@ -1039,7 +1039,7 @@
           <a:p>
             <a:fld id="{6F01DA4D-20EA-48D2-973C-0311EC3005D6}" type="datetimeFigureOut">
               <a:rPr lang="en-US" smtClean="0"/>
-              <a:t>3/5/2025</a:t>
+              <a:t>4/3/2025</a:t>
             </a:fld>
             <a:endParaRPr lang="en-US"/>
           </a:p>
@@ -1209,7 +1209,7 @@
           <a:p>
             <a:fld id="{6F01DA4D-20EA-48D2-973C-0311EC3005D6}" type="datetimeFigureOut">
               <a:rPr lang="en-US" smtClean="0"/>
-              <a:t>3/5/2025</a:t>
+              <a:t>4/3/2025</a:t>
             </a:fld>
             <a:endParaRPr lang="en-US"/>
           </a:p>
@@ -1455,7 +1455,7 @@
           <a:p>
             <a:fld id="{6F01DA4D-20EA-48D2-973C-0311EC3005D6}" type="datetimeFigureOut">
               <a:rPr lang="en-US" smtClean="0"/>
-              <a:t>3/5/2025</a:t>
+              <a:t>4/3/2025</a:t>
             </a:fld>
             <a:endParaRPr lang="en-US"/>
           </a:p>
@@ -1687,7 +1687,7 @@
           <a:p>
             <a:fld id="{6F01DA4D-20EA-48D2-973C-0311EC3005D6}" type="datetimeFigureOut">
               <a:rPr lang="en-US" smtClean="0"/>
-              <a:t>3/5/2025</a:t>
+              <a:t>4/3/2025</a:t>
             </a:fld>
             <a:endParaRPr lang="en-US"/>
           </a:p>
@@ -2054,7 +2054,7 @@
           <a:p>
             <a:fld id="{6F01DA4D-20EA-48D2-973C-0311EC3005D6}" type="datetimeFigureOut">
               <a:rPr lang="en-US" smtClean="0"/>
-              <a:t>3/5/2025</a:t>
+              <a:t>4/3/2025</a:t>
             </a:fld>
             <a:endParaRPr lang="en-US"/>
           </a:p>
@@ -2172,7 +2172,7 @@
           <a:p>
             <a:fld id="{6F01DA4D-20EA-48D2-973C-0311EC3005D6}" type="datetimeFigureOut">
               <a:rPr lang="en-US" smtClean="0"/>
-              <a:t>3/5/2025</a:t>
+              <a:t>4/3/2025</a:t>
             </a:fld>
             <a:endParaRPr lang="en-US"/>
           </a:p>
@@ -2267,7 +2267,7 @@
           <a:p>
             <a:fld id="{6F01DA4D-20EA-48D2-973C-0311EC3005D6}" type="datetimeFigureOut">
               <a:rPr lang="en-US" smtClean="0"/>
-              <a:t>3/5/2025</a:t>
+              <a:t>4/3/2025</a:t>
             </a:fld>
             <a:endParaRPr lang="en-US"/>
           </a:p>
@@ -2544,7 +2544,7 @@
           <a:p>
             <a:fld id="{6F01DA4D-20EA-48D2-973C-0311EC3005D6}" type="datetimeFigureOut">
               <a:rPr lang="en-US" smtClean="0"/>
-              <a:t>3/5/2025</a:t>
+              <a:t>4/3/2025</a:t>
             </a:fld>
             <a:endParaRPr lang="en-US"/>
           </a:p>
@@ -2797,7 +2797,7 @@
           <a:p>
             <a:fld id="{6F01DA4D-20EA-48D2-973C-0311EC3005D6}" type="datetimeFigureOut">
               <a:rPr lang="en-US" smtClean="0"/>
-              <a:t>3/5/2025</a:t>
+              <a:t>4/3/2025</a:t>
             </a:fld>
             <a:endParaRPr lang="en-US"/>
           </a:p>
@@ -3010,7 +3010,7 @@
           <a:p>
             <a:fld id="{6F01DA4D-20EA-48D2-973C-0311EC3005D6}" type="datetimeFigureOut">
               <a:rPr lang="en-US" smtClean="0"/>
-              <a:t>3/5/2025</a:t>
+              <a:t>4/3/2025</a:t>
             </a:fld>
             <a:endParaRPr lang="en-US"/>
           </a:p>
@@ -3445,8 +3445,8 @@
           </a:bodyPr>
           <a:lstStyle/>
           <a:p>
-            <a:pPr xmlns:a="http://schemas.openxmlformats.org/drawingml/2006/main" algn="ctr"/>
-            <a:r xmlns:a="http://schemas.openxmlformats.org/drawingml/2006/main">
+            <a:pPr algn="ctr"/>
+            <a:r>
               <a:rPr lang="en" sz="7200" b="1" dirty="0" err="1" smtClean="0">
                 <a:solidFill>
                   <a:srgbClr val="7030A0"/>
@@ -3457,7 +3457,7 @@
               </a:rPr>
               <a:t>Many </a:t>
             </a:r>
-            <a:r xmlns:a="http://schemas.openxmlformats.org/drawingml/2006/main">
+            <a:r>
               <a:rPr lang="en" sz="7200" b="1" dirty="0" smtClean="0">
                 <a:solidFill>
                   <a:srgbClr val="7030A0"/>
@@ -3468,7 +3468,7 @@
               </a:rPr>
               <a:t>to </a:t>
             </a:r>
-            <a:r xmlns:a="http://schemas.openxmlformats.org/drawingml/2006/main">
+            <a:r>
               <a:rPr lang="en" sz="7200" b="1" dirty="0" err="1" smtClean="0">
                 <a:solidFill>
                   <a:srgbClr val="7030A0"/>
@@ -3479,7 +3479,7 @@
               </a:rPr>
               <a:t>many</a:t>
             </a:r>
-            <a:endParaRPr xmlns:a="http://schemas.openxmlformats.org/drawingml/2006/main" lang="en-US" sz="7200" b="1" dirty="0">
+            <a:endParaRPr lang="en-US" sz="7200" b="1" dirty="0">
               <a:solidFill>
                 <a:srgbClr val="7030A0"/>
               </a:solidFill>
@@ -3512,8 +3512,8 @@
           </a:bodyPr>
           <a:lstStyle/>
           <a:p>
-            <a:pPr xmlns:a="http://schemas.openxmlformats.org/drawingml/2006/main" algn="ctr"/>
-            <a:r xmlns:a="http://schemas.openxmlformats.org/drawingml/2006/main">
+            <a:pPr algn="ctr"/>
+            <a:r>
               <a:rPr lang="en" sz="7200" b="1" dirty="0" err="1" smtClean="0">
                 <a:solidFill>
                   <a:schemeClr val="bg1"/>
@@ -3524,7 +3524,7 @@
               </a:rPr>
               <a:t>Many </a:t>
             </a:r>
-            <a:r xmlns:a="http://schemas.openxmlformats.org/drawingml/2006/main">
+            <a:r>
               <a:rPr lang="en" sz="7200" b="1" dirty="0" smtClean="0">
                 <a:solidFill>
                   <a:schemeClr val="bg1"/>
@@ -3535,7 +3535,7 @@
               </a:rPr>
               <a:t>to </a:t>
             </a:r>
-            <a:r xmlns:a="http://schemas.openxmlformats.org/drawingml/2006/main">
+            <a:r>
               <a:rPr lang="en" sz="7200" b="1" dirty="0" err="1" smtClean="0">
                 <a:solidFill>
                   <a:schemeClr val="bg1"/>
@@ -3546,7 +3546,7 @@
               </a:rPr>
               <a:t>many</a:t>
             </a:r>
-            <a:endParaRPr xmlns:a="http://schemas.openxmlformats.org/drawingml/2006/main" lang="en-US" sz="7200" b="1" dirty="0">
+            <a:endParaRPr lang="en-US" sz="7200" b="1" dirty="0">
               <a:solidFill>
                 <a:schemeClr val="bg1"/>
               </a:solidFill>
@@ -3642,8 +3642,8 @@
         </p:nvSpPr>
         <p:spPr>
           <a:xfrm>
-            <a:off x="4023104" y="2629946"/>
-            <a:ext cx="3456395" cy="1569660"/>
+            <a:off x="2854322" y="2664321"/>
+            <a:ext cx="6230360" cy="1569660"/>
           </a:xfrm>
           <a:prstGeom prst="rect">
             <a:avLst/>
@@ -3656,8 +3656,8 @@
           </a:bodyPr>
           <a:lstStyle/>
           <a:p>
-            <a:r xmlns:a="http://schemas.openxmlformats.org/drawingml/2006/main">
-              <a:rPr lang="en" sz="9600" b="1" dirty="0" smtClean="0">
+            <a:r>
+              <a:rPr lang="en-US" sz="9600" b="1" dirty="0" smtClean="0">
                 <a:solidFill>
                   <a:srgbClr val="7030A0"/>
                 </a:solidFill>
@@ -3665,9 +3665,9 @@
                 <a:ea typeface="Verdana" panose="020B0604030504040204" pitchFamily="34" charset="0"/>
                 <a:cs typeface="Segoe UI" panose="020B0502040204020203" pitchFamily="34" charset="0"/>
               </a:rPr>
-              <a:t>THANKS</a:t>
-            </a:r>
-            <a:endParaRPr xmlns:a="http://schemas.openxmlformats.org/drawingml/2006/main" lang="en-US" sz="9600" b="1" dirty="0">
+              <a:t>Thank you</a:t>
+            </a:r>
+            <a:endParaRPr lang="en-US" sz="9600" b="1" dirty="0">
               <a:solidFill>
                 <a:srgbClr val="7030A0"/>
               </a:solidFill>
@@ -3686,8 +3686,8 @@
         </p:nvSpPr>
         <p:spPr>
           <a:xfrm>
-            <a:off x="3962373" y="2541714"/>
-            <a:ext cx="3456395" cy="1569660"/>
+            <a:off x="2793591" y="2576089"/>
+            <a:ext cx="6230360" cy="1569660"/>
           </a:xfrm>
           <a:prstGeom prst="rect">
             <a:avLst/>
@@ -3700,8 +3700,8 @@
           </a:bodyPr>
           <a:lstStyle/>
           <a:p>
-            <a:r xmlns:a="http://schemas.openxmlformats.org/drawingml/2006/main">
-              <a:rPr lang="en" sz="9600" b="1" dirty="0" smtClean="0">
+            <a:r>
+              <a:rPr lang="en-US" sz="9600" b="1" dirty="0" smtClean="0">
                 <a:solidFill>
                   <a:schemeClr val="bg1"/>
                 </a:solidFill>
@@ -3709,9 +3709,9 @@
                 <a:ea typeface="Verdana" panose="020B0604030504040204" pitchFamily="34" charset="0"/>
                 <a:cs typeface="Segoe UI" panose="020B0502040204020203" pitchFamily="34" charset="0"/>
               </a:rPr>
-              <a:t>THANKS</a:t>
-            </a:r>
-            <a:endParaRPr xmlns:a="http://schemas.openxmlformats.org/drawingml/2006/main" lang="en-US" sz="9600" b="1" dirty="0">
+              <a:t>Thank you</a:t>
+            </a:r>
+            <a:endParaRPr lang="en-US" sz="9600" b="1" dirty="0">
               <a:solidFill>
                 <a:schemeClr val="bg1"/>
               </a:solidFill>
@@ -3774,14 +3774,14 @@
           </a:bodyPr>
           <a:lstStyle/>
           <a:p>
-            <a:r xmlns:a="http://schemas.openxmlformats.org/drawingml/2006/main">
+            <a:r>
               <a:rPr lang="en" sz="2000" b="1" dirty="0" smtClean="0">
                 <a:latin typeface="Segoe UI" panose="020B0502040204020203" pitchFamily="34" charset="0"/>
                 <a:cs typeface="Segoe UI" panose="020B0502040204020203" pitchFamily="34" charset="0"/>
               </a:rPr>
               <a:t>Many to many</a:t>
             </a:r>
-            <a:endParaRPr xmlns:a="http://schemas.openxmlformats.org/drawingml/2006/main" lang="en-US" sz="2000" b="1" dirty="0">
+            <a:endParaRPr lang="en-US" sz="2000" b="1" dirty="0">
               <a:latin typeface="Segoe UI" panose="020B0502040204020203" pitchFamily="34" charset="0"/>
               <a:cs typeface="Segoe UI" panose="020B0502040204020203" pitchFamily="34" charset="0"/>
             </a:endParaRPr>
@@ -3809,7 +3809,7 @@
           </a:bodyPr>
           <a:lstStyle/>
           <a:p>
-            <a:pPr xmlns:a="http://schemas.openxmlformats.org/drawingml/2006/main">
+            <a:pPr>
               <a:lnSpc>
                 <a:spcPct val="107000"/>
               </a:lnSpc>
@@ -3820,31 +3820,27 @@
                 <a:spcPts val="0"/>
               </a:spcAft>
             </a:pPr>
-            <a:r xmlns:a="http://schemas.openxmlformats.org/drawingml/2006/main">
+            <a:r>
               <a:rPr lang="en" sz="2000" b="1" dirty="0"/>
               <a:t>Note: </a:t>
             </a:r>
-            <a:r xmlns:a="http://schemas.openxmlformats.org/drawingml/2006/main">
+            <a:r>
               <a:rPr lang="en" sz="2000" dirty="0" smtClean="0"/>
               <a:t>This lab uses the </a:t>
             </a:r>
-            <a:r xmlns:a="http://schemas.openxmlformats.org/drawingml/2006/main">
+            <a:r>
               <a:rPr lang="en" sz="2000" b="1" dirty="0"/>
               <a:t>lab4.xlsx </a:t>
             </a:r>
-            <a:r xmlns:a="http://schemas.openxmlformats.org/drawingml/2006/main">
+            <a:r>
               <a:rPr lang="en" sz="2000" dirty="0"/>
-              <a:t>file </a:t>
-            </a:r>
-            <a:r xmlns:a="http://schemas.openxmlformats.org/drawingml/2006/main">
-              <a:rPr lang="en" sz="2000" dirty="0"/>
-              <a:t>in the </a:t>
-            </a:r>
-            <a:r xmlns:a="http://schemas.openxmlformats.org/drawingml/2006/main">
+              <a:t>file in the </a:t>
+            </a:r>
+            <a:r>
               <a:rPr lang="en" sz="2000" b="1" dirty="0"/>
               <a:t>Sales template</a:t>
             </a:r>
-            <a:endParaRPr xmlns:a="http://schemas.openxmlformats.org/drawingml/2006/main" lang="en-US" sz="3200" b="1" kern="0" dirty="0">
+            <a:endParaRPr lang="en-US" sz="3200" b="1" kern="0" dirty="0">
               <a:effectLst/>
               <a:latin typeface="Segoe UI" panose="020B0502040204020203" pitchFamily="34" charset="0"/>
               <a:ea typeface="Times New Roman" panose="02020603050405020304" pitchFamily="18" charset="0"/>
@@ -3898,68 +3894,68 @@
           </a:bodyPr>
           <a:lstStyle/>
           <a:p>
-            <a:r xmlns:a="http://schemas.openxmlformats.org/drawingml/2006/main">
+            <a:r>
               <a:rPr lang="en" sz="2000" b="1" dirty="0"/>
               <a:t>Create the relationships </a:t>
             </a:r>
-            <a:r xmlns:a="http://schemas.openxmlformats.org/drawingml/2006/main">
+            <a:r>
               <a:rPr lang="en" sz="2000" dirty="0"/>
               <a:t>between the tables </a:t>
             </a:r>
-            <a:r xmlns:a="http://schemas.openxmlformats.org/drawingml/2006/main">
+            <a:r>
               <a:rPr lang="en" sz="2000" dirty="0" smtClean="0"/>
               <a:t>:</a:t>
             </a:r>
-            <a:endParaRPr xmlns:a="http://schemas.openxmlformats.org/drawingml/2006/main" lang="fr-FR" sz="2000" dirty="0"/>
-          </a:p>
-          <a:p>
-            <a:pPr xmlns:a="http://schemas.openxmlformats.org/drawingml/2006/main" lvl="1">
+            <a:endParaRPr lang="fr-FR" sz="2000" dirty="0"/>
+          </a:p>
+          <a:p>
+            <a:pPr lvl="1">
               <a:buFont typeface="Arial" panose="020B0604020202020204" pitchFamily="34" charset="0"/>
               <a:buChar char="•"/>
             </a:pPr>
-            <a:r xmlns:a="http://schemas.openxmlformats.org/drawingml/2006/main">
+            <a:r>
               <a:rPr lang="en" sz="2000" b="1" dirty="0"/>
               <a:t>FactSales → </a:t>
             </a:r>
-            <a:r xmlns:a="http://schemas.openxmlformats.org/drawingml/2006/main">
+            <a:r>
               <a:rPr lang="en" sz="2000" b="1" dirty="0" err="1"/>
               <a:t>DimProduct </a:t>
             </a:r>
-            <a:r xmlns:a="http://schemas.openxmlformats.org/drawingml/2006/main">
+            <a:r>
               <a:rPr lang="en" sz="2000" dirty="0"/>
               <a:t>(via </a:t>
             </a:r>
-            <a:r xmlns:a="http://schemas.openxmlformats.org/drawingml/2006/main">
+            <a:r>
               <a:rPr lang="en" sz="2000" b="1" dirty="0" err="1"/>
               <a:t>ProductID </a:t>
             </a:r>
-            <a:r xmlns:a="http://schemas.openxmlformats.org/drawingml/2006/main">
+            <a:r>
               <a:rPr lang="en" sz="2000" dirty="0"/>
               <a:t>).</a:t>
             </a:r>
           </a:p>
           <a:p>
-            <a:pPr xmlns:a="http://schemas.openxmlformats.org/drawingml/2006/main" lvl="1">
+            <a:pPr lvl="1">
               <a:buFont typeface="Arial" panose="020B0604020202020204" pitchFamily="34" charset="0"/>
               <a:buChar char="•"/>
             </a:pPr>
-            <a:r xmlns:a="http://schemas.openxmlformats.org/drawingml/2006/main">
+            <a:r>
               <a:rPr lang="en" sz="2000" b="1" dirty="0"/>
               <a:t>FactSales → </a:t>
             </a:r>
-            <a:r xmlns:a="http://schemas.openxmlformats.org/drawingml/2006/main">
+            <a:r>
               <a:rPr lang="en" sz="2000" b="1" dirty="0" err="1"/>
               <a:t>DimSupplier </a:t>
             </a:r>
-            <a:r xmlns:a="http://schemas.openxmlformats.org/drawingml/2006/main">
+            <a:r>
               <a:rPr lang="en" sz="2000" dirty="0"/>
               <a:t>(via </a:t>
             </a:r>
-            <a:r xmlns:a="http://schemas.openxmlformats.org/drawingml/2006/main">
+            <a:r>
               <a:rPr lang="en" sz="2000" b="1" dirty="0" err="1"/>
               <a:t>SupplierID </a:t>
             </a:r>
-            <a:r xmlns:a="http://schemas.openxmlformats.org/drawingml/2006/main">
+            <a:r>
               <a:rPr lang="en" sz="2000" dirty="0"/>
               <a:t>).</a:t>
             </a:r>
@@ -4018,14 +4014,14 @@
           </a:bodyPr>
           <a:lstStyle/>
           <a:p>
-            <a:r xmlns:a="http://schemas.openxmlformats.org/drawingml/2006/main">
+            <a:r>
               <a:rPr lang="en" sz="2000" b="1" dirty="0" smtClean="0">
                 <a:latin typeface="Segoe UI" panose="020B0502040204020203" pitchFamily="34" charset="0"/>
                 <a:cs typeface="Segoe UI" panose="020B0502040204020203" pitchFamily="34" charset="0"/>
               </a:rPr>
               <a:t>Many to many</a:t>
             </a:r>
-            <a:endParaRPr xmlns:a="http://schemas.openxmlformats.org/drawingml/2006/main" lang="en-US" sz="2000" b="1" dirty="0">
+            <a:endParaRPr lang="en-US" sz="2000" b="1" dirty="0">
               <a:latin typeface="Segoe UI" panose="020B0502040204020203" pitchFamily="34" charset="0"/>
               <a:cs typeface="Segoe UI" panose="020B0502040204020203" pitchFamily="34" charset="0"/>
             </a:endParaRPr>
@@ -4053,11 +4049,11 @@
           </a:bodyPr>
           <a:lstStyle/>
           <a:p>
-            <a:r xmlns:a="http://schemas.openxmlformats.org/drawingml/2006/main">
+            <a:r>
               <a:rPr lang="en" dirty="0"/>
               <a:t>Represent data with a Tableau visual</a:t>
             </a:r>
-            <a:endParaRPr xmlns:a="http://schemas.openxmlformats.org/drawingml/2006/main" lang="en-US" dirty="0">
+            <a:endParaRPr lang="en-US" dirty="0">
               <a:latin typeface="Segoe UI" panose="020B0502040204020203" pitchFamily="34" charset="0"/>
               <a:cs typeface="Segoe UI" panose="020B0502040204020203" pitchFamily="34" charset="0"/>
             </a:endParaRPr>
@@ -4366,45 +4362,45 @@
           </a:bodyPr>
           <a:lstStyle/>
           <a:p>
-            <a:r xmlns:a="http://schemas.openxmlformats.org/drawingml/2006/main">
+            <a:r>
               <a:rPr lang="en" b="1" dirty="0"/>
               <a:t>Issue </a:t>
             </a:r>
-            <a:r xmlns:a="http://schemas.openxmlformats.org/drawingml/2006/main">
+            <a:r>
               <a:rPr lang="en" dirty="0"/>
               <a:t>:</a:t>
             </a:r>
           </a:p>
           <a:p>
-            <a:pPr xmlns:a="http://schemas.openxmlformats.org/drawingml/2006/main">
+            <a:pPr>
               <a:buFont typeface="Arial" panose="020B0604020202020204" pitchFamily="34" charset="0"/>
               <a:buChar char="•"/>
             </a:pPr>
-            <a:r xmlns:a="http://schemas.openxmlformats.org/drawingml/2006/main">
+            <a:r>
               <a:rPr lang="en" dirty="0"/>
               <a:t>Products </a:t>
             </a:r>
-            <a:r xmlns:a="http://schemas.openxmlformats.org/drawingml/2006/main">
+            <a:r>
               <a:rPr lang="en" b="1" dirty="0"/>
               <a:t>without sales </a:t>
             </a:r>
-            <a:r xmlns:a="http://schemas.openxmlformats.org/drawingml/2006/main">
+            <a:r>
               <a:rPr lang="en" dirty="0"/>
               <a:t>(e.g. new products) and </a:t>
             </a:r>
-            <a:r xmlns:a="http://schemas.openxmlformats.org/drawingml/2006/main">
+            <a:r>
               <a:rPr lang="en" b="1" dirty="0"/>
               <a:t>suppliers </a:t>
             </a:r>
-            <a:r xmlns:a="http://schemas.openxmlformats.org/drawingml/2006/main">
+            <a:r>
               <a:rPr lang="en" dirty="0"/>
               <a:t>supplying products not yet sold </a:t>
             </a:r>
-            <a:r xmlns:a="http://schemas.openxmlformats.org/drawingml/2006/main">
+            <a:r>
               <a:rPr lang="en" b="1" dirty="0"/>
               <a:t>are not represented </a:t>
             </a:r>
-            <a:r xmlns:a="http://schemas.openxmlformats.org/drawingml/2006/main">
+            <a:r>
               <a:rPr lang="en" dirty="0"/>
               <a:t>.</a:t>
             </a:r>
@@ -4432,55 +4428,55 @@
           </a:bodyPr>
           <a:lstStyle/>
           <a:p>
-            <a:r xmlns:a="http://schemas.openxmlformats.org/drawingml/2006/main">
+            <a:r>
               <a:rPr lang="en" sz="2000" dirty="0"/>
               <a:t>Note the missing information:</a:t>
             </a:r>
           </a:p>
           <a:p>
-            <a:pPr xmlns:a="http://schemas.openxmlformats.org/drawingml/2006/main" lvl="1">
+            <a:pPr lvl="1">
               <a:buFont typeface="Arial" panose="020B0604020202020204" pitchFamily="34" charset="0"/>
               <a:buChar char="•"/>
             </a:pPr>
-            <a:r xmlns:a="http://schemas.openxmlformats.org/drawingml/2006/main">
+            <a:r>
               <a:rPr lang="en" sz="2000" dirty="0"/>
               <a:t>No data for </a:t>
             </a:r>
-            <a:r xmlns:a="http://schemas.openxmlformats.org/drawingml/2006/main">
+            <a:r>
               <a:rPr lang="en" sz="2000" b="1" dirty="0"/>
               <a:t>Monitor (Product 103) </a:t>
             </a:r>
-            <a:r xmlns:a="http://schemas.openxmlformats.org/drawingml/2006/main">
+            <a:r>
               <a:rPr lang="en" sz="2000" dirty="0"/>
               <a:t>or </a:t>
             </a:r>
-            <a:r xmlns:a="http://schemas.openxmlformats.org/drawingml/2006/main">
+            <a:r>
               <a:rPr lang="en" sz="2000" b="1" dirty="0"/>
               <a:t>Keyboard (Product 104) </a:t>
             </a:r>
-            <a:r xmlns:a="http://schemas.openxmlformats.org/drawingml/2006/main">
+            <a:r>
               <a:rPr lang="en" sz="2000" dirty="0"/>
               <a:t>.</a:t>
             </a:r>
           </a:p>
           <a:p>
-            <a:pPr xmlns:a="http://schemas.openxmlformats.org/drawingml/2006/main" lvl="1">
+            <a:pPr lvl="1">
               <a:buFont typeface="Arial" panose="020B0604020202020204" pitchFamily="34" charset="0"/>
               <a:buChar char="•"/>
             </a:pPr>
-            <a:r xmlns:a="http://schemas.openxmlformats.org/drawingml/2006/main">
+            <a:r>
               <a:rPr lang="en" sz="2000" b="1" dirty="0"/>
               <a:t>Supplier C </a:t>
             </a:r>
-            <a:r xmlns:a="http://schemas.openxmlformats.org/drawingml/2006/main">
+            <a:r>
               <a:rPr lang="en" sz="2000" dirty="0"/>
               <a:t>does not appear because he has </a:t>
             </a:r>
-            <a:r xmlns:a="http://schemas.openxmlformats.org/drawingml/2006/main">
+            <a:r>
               <a:rPr lang="en" sz="2000" b="1" dirty="0"/>
               <a:t>no sales </a:t>
             </a:r>
-            <a:r xmlns:a="http://schemas.openxmlformats.org/drawingml/2006/main">
+            <a:r>
               <a:rPr lang="en" sz="2000" dirty="0"/>
               <a:t>.</a:t>
             </a:r>
@@ -4539,14 +4535,14 @@
           </a:bodyPr>
           <a:lstStyle/>
           <a:p>
-            <a:r xmlns:a="http://schemas.openxmlformats.org/drawingml/2006/main">
+            <a:r>
               <a:rPr lang="en" sz="2000" b="1" dirty="0" smtClean="0">
                 <a:latin typeface="Segoe UI" panose="020B0502040204020203" pitchFamily="34" charset="0"/>
                 <a:cs typeface="Segoe UI" panose="020B0502040204020203" pitchFamily="34" charset="0"/>
               </a:rPr>
               <a:t>Many to many</a:t>
             </a:r>
-            <a:endParaRPr xmlns:a="http://schemas.openxmlformats.org/drawingml/2006/main" lang="en-US" sz="2000" b="1" dirty="0">
+            <a:endParaRPr lang="en-US" sz="2000" b="1" dirty="0">
               <a:latin typeface="Segoe UI" panose="020B0502040204020203" pitchFamily="34" charset="0"/>
               <a:cs typeface="Segoe UI" panose="020B0502040204020203" pitchFamily="34" charset="0"/>
             </a:endParaRPr>
@@ -4641,19 +4637,19 @@
           </a:bodyPr>
           <a:lstStyle/>
           <a:p>
-            <a:r xmlns:a="http://schemas.openxmlformats.org/drawingml/2006/main">
+            <a:r>
               <a:rPr lang="en" sz="2000" dirty="0"/>
               <a:t>Now add the </a:t>
             </a:r>
-            <a:r xmlns:a="http://schemas.openxmlformats.org/drawingml/2006/main">
+            <a:r>
               <a:rPr lang="en" sz="2000" b="1" dirty="0" err="1"/>
               <a:t>ProductSupplier table </a:t>
             </a:r>
-            <a:r xmlns:a="http://schemas.openxmlformats.org/drawingml/2006/main">
+            <a:r>
               <a:rPr lang="en" sz="2000" dirty="0"/>
               <a:t>.</a:t>
             </a:r>
-            <a:endParaRPr xmlns:a="http://schemas.openxmlformats.org/drawingml/2006/main" lang="en-US" sz="2000" dirty="0"/>
+            <a:endParaRPr lang="en-US" sz="2000" dirty="0"/>
           </a:p>
         </p:txBody>
       </p:sp>
@@ -4709,14 +4705,14 @@
           </a:bodyPr>
           <a:lstStyle/>
           <a:p>
-            <a:r xmlns:a="http://schemas.openxmlformats.org/drawingml/2006/main">
+            <a:r>
               <a:rPr lang="en" sz="2000" b="1" dirty="0" smtClean="0">
                 <a:latin typeface="Segoe UI" panose="020B0502040204020203" pitchFamily="34" charset="0"/>
                 <a:cs typeface="Segoe UI" panose="020B0502040204020203" pitchFamily="34" charset="0"/>
               </a:rPr>
               <a:t>Many to many</a:t>
             </a:r>
-            <a:endParaRPr xmlns:a="http://schemas.openxmlformats.org/drawingml/2006/main" lang="en-US" sz="2000" b="1" dirty="0">
+            <a:endParaRPr lang="en-US" sz="2000" b="1" dirty="0">
               <a:latin typeface="Segoe UI" panose="020B0502040204020203" pitchFamily="34" charset="0"/>
               <a:cs typeface="Segoe UI" panose="020B0502040204020203" pitchFamily="34" charset="0"/>
             </a:endParaRPr>
@@ -4778,15 +4774,15 @@
           </a:bodyPr>
           <a:lstStyle/>
           <a:p>
-            <a:r xmlns:a="http://schemas.openxmlformats.org/drawingml/2006/main">
+            <a:r>
               <a:rPr lang="en" sz="2000" dirty="0"/>
               <a:t>Add a new measure to the </a:t>
             </a:r>
-            <a:r xmlns:a="http://schemas.openxmlformats.org/drawingml/2006/main">
+            <a:r>
               <a:rPr lang="en" sz="2000" b="1" dirty="0"/>
               <a:t>FactSales table</a:t>
             </a:r>
-            <a:endParaRPr xmlns:a="http://schemas.openxmlformats.org/drawingml/2006/main" lang="en-US" sz="2000" dirty="0"/>
+            <a:endParaRPr lang="en-US" sz="2000" dirty="0"/>
           </a:p>
         </p:txBody>
       </p:sp>
@@ -4811,7 +4807,7 @@
           </a:bodyPr>
           <a:lstStyle/>
           <a:p>
-            <a:r xmlns:a="http://schemas.openxmlformats.org/drawingml/2006/main">
+            <a:r>
               <a:rPr lang="en" dirty="0">
                 <a:solidFill>
                   <a:srgbClr val="000000"/>
@@ -4820,7 +4816,7 @@
               </a:rPr>
               <a:t>Total Sales = </a:t>
             </a:r>
-            <a:r xmlns:a="http://schemas.openxmlformats.org/drawingml/2006/main">
+            <a:r>
               <a:rPr lang="en" dirty="0">
                 <a:solidFill>
                   <a:srgbClr val="3165BB"/>
@@ -4829,7 +4825,7 @@
               </a:rPr>
               <a:t>SUMX </a:t>
             </a:r>
-            <a:r xmlns:a="http://schemas.openxmlformats.org/drawingml/2006/main">
+            <a:r>
               <a:rPr lang="en" dirty="0">
                 <a:solidFill>
                   <a:srgbClr val="000000"/>
@@ -4838,7 +4834,7 @@
               </a:rPr>
               <a:t>( </a:t>
             </a:r>
-            <a:r xmlns:a="http://schemas.openxmlformats.org/drawingml/2006/main">
+            <a:r>
               <a:rPr lang="en" dirty="0" err="1">
                 <a:solidFill>
                   <a:srgbClr val="001080"/>
@@ -4847,7 +4843,7 @@
               </a:rPr>
               <a:t>ProductSupplier </a:t>
             </a:r>
-            <a:r xmlns:a="http://schemas.openxmlformats.org/drawingml/2006/main">
+            <a:r>
               <a:rPr lang="en" dirty="0" err="1">
                 <a:solidFill>
                   <a:srgbClr val="000000"/>
@@ -4856,7 +4852,7 @@
               </a:rPr>
               <a:t>, </a:t>
             </a:r>
-            <a:r xmlns:a="http://schemas.openxmlformats.org/drawingml/2006/main">
+            <a:r>
               <a:rPr lang="en" dirty="0" err="1">
                 <a:solidFill>
                   <a:srgbClr val="3165BB"/>
@@ -4865,7 +4861,7 @@
               </a:rPr>
               <a:t>COALESCE </a:t>
             </a:r>
-            <a:r xmlns:a="http://schemas.openxmlformats.org/drawingml/2006/main">
+            <a:r>
               <a:rPr lang="en" dirty="0">
                 <a:solidFill>
                   <a:srgbClr val="000000"/>
@@ -4874,7 +4870,7 @@
               </a:rPr>
               <a:t>( </a:t>
             </a:r>
-            <a:r xmlns:a="http://schemas.openxmlformats.org/drawingml/2006/main">
+            <a:r>
               <a:rPr lang="en" dirty="0">
                 <a:solidFill>
                   <a:srgbClr val="3165BB"/>
@@ -4883,7 +4879,7 @@
               </a:rPr>
               <a:t>CALCULATE </a:t>
             </a:r>
-            <a:r xmlns:a="http://schemas.openxmlformats.org/drawingml/2006/main">
+            <a:r>
               <a:rPr lang="en" dirty="0">
                 <a:solidFill>
                   <a:srgbClr val="000000"/>
@@ -4892,7 +4888,7 @@
               </a:rPr>
               <a:t>( </a:t>
             </a:r>
-            <a:r xmlns:a="http://schemas.openxmlformats.org/drawingml/2006/main">
+            <a:r>
               <a:rPr lang="en" dirty="0">
                 <a:solidFill>
                   <a:srgbClr val="3165BB"/>
@@ -4901,7 +4897,7 @@
               </a:rPr>
               <a:t>SUM </a:t>
             </a:r>
-            <a:r xmlns:a="http://schemas.openxmlformats.org/drawingml/2006/main">
+            <a:r>
               <a:rPr lang="en" dirty="0">
                 <a:solidFill>
                   <a:srgbClr val="000000"/>
@@ -4910,7 +4906,7 @@
               </a:rPr>
               <a:t>( </a:t>
             </a:r>
-            <a:r xmlns:a="http://schemas.openxmlformats.org/drawingml/2006/main">
+            <a:r>
               <a:rPr lang="en" dirty="0">
                 <a:solidFill>
                   <a:srgbClr val="001080"/>
@@ -4919,7 +4915,7 @@
               </a:rPr>
               <a:t>FactSales[ </a:t>
             </a:r>
-            <a:r xmlns:a="http://schemas.openxmlformats.org/drawingml/2006/main">
+            <a:r>
               <a:rPr lang="en" dirty="0" err="1">
                 <a:solidFill>
                   <a:srgbClr val="001080"/>
@@ -4928,7 +4924,7 @@
               </a:rPr>
               <a:t>SalesAmount </a:t>
             </a:r>
-            <a:r xmlns:a="http://schemas.openxmlformats.org/drawingml/2006/main">
+            <a:r>
               <a:rPr lang="en" dirty="0">
                 <a:solidFill>
                   <a:srgbClr val="001080"/>
@@ -4937,7 +4933,7 @@
               </a:rPr>
               <a:t>] </a:t>
             </a:r>
-            <a:r xmlns:a="http://schemas.openxmlformats.org/drawingml/2006/main">
+            <a:r>
               <a:rPr lang="en" dirty="0">
                 <a:solidFill>
                   <a:srgbClr val="000000"/>
@@ -4946,7 +4942,7 @@
               </a:rPr>
               <a:t>)), </a:t>
             </a:r>
-            <a:r xmlns:a="http://schemas.openxmlformats.org/drawingml/2006/main">
+            <a:r>
               <a:rPr lang="en" dirty="0">
                 <a:solidFill>
                   <a:srgbClr val="098658"/>
@@ -4955,7 +4951,7 @@
               </a:rPr>
               <a:t>0 </a:t>
             </a:r>
-            <a:r xmlns:a="http://schemas.openxmlformats.org/drawingml/2006/main">
+            <a:r>
               <a:rPr lang="en" dirty="0">
                 <a:solidFill>
                   <a:srgbClr val="000000"/>
@@ -4964,7 +4960,7 @@
               </a:rPr>
               <a:t>))</a:t>
             </a:r>
-            <a:endParaRPr xmlns:a="http://schemas.openxmlformats.org/drawingml/2006/main" lang="en-US" b="0" dirty="0">
+            <a:endParaRPr lang="en-US" b="0" dirty="0">
               <a:solidFill>
                 <a:srgbClr val="000000"/>
               </a:solidFill>
@@ -5026,14 +5022,14 @@
           </a:bodyPr>
           <a:lstStyle/>
           <a:p>
-            <a:r xmlns:a="http://schemas.openxmlformats.org/drawingml/2006/main">
+            <a:r>
               <a:rPr lang="en" sz="2000" b="1" dirty="0" smtClean="0">
                 <a:latin typeface="Segoe UI" panose="020B0502040204020203" pitchFamily="34" charset="0"/>
                 <a:cs typeface="Segoe UI" panose="020B0502040204020203" pitchFamily="34" charset="0"/>
               </a:rPr>
               <a:t>Many to many</a:t>
             </a:r>
-            <a:endParaRPr xmlns:a="http://schemas.openxmlformats.org/drawingml/2006/main" lang="en-US" sz="2000" b="1" dirty="0">
+            <a:endParaRPr lang="en-US" sz="2000" b="1" dirty="0">
               <a:latin typeface="Segoe UI" panose="020B0502040204020203" pitchFamily="34" charset="0"/>
               <a:cs typeface="Segoe UI" panose="020B0502040204020203" pitchFamily="34" charset="0"/>
             </a:endParaRPr>
@@ -5099,7 +5095,7 @@
           </a:bodyPr>
           <a:lstStyle/>
           <a:p>
-            <a:pPr xmlns:a="http://schemas.openxmlformats.org/drawingml/2006/main" marL="0" marR="0" lvl="0" indent="0" algn="l" defTabSz="914400" rtl="0" eaLnBrk="0" fontAlgn="base" latinLnBrk="0" hangingPunct="0">
+            <a:pPr marL="0" marR="0" lvl="0" indent="0" algn="l" defTabSz="914400" rtl="0" eaLnBrk="0" fontAlgn="base" latinLnBrk="0" hangingPunct="0">
               <a:lnSpc>
                 <a:spcPct val="100000"/>
               </a:lnSpc>
@@ -5115,7 +5111,7 @@
               <a:buNone/>
               <a:tabLst/>
             </a:pPr>
-            <a:r xmlns:a="http://schemas.openxmlformats.org/drawingml/2006/main">
+            <a:r>
               <a:rPr kumimoji="0" lang="en" altLang="en-US" b="0" i="0" u="none" strike="noStrike" cap="none" normalizeH="0" baseline="0" dirty="0" smtClean="0">
                 <a:ln>
                   <a:noFill/>
@@ -5129,7 +5125,7 @@
               </a:rPr>
               <a:t>The </a:t>
             </a:r>
-            <a:r xmlns:a="http://schemas.openxmlformats.org/drawingml/2006/main">
+            <a:r>
               <a:rPr kumimoji="0" lang="en" altLang="en-US" b="1" i="0" u="none" strike="noStrike" cap="none" normalizeH="0" baseline="0" dirty="0" smtClean="0">
                 <a:ln>
                   <a:noFill/>
@@ -5143,7 +5139,7 @@
               </a:rPr>
               <a:t>Total Sales metric </a:t>
             </a:r>
-            <a:r xmlns:a="http://schemas.openxmlformats.org/drawingml/2006/main">
+            <a:r>
               <a:rPr kumimoji="0" lang="en" altLang="en-US" b="0" i="0" u="none" strike="noStrike" cap="none" normalizeH="0" baseline="0" dirty="0" smtClean="0">
                 <a:ln>
                   <a:noFill/>
@@ -5157,7 +5153,7 @@
               </a:rPr>
               <a:t>calculates the sum of </a:t>
             </a:r>
-            <a:r xmlns:a="http://schemas.openxmlformats.org/drawingml/2006/main">
+            <a:r>
               <a:rPr kumimoji="0" lang="en" altLang="en-US" b="1" i="0" u="none" strike="noStrike" cap="none" normalizeH="0" baseline="0" dirty="0" err="1" smtClean="0">
                 <a:ln>
                   <a:noFill/>
@@ -5171,7 +5167,7 @@
               </a:rPr>
               <a:t>SalesAmount </a:t>
             </a:r>
-            <a:r xmlns:a="http://schemas.openxmlformats.org/drawingml/2006/main">
+            <a:r>
               <a:rPr kumimoji="0" lang="en" altLang="en-US" b="0" i="0" u="none" strike="noStrike" cap="none" normalizeH="0" baseline="0" dirty="0" smtClean="0">
                 <a:ln>
                   <a:noFill/>
@@ -5185,7 +5181,7 @@
               </a:rPr>
               <a:t>by traversing the </a:t>
             </a:r>
-            <a:r xmlns:a="http://schemas.openxmlformats.org/drawingml/2006/main">
+            <a:r>
               <a:rPr kumimoji="0" lang="en" altLang="en-US" b="1" i="0" u="none" strike="noStrike" cap="none" normalizeH="0" baseline="0" dirty="0" err="1" smtClean="0">
                 <a:ln>
                   <a:noFill/>
@@ -5199,7 +5195,7 @@
               </a:rPr>
               <a:t>ProductSupplier table</a:t>
             </a:r>
-            <a:r xmlns:a="http://schemas.openxmlformats.org/drawingml/2006/main">
+            <a:r>
               <a:rPr kumimoji="0" lang="en" altLang="en-US" b="0" i="0" u="none" strike="noStrike" cap="none" normalizeH="0" baseline="0" dirty="0" smtClean="0">
                 <a:ln>
                   <a:noFill/>
@@ -5292,14 +5288,14 @@
           </a:bodyPr>
           <a:lstStyle/>
           <a:p>
-            <a:r xmlns:a="http://schemas.openxmlformats.org/drawingml/2006/main">
+            <a:r>
               <a:rPr lang="en" sz="2000" b="1" dirty="0" smtClean="0">
                 <a:latin typeface="Segoe UI" panose="020B0502040204020203" pitchFamily="34" charset="0"/>
                 <a:cs typeface="Segoe UI" panose="020B0502040204020203" pitchFamily="34" charset="0"/>
               </a:rPr>
               <a:t>Many to many</a:t>
             </a:r>
-            <a:endParaRPr xmlns:a="http://schemas.openxmlformats.org/drawingml/2006/main" lang="en-US" sz="2000" b="1" dirty="0">
+            <a:endParaRPr lang="en-US" sz="2000" b="1" dirty="0">
               <a:latin typeface="Segoe UI" panose="020B0502040204020203" pitchFamily="34" charset="0"/>
               <a:cs typeface="Segoe UI" panose="020B0502040204020203" pitchFamily="34" charset="0"/>
             </a:endParaRPr>
@@ -5365,7 +5361,7 @@
           </a:bodyPr>
           <a:lstStyle/>
           <a:p>
-            <a:pPr xmlns:a="http://schemas.openxmlformats.org/drawingml/2006/main" marL="0" marR="0" lvl="0" indent="0" algn="l" defTabSz="914400" rtl="0" eaLnBrk="0" fontAlgn="base" latinLnBrk="0" hangingPunct="0">
+            <a:pPr marL="0" marR="0" lvl="0" indent="0" algn="l" defTabSz="914400" rtl="0" eaLnBrk="0" fontAlgn="base" latinLnBrk="0" hangingPunct="0">
               <a:lnSpc>
                 <a:spcPct val="100000"/>
               </a:lnSpc>
@@ -5381,7 +5377,7 @@
               <a:buNone/>
               <a:tabLst/>
             </a:pPr>
-            <a:r xmlns:a="http://schemas.openxmlformats.org/drawingml/2006/main">
+            <a:r>
               <a:rPr kumimoji="0" lang="en" altLang="en-US" b="1" i="0" u="none" strike="noStrike" cap="none" normalizeH="0" baseline="0" dirty="0" smtClean="0">
                 <a:ln>
                   <a:noFill/>
@@ -5424,7 +5420,7 @@
             </a:endParaRPr>
           </a:p>
           <a:p>
-            <a:pPr xmlns:a="http://schemas.openxmlformats.org/drawingml/2006/main" marL="0" marR="0" lvl="0" indent="0" algn="l" defTabSz="914400" rtl="0" eaLnBrk="0" fontAlgn="base" latinLnBrk="0" hangingPunct="0">
+            <a:pPr marL="0" marR="0" lvl="0" indent="0" algn="l" defTabSz="914400" rtl="0" eaLnBrk="0" fontAlgn="base" latinLnBrk="0" hangingPunct="0">
               <a:lnSpc>
                 <a:spcPct val="100000"/>
               </a:lnSpc>
@@ -5438,7 +5434,7 @@
               <a:buSzTx/>
               <a:tabLst/>
             </a:pPr>
-            <a:r xmlns:a="http://schemas.openxmlformats.org/drawingml/2006/main">
+            <a:r>
               <a:rPr kumimoji="0" lang="en" altLang="en-US" b="1" i="0" u="none" strike="noStrike" cap="none" normalizeH="0" baseline="0" dirty="0" smtClean="0">
                 <a:ln>
                   <a:noFill/>
@@ -5452,7 +5448,7 @@
               </a:rPr>
               <a:t>SUMX( </a:t>
             </a:r>
-            <a:r xmlns:a="http://schemas.openxmlformats.org/drawingml/2006/main">
+            <a:r>
               <a:rPr kumimoji="0" lang="en" altLang="en-US" b="1" i="0" u="none" strike="noStrike" cap="none" normalizeH="0" baseline="0" dirty="0" err="1" smtClean="0">
                 <a:ln>
                   <a:noFill/>
@@ -5466,7 +5462,7 @@
               </a:rPr>
               <a:t>ProductSupplier </a:t>
             </a:r>
-            <a:r xmlns:a="http://schemas.openxmlformats.org/drawingml/2006/main">
+            <a:r>
               <a:rPr kumimoji="0" lang="en" altLang="en-US" b="1" i="0" u="none" strike="noStrike" cap="none" normalizeH="0" baseline="0" dirty="0" smtClean="0">
                 <a:ln>
                   <a:noFill/>
@@ -5480,7 +5476,7 @@
               </a:rPr>
               <a:t>, …)</a:t>
             </a:r>
-            <a:endParaRPr xmlns:a="http://schemas.openxmlformats.org/drawingml/2006/main" kumimoji="0" lang="fr-FR" altLang="en-US" b="0" i="0" u="none" strike="noStrike" cap="none" normalizeH="0" baseline="0" dirty="0" smtClean="0">
+            <a:endParaRPr kumimoji="0" lang="fr-FR" altLang="en-US" b="0" i="0" u="none" strike="noStrike" cap="none" normalizeH="0" baseline="0" dirty="0" smtClean="0">
               <a:ln>
                 <a:noFill/>
               </a:ln>
@@ -5493,7 +5489,7 @@
             </a:endParaRPr>
           </a:p>
           <a:p>
-            <a:pPr xmlns:a="http://schemas.openxmlformats.org/drawingml/2006/main" marL="457200" marR="0" lvl="1" indent="0" algn="l" defTabSz="914400" rtl="0" eaLnBrk="0" fontAlgn="base" latinLnBrk="0" hangingPunct="0">
+            <a:pPr marL="457200" marR="0" lvl="1" indent="0" algn="l" defTabSz="914400" rtl="0" eaLnBrk="0" fontAlgn="base" latinLnBrk="0" hangingPunct="0">
               <a:lnSpc>
                 <a:spcPct val="100000"/>
               </a:lnSpc>
@@ -5509,7 +5505,7 @@
               <a:buChar char="•"/>
               <a:tabLst/>
             </a:pPr>
-            <a:r xmlns:a="http://schemas.openxmlformats.org/drawingml/2006/main">
+            <a:r>
               <a:rPr kumimoji="0" lang="en" altLang="en-US" b="1" i="0" u="none" strike="noStrike" cap="none" normalizeH="0" baseline="0" dirty="0" smtClean="0">
                 <a:ln>
                   <a:noFill/>
@@ -5523,7 +5519,7 @@
               </a:rPr>
               <a:t>SUMX iterates through each row of the </a:t>
             </a:r>
-            <a:r xmlns:a="http://schemas.openxmlformats.org/drawingml/2006/main">
+            <a:r>
               <a:rPr kumimoji="0" lang="en" altLang="en-US" b="1" i="0" u="none" strike="noStrike" cap="none" normalizeH="0" baseline="0" dirty="0" err="1" smtClean="0">
                 <a:ln>
                   <a:noFill/>
@@ -5537,7 +5533,7 @@
               </a:rPr>
               <a:t>ProductSupplier </a:t>
             </a:r>
-            <a:r xmlns:a="http://schemas.openxmlformats.org/drawingml/2006/main">
+            <a:r>
               <a:rPr kumimoji="0" lang="en" altLang="en-US" b="0" i="0" u="none" strike="noStrike" cap="none" normalizeH="0" baseline="0" dirty="0" smtClean="0">
                 <a:ln>
                   <a:noFill/>
@@ -5549,25 +5545,11 @@
                 <a:latin typeface="Segoe UI" panose="020B0502040204020203" pitchFamily="34" charset="0"/>
                 <a:cs typeface="Segoe UI" panose="020B0502040204020203" pitchFamily="34" charset="0"/>
               </a:rPr>
-              <a:t>table </a:t>
-            </a:r>
-            <a:r xmlns:a="http://schemas.openxmlformats.org/drawingml/2006/main">
-              <a:rPr kumimoji="0" lang="en" altLang="en-US" b="0" i="0" u="none" strike="noStrike" cap="none" normalizeH="0" baseline="0" dirty="0" smtClean="0">
-                <a:ln>
-                  <a:noFill/>
-                </a:ln>
-                <a:solidFill>
-                  <a:schemeClr val="tx1"/>
-                </a:solidFill>
-                <a:effectLst/>
-                <a:latin typeface="Segoe UI" panose="020B0502040204020203" pitchFamily="34" charset="0"/>
-                <a:cs typeface="Segoe UI" panose="020B0502040204020203" pitchFamily="34" charset="0"/>
-              </a:rPr>
-              <a:t>.</a:t>
-            </a:r>
-          </a:p>
-          <a:p>
-            <a:pPr xmlns:a="http://schemas.openxmlformats.org/drawingml/2006/main" marL="457200" marR="0" lvl="1" indent="0" algn="l" defTabSz="914400" rtl="0" eaLnBrk="0" fontAlgn="base" latinLnBrk="0" hangingPunct="0">
+              <a:t>table .</a:t>
+            </a:r>
+          </a:p>
+          <a:p>
+            <a:pPr marL="457200" marR="0" lvl="1" indent="0" algn="l" defTabSz="914400" rtl="0" eaLnBrk="0" fontAlgn="base" latinLnBrk="0" hangingPunct="0">
               <a:lnSpc>
                 <a:spcPct val="100000"/>
               </a:lnSpc>
@@ -5583,7 +5565,7 @@
               <a:buChar char="•"/>
               <a:tabLst/>
             </a:pPr>
-            <a:r xmlns:a="http://schemas.openxmlformats.org/drawingml/2006/main">
+            <a:r>
               <a:rPr kumimoji="0" lang="en" altLang="en-US" b="0" i="0" u="none" strike="noStrike" cap="none" normalizeH="0" baseline="0" dirty="0" smtClean="0">
                 <a:ln>
                   <a:noFill/>
@@ -5659,7 +5641,7 @@
           </a:bodyPr>
           <a:lstStyle/>
           <a:p>
-            <a:pPr xmlns:a="http://schemas.openxmlformats.org/drawingml/2006/main" marL="0" marR="0" lvl="0" indent="0" algn="l" defTabSz="914400" rtl="0" eaLnBrk="0" fontAlgn="base" latinLnBrk="0" hangingPunct="0">
+            <a:pPr marL="0" marR="0" lvl="0" indent="0" algn="l" defTabSz="914400" rtl="0" eaLnBrk="0" fontAlgn="base" latinLnBrk="0" hangingPunct="0">
               <a:lnSpc>
                 <a:spcPct val="100000"/>
               </a:lnSpc>
@@ -5675,7 +5657,7 @@
               <a:buNone/>
               <a:tabLst/>
             </a:pPr>
-            <a:r xmlns:a="http://schemas.openxmlformats.org/drawingml/2006/main">
+            <a:r>
               <a:rPr kumimoji="0" lang="en" altLang="en-US" b="1" i="0" u="none" strike="noStrike" cap="none" normalizeH="0" baseline="0" dirty="0" smtClean="0">
                 <a:ln>
                   <a:noFill/>
@@ -5689,7 +5671,7 @@
               </a:rPr>
               <a:t>CALCULATE(SUM(FactSales[ </a:t>
             </a:r>
-            <a:r xmlns:a="http://schemas.openxmlformats.org/drawingml/2006/main">
+            <a:r>
               <a:rPr kumimoji="0" lang="en" altLang="en-US" b="1" i="0" u="none" strike="noStrike" cap="none" normalizeH="0" baseline="0" dirty="0" err="1" smtClean="0">
                 <a:ln>
                   <a:noFill/>
@@ -5703,7 +5685,7 @@
               </a:rPr>
               <a:t>SalesAmount </a:t>
             </a:r>
-            <a:r xmlns:a="http://schemas.openxmlformats.org/drawingml/2006/main">
+            <a:r>
               <a:rPr kumimoji="0" lang="en" altLang="en-US" b="1" i="0" u="none" strike="noStrike" cap="none" normalizeH="0" baseline="0" dirty="0" smtClean="0">
                 <a:ln>
                   <a:noFill/>
@@ -5717,7 +5699,7 @@
               </a:rPr>
               <a:t>]))</a:t>
             </a:r>
-            <a:endParaRPr xmlns:a="http://schemas.openxmlformats.org/drawingml/2006/main" kumimoji="0" lang="fr-FR" altLang="en-US" b="0" i="0" u="none" strike="noStrike" cap="none" normalizeH="0" baseline="0" dirty="0" smtClean="0">
+            <a:endParaRPr kumimoji="0" lang="fr-FR" altLang="en-US" b="0" i="0" u="none" strike="noStrike" cap="none" normalizeH="0" baseline="0" dirty="0" smtClean="0">
               <a:ln>
                 <a:noFill/>
               </a:ln>
@@ -5730,7 +5712,7 @@
             </a:endParaRPr>
           </a:p>
           <a:p>
-            <a:pPr xmlns:a="http://schemas.openxmlformats.org/drawingml/2006/main" lvl="1" eaLnBrk="0" fontAlgn="base" hangingPunct="0">
+            <a:pPr lvl="1" eaLnBrk="0" fontAlgn="base" hangingPunct="0">
               <a:spcBef>
                 <a:spcPct val="0"/>
               </a:spcBef>
@@ -5740,7 +5722,7 @@
               <a:buFontTx/>
               <a:buChar char="•"/>
             </a:pPr>
-            <a:r xmlns:a="http://schemas.openxmlformats.org/drawingml/2006/main">
+            <a:r>
               <a:rPr kumimoji="0" lang="en" altLang="en-US" b="1" i="0" u="none" strike="noStrike" cap="none" normalizeH="0" baseline="0" dirty="0" smtClean="0">
                 <a:ln>
                   <a:noFill/>
@@ -5754,7 +5736,7 @@
               </a:rPr>
               <a:t>SUM(FactSales[ </a:t>
             </a:r>
-            <a:r xmlns:a="http://schemas.openxmlformats.org/drawingml/2006/main">
+            <a:r>
               <a:rPr kumimoji="0" lang="en" altLang="en-US" b="1" i="0" u="none" strike="noStrike" cap="none" normalizeH="0" baseline="0" dirty="0" err="1" smtClean="0">
                 <a:ln>
                   <a:noFill/>
@@ -5768,7 +5750,7 @@
               </a:rPr>
               <a:t>SalesAmount </a:t>
             </a:r>
-            <a:r xmlns:a="http://schemas.openxmlformats.org/drawingml/2006/main">
+            <a:r>
               <a:rPr kumimoji="0" lang="en" altLang="en-US" b="1" i="0" u="none" strike="noStrike" cap="none" normalizeH="0" baseline="0" dirty="0" smtClean="0">
                 <a:ln>
                   <a:noFill/>
@@ -5782,7 +5764,7 @@
               </a:rPr>
               <a:t>]) </a:t>
             </a:r>
-            <a:r xmlns:a="http://schemas.openxmlformats.org/drawingml/2006/main">
+            <a:r>
               <a:rPr kumimoji="0" lang="en" altLang="en-US" b="0" i="0" u="none" strike="noStrike" cap="none" normalizeH="0" baseline="0" dirty="0" smtClean="0">
                 <a:ln>
                   <a:noFill/>
@@ -5798,7 +5780,7 @@
             </a:r>
           </a:p>
           <a:p>
-            <a:pPr xmlns:a="http://schemas.openxmlformats.org/drawingml/2006/main" lvl="1" eaLnBrk="0" fontAlgn="base" hangingPunct="0">
+            <a:pPr lvl="1" eaLnBrk="0" fontAlgn="base" hangingPunct="0">
               <a:spcBef>
                 <a:spcPct val="0"/>
               </a:spcBef>
@@ -5808,7 +5790,7 @@
               <a:buFontTx/>
               <a:buChar char="•"/>
             </a:pPr>
-            <a:r xmlns:a="http://schemas.openxmlformats.org/drawingml/2006/main">
+            <a:r>
               <a:rPr kumimoji="0" lang="en" altLang="en-US" b="1" i="0" u="none" strike="noStrike" cap="none" normalizeH="0" baseline="0" dirty="0" smtClean="0">
                 <a:ln>
                   <a:noFill/>
@@ -5822,7 +5804,7 @@
               </a:rPr>
               <a:t>CALCULATE </a:t>
             </a:r>
-            <a:r xmlns:a="http://schemas.openxmlformats.org/drawingml/2006/main">
+            <a:r>
               <a:rPr kumimoji="0" lang="en" altLang="en-US" b="0" i="0" u="none" strike="noStrike" cap="none" normalizeH="0" baseline="0" dirty="0" smtClean="0">
                 <a:ln>
                   <a:noFill/>
@@ -5838,7 +5820,7 @@
             </a:r>
           </a:p>
           <a:p>
-            <a:pPr xmlns:a="http://schemas.openxmlformats.org/drawingml/2006/main" lvl="1" eaLnBrk="0" fontAlgn="base" hangingPunct="0">
+            <a:pPr lvl="1" eaLnBrk="0" fontAlgn="base" hangingPunct="0">
               <a:spcBef>
                 <a:spcPct val="0"/>
               </a:spcBef>
@@ -5846,21 +5828,21 @@
                 <a:spcPct val="0"/>
               </a:spcAft>
             </a:pPr>
-            <a:r xmlns:a="http://schemas.openxmlformats.org/drawingml/2006/main">
+            <a:r>
               <a:rPr lang="en" altLang="en-US" dirty="0">
                 <a:latin typeface="Segoe UI" panose="020B0502040204020203" pitchFamily="34" charset="0"/>
                 <a:cs typeface="Segoe UI" panose="020B0502040204020203" pitchFamily="34" charset="0"/>
               </a:rPr>
               <a:t> </a:t>
             </a:r>
-            <a:r xmlns:a="http://schemas.openxmlformats.org/drawingml/2006/main">
+            <a:r>
               <a:rPr lang="en" altLang="en-US" dirty="0" smtClean="0">
                 <a:latin typeface="Segoe UI" panose="020B0502040204020203" pitchFamily="34" charset="0"/>
                 <a:cs typeface="Segoe UI" panose="020B0502040204020203" pitchFamily="34" charset="0"/>
               </a:rPr>
               <a:t>                      </a:t>
             </a:r>
-            <a:r xmlns:a="http://schemas.openxmlformats.org/drawingml/2006/main">
+            <a:r>
               <a:rPr kumimoji="0" lang="en" altLang="en-US" b="0" i="0" u="none" strike="noStrike" cap="none" normalizeH="0" baseline="0" dirty="0" smtClean="0">
                 <a:ln>
                   <a:noFill/>
@@ -5874,7 +5856,7 @@
               </a:rPr>
               <a:t>to the supplier</a:t>
             </a:r>
-            <a:r xmlns:a="http://schemas.openxmlformats.org/drawingml/2006/main">
+            <a:r>
               <a:rPr kumimoji="0" lang="en" altLang="en-US" b="0" i="0" u="none" strike="noStrike" cap="none" normalizeH="0" dirty="0" smtClean="0">
                 <a:ln>
                   <a:noFill/>
@@ -5888,7 +5870,7 @@
               </a:rPr>
               <a:t> </a:t>
             </a:r>
-            <a:r xmlns:a="http://schemas.openxmlformats.org/drawingml/2006/main">
+            <a:r>
               <a:rPr kumimoji="0" lang="en" altLang="en-US" b="0" i="0" u="none" strike="noStrike" cap="none" normalizeH="0" baseline="0" dirty="0" smtClean="0">
                 <a:ln>
                   <a:noFill/>
@@ -5993,7 +5975,7 @@
           </a:bodyPr>
           <a:lstStyle/>
           <a:p>
-            <a:pPr xmlns:a="http://schemas.openxmlformats.org/drawingml/2006/main" marL="0" marR="0" lvl="0" indent="0" algn="l" defTabSz="914400" rtl="0" eaLnBrk="0" fontAlgn="base" latinLnBrk="0" hangingPunct="0">
+            <a:pPr marL="0" marR="0" lvl="0" indent="0" algn="l" defTabSz="914400" rtl="0" eaLnBrk="0" fontAlgn="base" latinLnBrk="0" hangingPunct="0">
               <a:lnSpc>
                 <a:spcPct val="100000"/>
               </a:lnSpc>
@@ -6009,7 +5991,7 @@
               <a:buNone/>
               <a:tabLst/>
             </a:pPr>
-            <a:r xmlns:a="http://schemas.openxmlformats.org/drawingml/2006/main">
+            <a:r>
               <a:rPr kumimoji="0" lang="en" altLang="en-US" b="1" i="0" u="none" strike="noStrike" cap="none" normalizeH="0" baseline="0" dirty="0" smtClean="0">
                 <a:ln>
                   <a:noFill/>
@@ -6023,7 +6005,7 @@
               </a:rPr>
               <a:t>COALESCE(..., 0)</a:t>
             </a:r>
-            <a:endParaRPr xmlns:a="http://schemas.openxmlformats.org/drawingml/2006/main" kumimoji="0" lang="fr-FR" altLang="en-US" b="0" i="0" u="none" strike="noStrike" cap="none" normalizeH="0" baseline="0" dirty="0" smtClean="0">
+            <a:endParaRPr kumimoji="0" lang="fr-FR" altLang="en-US" b="0" i="0" u="none" strike="noStrike" cap="none" normalizeH="0" baseline="0" dirty="0" smtClean="0">
               <a:ln>
                 <a:noFill/>
               </a:ln>
@@ -6036,7 +6018,7 @@
             </a:endParaRPr>
           </a:p>
           <a:p>
-            <a:pPr xmlns:a="http://schemas.openxmlformats.org/drawingml/2006/main" lvl="1" eaLnBrk="0" fontAlgn="base" hangingPunct="0">
+            <a:pPr lvl="1" eaLnBrk="0" fontAlgn="base" hangingPunct="0">
               <a:spcBef>
                 <a:spcPct val="0"/>
               </a:spcBef>
@@ -6046,7 +6028,7 @@
               <a:buFontTx/>
               <a:buChar char="•"/>
             </a:pPr>
-            <a:r xmlns:a="http://schemas.openxmlformats.org/drawingml/2006/main">
+            <a:r>
               <a:rPr kumimoji="0" lang="en" altLang="en-US" b="0" i="0" u="none" strike="noStrike" cap="none" normalizeH="0" baseline="0" dirty="0" smtClean="0">
                 <a:ln>
                   <a:noFill/>
@@ -6060,7 +6042,7 @@
               </a:rPr>
               <a:t>If a supplier has no sales in </a:t>
             </a:r>
-            <a:r xmlns:a="http://schemas.openxmlformats.org/drawingml/2006/main">
+            <a:r>
               <a:rPr kumimoji="0" lang="en" altLang="en-US" b="1" i="0" u="none" strike="noStrike" cap="none" normalizeH="0" baseline="0" dirty="0" smtClean="0">
                 <a:ln>
                   <a:noFill/>
@@ -6074,7 +6056,7 @@
               </a:rPr>
               <a:t>FactSales </a:t>
             </a:r>
-            <a:r xmlns:a="http://schemas.openxmlformats.org/drawingml/2006/main">
+            <a:r>
               <a:rPr kumimoji="0" lang="en" altLang="en-US" b="0" i="0" u="none" strike="noStrike" cap="none" normalizeH="0" baseline="0" dirty="0" smtClean="0">
                 <a:ln>
                   <a:noFill/>
@@ -6088,7 +6070,7 @@
               </a:rPr>
               <a:t>, </a:t>
             </a:r>
-            <a:r xmlns:a="http://schemas.openxmlformats.org/drawingml/2006/main">
+            <a:r>
               <a:rPr kumimoji="0" lang="en" altLang="en-US" b="1" i="0" u="none" strike="noStrike" cap="none" normalizeH="0" baseline="0" dirty="0" smtClean="0">
                 <a:ln>
                   <a:noFill/>
@@ -6102,7 +6084,7 @@
               </a:rPr>
               <a:t>SUM(FactSales[ </a:t>
             </a:r>
-            <a:r xmlns:a="http://schemas.openxmlformats.org/drawingml/2006/main">
+            <a:r>
               <a:rPr kumimoji="0" lang="en" altLang="en-US" b="1" i="0" u="none" strike="noStrike" cap="none" normalizeH="0" baseline="0" dirty="0" err="1" smtClean="0">
                 <a:ln>
                   <a:noFill/>
@@ -6116,7 +6098,7 @@
               </a:rPr>
               <a:t>SalesAmount </a:t>
             </a:r>
-            <a:r xmlns:a="http://schemas.openxmlformats.org/drawingml/2006/main">
+            <a:r>
               <a:rPr kumimoji="0" lang="en" altLang="en-US" b="1" i="0" u="none" strike="noStrike" cap="none" normalizeH="0" baseline="0" dirty="0" smtClean="0">
                 <a:ln>
                   <a:noFill/>
@@ -6130,7 +6112,7 @@
               </a:rPr>
               <a:t>]) </a:t>
             </a:r>
-            <a:r xmlns:a="http://schemas.openxmlformats.org/drawingml/2006/main">
+            <a:r>
               <a:rPr kumimoji="0" lang="en" altLang="en-US" b="0" i="0" u="none" strike="noStrike" cap="none" normalizeH="0" baseline="0" dirty="0" smtClean="0">
                 <a:ln>
                   <a:noFill/>
@@ -6144,7 +6126,7 @@
               </a:rPr>
               <a:t>will return </a:t>
             </a:r>
-            <a:r xmlns:a="http://schemas.openxmlformats.org/drawingml/2006/main">
+            <a:r>
               <a:rPr kumimoji="0" lang="en" altLang="en-US" b="1" i="0" u="none" strike="noStrike" cap="none" normalizeH="0" baseline="0" dirty="0" smtClean="0">
                 <a:ln>
                   <a:noFill/>
@@ -6160,7 +6142,7 @@
             </a:r>
           </a:p>
           <a:p>
-            <a:pPr xmlns:a="http://schemas.openxmlformats.org/drawingml/2006/main" lvl="1" eaLnBrk="0" fontAlgn="base" hangingPunct="0">
+            <a:pPr lvl="1" eaLnBrk="0" fontAlgn="base" hangingPunct="0">
               <a:spcBef>
                 <a:spcPct val="0"/>
               </a:spcBef>
@@ -6170,7 +6152,7 @@
               <a:buFontTx/>
               <a:buChar char="•"/>
             </a:pPr>
-            <a:r xmlns:a="http://schemas.openxmlformats.org/drawingml/2006/main">
+            <a:r>
               <a:rPr kumimoji="0" lang="en" altLang="en-US" b="1" i="0" u="none" strike="noStrike" cap="none" normalizeH="0" baseline="0" dirty="0" smtClean="0">
                 <a:ln>
                   <a:noFill/>
@@ -6184,7 +6166,7 @@
               </a:rPr>
               <a:t>COALESCE </a:t>
             </a:r>
-            <a:r xmlns:a="http://schemas.openxmlformats.org/drawingml/2006/main">
+            <a:r>
               <a:rPr kumimoji="0" lang="en" altLang="en-US" b="0" i="0" u="none" strike="noStrike" cap="none" normalizeH="0" baseline="0" dirty="0" smtClean="0">
                 <a:ln>
                   <a:noFill/>
@@ -6198,7 +6180,7 @@
               </a:rPr>
               <a:t>replaces </a:t>
             </a:r>
-            <a:r xmlns:a="http://schemas.openxmlformats.org/drawingml/2006/main">
+            <a:r>
               <a:rPr kumimoji="0" lang="en" altLang="en-US" b="1" i="0" u="none" strike="noStrike" cap="none" normalizeH="0" baseline="0" dirty="0" smtClean="0">
                 <a:ln>
                   <a:noFill/>
@@ -6212,7 +6194,7 @@
               </a:rPr>
               <a:t>BLANK() </a:t>
             </a:r>
-            <a:r xmlns:a="http://schemas.openxmlformats.org/drawingml/2006/main">
+            <a:r>
               <a:rPr kumimoji="0" lang="en" altLang="en-US" b="0" i="0" u="none" strike="noStrike" cap="none" normalizeH="0" baseline="0" dirty="0" smtClean="0">
                 <a:ln>
                   <a:noFill/>
@@ -6310,14 +6292,14 @@
           </a:bodyPr>
           <a:lstStyle/>
           <a:p>
-            <a:r xmlns:a="http://schemas.openxmlformats.org/drawingml/2006/main">
+            <a:r>
               <a:rPr lang="en" sz="2000" b="1" dirty="0" smtClean="0">
                 <a:latin typeface="Segoe UI" panose="020B0502040204020203" pitchFamily="34" charset="0"/>
                 <a:cs typeface="Segoe UI" panose="020B0502040204020203" pitchFamily="34" charset="0"/>
               </a:rPr>
               <a:t>Many to many</a:t>
             </a:r>
-            <a:endParaRPr xmlns:a="http://schemas.openxmlformats.org/drawingml/2006/main" lang="en-US" sz="2000" b="1" dirty="0">
+            <a:endParaRPr lang="en-US" sz="2000" b="1" dirty="0">
               <a:latin typeface="Segoe UI" panose="020B0502040204020203" pitchFamily="34" charset="0"/>
               <a:cs typeface="Segoe UI" panose="020B0502040204020203" pitchFamily="34" charset="0"/>
             </a:endParaRPr>
@@ -6345,56 +6327,56 @@
           </a:bodyPr>
           <a:lstStyle/>
           <a:p>
-            <a:r xmlns:a="http://schemas.openxmlformats.org/drawingml/2006/main">
+            <a:r>
               <a:rPr lang="en" dirty="0" smtClean="0">
                 <a:latin typeface="Segoe UI" panose="020B0502040204020203" pitchFamily="34" charset="0"/>
                 <a:cs typeface="Segoe UI" panose="020B0502040204020203" pitchFamily="34" charset="0"/>
               </a:rPr>
               <a:t>Add a Table visual with </a:t>
             </a:r>
-            <a:r xmlns:a="http://schemas.openxmlformats.org/drawingml/2006/main">
+            <a:r>
               <a:rPr lang="en" b="1" dirty="0" err="1" smtClean="0">
                 <a:latin typeface="Segoe UI" panose="020B0502040204020203" pitchFamily="34" charset="0"/>
                 <a:cs typeface="Segoe UI" panose="020B0502040204020203" pitchFamily="34" charset="0"/>
               </a:rPr>
               <a:t>ProductName </a:t>
             </a:r>
-            <a:r xmlns:a="http://schemas.openxmlformats.org/drawingml/2006/main">
+            <a:r>
               <a:rPr lang="en" dirty="0" smtClean="0">
                 <a:latin typeface="Segoe UI" panose="020B0502040204020203" pitchFamily="34" charset="0"/>
                 <a:cs typeface="Segoe UI" panose="020B0502040204020203" pitchFamily="34" charset="0"/>
               </a:rPr>
               <a:t>, </a:t>
             </a:r>
-            <a:r xmlns:a="http://schemas.openxmlformats.org/drawingml/2006/main">
+            <a:r>
               <a:rPr lang="en" b="1" dirty="0" err="1" smtClean="0">
                 <a:latin typeface="Segoe UI" panose="020B0502040204020203" pitchFamily="34" charset="0"/>
                 <a:cs typeface="Segoe UI" panose="020B0502040204020203" pitchFamily="34" charset="0"/>
               </a:rPr>
               <a:t>SupplierName </a:t>
             </a:r>
-            <a:r xmlns:a="http://schemas.openxmlformats.org/drawingml/2006/main">
+            <a:r>
               <a:rPr lang="en" dirty="0" smtClean="0">
                 <a:latin typeface="Segoe UI" panose="020B0502040204020203" pitchFamily="34" charset="0"/>
                 <a:cs typeface="Segoe UI" panose="020B0502040204020203" pitchFamily="34" charset="0"/>
               </a:rPr>
               <a:t>and </a:t>
             </a:r>
-            <a:r xmlns:a="http://schemas.openxmlformats.org/drawingml/2006/main">
+            <a:r>
               <a:rPr lang="en" b="1" dirty="0" smtClean="0">
                 <a:latin typeface="Segoe UI" panose="020B0502040204020203" pitchFamily="34" charset="0"/>
                 <a:cs typeface="Segoe UI" panose="020B0502040204020203" pitchFamily="34" charset="0"/>
               </a:rPr>
               <a:t>Total Sales </a:t>
             </a:r>
-            <a:r xmlns:a="http://schemas.openxmlformats.org/drawingml/2006/main">
+            <a:r>
               <a:rPr lang="en" dirty="0" smtClean="0">
                 <a:latin typeface="Segoe UI" panose="020B0502040204020203" pitchFamily="34" charset="0"/>
                 <a:cs typeface="Segoe UI" panose="020B0502040204020203" pitchFamily="34" charset="0"/>
               </a:rPr>
               <a:t>as columns</a:t>
             </a:r>
-            <a:endParaRPr xmlns:a="http://schemas.openxmlformats.org/drawingml/2006/main" lang="fr-FR" dirty="0">
+            <a:endParaRPr lang="fr-FR" dirty="0">
               <a:latin typeface="Segoe UI" panose="020B0502040204020203" pitchFamily="34" charset="0"/>
               <a:cs typeface="Segoe UI" panose="020B0502040204020203" pitchFamily="34" charset="0"/>
             </a:endParaRPr>
@@ -6735,14 +6717,14 @@
           </a:bodyPr>
           <a:lstStyle/>
           <a:p>
-            <a:r xmlns:a="http://schemas.openxmlformats.org/drawingml/2006/main">
+            <a:r>
               <a:rPr lang="en" sz="2000" b="1" dirty="0" smtClean="0">
                 <a:latin typeface="Segoe UI" panose="020B0502040204020203" pitchFamily="34" charset="0"/>
                 <a:cs typeface="Segoe UI" panose="020B0502040204020203" pitchFamily="34" charset="0"/>
               </a:rPr>
               <a:t>Many to many</a:t>
             </a:r>
-            <a:endParaRPr xmlns:a="http://schemas.openxmlformats.org/drawingml/2006/main" lang="en-US" sz="2000" b="1" dirty="0">
+            <a:endParaRPr lang="en-US" sz="2000" b="1" dirty="0">
               <a:latin typeface="Segoe UI" panose="020B0502040204020203" pitchFamily="34" charset="0"/>
               <a:cs typeface="Segoe UI" panose="020B0502040204020203" pitchFamily="34" charset="0"/>
             </a:endParaRPr>
@@ -6770,11 +6752,11 @@
           </a:bodyPr>
           <a:lstStyle/>
           <a:p>
-            <a:r xmlns:a="http://schemas.openxmlformats.org/drawingml/2006/main">
+            <a:r>
               <a:rPr lang="en" sz="2000" dirty="0" smtClean="0"/>
               <a:t>Observe the difference now</a:t>
             </a:r>
-            <a:endParaRPr xmlns:a="http://schemas.openxmlformats.org/drawingml/2006/main" lang="fr-FR" sz="2000" dirty="0">
+            <a:endParaRPr lang="fr-FR" sz="2000" dirty="0">
               <a:latin typeface="Segoe UI" panose="020B0502040204020203" pitchFamily="34" charset="0"/>
               <a:cs typeface="Segoe UI" panose="020B0502040204020203" pitchFamily="34" charset="0"/>
             </a:endParaRPr>
@@ -6869,14 +6851,14 @@
           </a:bodyPr>
           <a:lstStyle/>
           <a:p>
-            <a:r xmlns:a="http://schemas.openxmlformats.org/drawingml/2006/main">
+            <a:r>
               <a:rPr lang="en" sz="1400" b="1" dirty="0" smtClean="0">
                 <a:latin typeface="Segoe UI" panose="020B0502040204020203" pitchFamily="34" charset="0"/>
                 <a:cs typeface="Segoe UI" panose="020B0502040204020203" pitchFamily="34" charset="0"/>
               </a:rPr>
               <a:t>Without Many to Many</a:t>
             </a:r>
-            <a:endParaRPr xmlns:a="http://schemas.openxmlformats.org/drawingml/2006/main" lang="en-US" sz="1400" b="1" dirty="0"/>
+            <a:endParaRPr lang="en-US" sz="1400" b="1" dirty="0"/>
           </a:p>
         </p:txBody>
       </p:sp>
@@ -6901,14 +6883,14 @@
           </a:bodyPr>
           <a:lstStyle/>
           <a:p>
-            <a:r xmlns:a="http://schemas.openxmlformats.org/drawingml/2006/main">
+            <a:r>
               <a:rPr lang="en" sz="1400" b="1" dirty="0" smtClean="0">
                 <a:latin typeface="Segoe UI" panose="020B0502040204020203" pitchFamily="34" charset="0"/>
                 <a:cs typeface="Segoe UI" panose="020B0502040204020203" pitchFamily="34" charset="0"/>
               </a:rPr>
               <a:t>With Many to Many</a:t>
             </a:r>
-            <a:endParaRPr xmlns:a="http://schemas.openxmlformats.org/drawingml/2006/main" lang="en-US" sz="1400" b="1" dirty="0"/>
+            <a:endParaRPr lang="en-US" sz="1400" b="1" dirty="0"/>
           </a:p>
         </p:txBody>
       </p:sp>
